--- a/data/docs/Презентация.pptx
+++ b/data/docs/Презентация.pptx
@@ -5,16 +5,17 @@
     <p:sldMasterId id="2147483648" r:id="rId1"/>
   </p:sldMasterIdLst>
   <p:notesMasterIdLst>
-    <p:notesMasterId r:id="rId6"/>
+    <p:notesMasterId r:id="rId7"/>
   </p:notesMasterIdLst>
   <p:handoutMasterIdLst>
-    <p:handoutMasterId r:id="rId7"/>
+    <p:handoutMasterId r:id="rId8"/>
   </p:handoutMasterIdLst>
   <p:sldIdLst>
     <p:sldId id="256" r:id="rId2"/>
-    <p:sldId id="258" r:id="rId3"/>
-    <p:sldId id="259" r:id="rId4"/>
-    <p:sldId id="260" r:id="rId5"/>
+    <p:sldId id="261" r:id="rId3"/>
+    <p:sldId id="258" r:id="rId4"/>
+    <p:sldId id="259" r:id="rId5"/>
+    <p:sldId id="260" r:id="rId6"/>
   </p:sldIdLst>
   <p:sldSz cx="12192000" cy="6858000"/>
   <p:notesSz cx="6858000" cy="9144000"/>
@@ -115,7 +116,7 @@
   </p:defaultTextStyle>
   <p:extLst>
     <p:ext uri="{EFAFB233-063F-42B5-8137-9DF3F51BA10A}">
-      <p15:sldGuideLst xmlns:p15="http://schemas.microsoft.com/office/powerpoint/2012/main">
+      <p15:sldGuideLst xmlns:p15="http://schemas.microsoft.com/office/powerpoint/2012/main" xmlns="">
         <p15:guide id="1" orient="horz" pos="2160">
           <p15:clr>
             <a:srgbClr val="A4A3A4"/>
@@ -129,7 +130,7 @@
       </p15:sldGuideLst>
     </p:ext>
     <p:ext uri="{2D200454-40CA-4A62-9FC3-DE9A4176ACB9}">
-      <p15:notesGuideLst xmlns:p15="http://schemas.microsoft.com/office/powerpoint/2012/main"/>
+      <p15:notesGuideLst xmlns:p15="http://schemas.microsoft.com/office/powerpoint/2012/main" xmlns=""/>
     </p:ext>
   </p:extLst>
 </p:presentation>
@@ -926,6 +927,753 @@
 </dgm:colorsDef>
 </file>
 
+<file path=ppt/diagrams/colors2.xml><?xml version="1.0" encoding="utf-8"?>
+<dgm:colorsDef xmlns:dgm="http://schemas.openxmlformats.org/drawingml/2006/diagram" xmlns:a="http://schemas.openxmlformats.org/drawingml/2006/main" uniqueId="urn:microsoft.com/office/officeart/2005/8/colors/accent1_2">
+  <dgm:title val=""/>
+  <dgm:desc val=""/>
+  <dgm:catLst>
+    <dgm:cat type="accent1" pri="11200"/>
+  </dgm:catLst>
+  <dgm:styleLbl name="node0">
+    <dgm:fillClrLst meth="repeat">
+      <a:schemeClr val="accent1"/>
+    </dgm:fillClrLst>
+    <dgm:linClrLst meth="repeat">
+      <a:schemeClr val="lt1"/>
+    </dgm:linClrLst>
+    <dgm:effectClrLst/>
+    <dgm:txLinClrLst/>
+    <dgm:txFillClrLst/>
+    <dgm:txEffectClrLst/>
+  </dgm:styleLbl>
+  <dgm:styleLbl name="alignNode1">
+    <dgm:fillClrLst meth="repeat">
+      <a:schemeClr val="accent1"/>
+    </dgm:fillClrLst>
+    <dgm:linClrLst meth="repeat">
+      <a:schemeClr val="accent1"/>
+    </dgm:linClrLst>
+    <dgm:effectClrLst/>
+    <dgm:txLinClrLst/>
+    <dgm:txFillClrLst/>
+    <dgm:txEffectClrLst/>
+  </dgm:styleLbl>
+  <dgm:styleLbl name="node1">
+    <dgm:fillClrLst meth="repeat">
+      <a:schemeClr val="accent1"/>
+    </dgm:fillClrLst>
+    <dgm:linClrLst meth="repeat">
+      <a:schemeClr val="lt1"/>
+    </dgm:linClrLst>
+    <dgm:effectClrLst/>
+    <dgm:txLinClrLst/>
+    <dgm:txFillClrLst/>
+    <dgm:txEffectClrLst/>
+  </dgm:styleLbl>
+  <dgm:styleLbl name="lnNode1">
+    <dgm:fillClrLst meth="repeat">
+      <a:schemeClr val="accent1"/>
+    </dgm:fillClrLst>
+    <dgm:linClrLst meth="repeat">
+      <a:schemeClr val="lt1"/>
+    </dgm:linClrLst>
+    <dgm:effectClrLst/>
+    <dgm:txLinClrLst/>
+    <dgm:txFillClrLst/>
+    <dgm:txEffectClrLst/>
+  </dgm:styleLbl>
+  <dgm:styleLbl name="vennNode1">
+    <dgm:fillClrLst meth="repeat">
+      <a:schemeClr val="accent1">
+        <a:alpha val="50000"/>
+      </a:schemeClr>
+    </dgm:fillClrLst>
+    <dgm:linClrLst meth="repeat">
+      <a:schemeClr val="lt1"/>
+    </dgm:linClrLst>
+    <dgm:effectClrLst/>
+    <dgm:txLinClrLst/>
+    <dgm:txFillClrLst/>
+    <dgm:txEffectClrLst/>
+  </dgm:styleLbl>
+  <dgm:styleLbl name="node2">
+    <dgm:fillClrLst meth="repeat">
+      <a:schemeClr val="accent1"/>
+    </dgm:fillClrLst>
+    <dgm:linClrLst meth="repeat">
+      <a:schemeClr val="lt1"/>
+    </dgm:linClrLst>
+    <dgm:effectClrLst/>
+    <dgm:txLinClrLst/>
+    <dgm:txFillClrLst/>
+    <dgm:txEffectClrLst/>
+  </dgm:styleLbl>
+  <dgm:styleLbl name="node3">
+    <dgm:fillClrLst meth="repeat">
+      <a:schemeClr val="accent1"/>
+    </dgm:fillClrLst>
+    <dgm:linClrLst meth="repeat">
+      <a:schemeClr val="lt1"/>
+    </dgm:linClrLst>
+    <dgm:effectClrLst/>
+    <dgm:txLinClrLst/>
+    <dgm:txFillClrLst/>
+    <dgm:txEffectClrLst/>
+  </dgm:styleLbl>
+  <dgm:styleLbl name="node4">
+    <dgm:fillClrLst meth="repeat">
+      <a:schemeClr val="accent1"/>
+    </dgm:fillClrLst>
+    <dgm:linClrLst meth="repeat">
+      <a:schemeClr val="lt1"/>
+    </dgm:linClrLst>
+    <dgm:effectClrLst/>
+    <dgm:txLinClrLst/>
+    <dgm:txFillClrLst/>
+    <dgm:txEffectClrLst/>
+  </dgm:styleLbl>
+  <dgm:styleLbl name="fgImgPlace1">
+    <dgm:fillClrLst meth="repeat">
+      <a:schemeClr val="accent1">
+        <a:tint val="50000"/>
+      </a:schemeClr>
+    </dgm:fillClrLst>
+    <dgm:linClrLst meth="repeat">
+      <a:schemeClr val="lt1"/>
+    </dgm:linClrLst>
+    <dgm:effectClrLst/>
+    <dgm:txLinClrLst/>
+    <dgm:txFillClrLst meth="repeat">
+      <a:schemeClr val="lt1"/>
+    </dgm:txFillClrLst>
+    <dgm:txEffectClrLst/>
+  </dgm:styleLbl>
+  <dgm:styleLbl name="alignImgPlace1">
+    <dgm:fillClrLst meth="repeat">
+      <a:schemeClr val="accent1">
+        <a:tint val="50000"/>
+      </a:schemeClr>
+    </dgm:fillClrLst>
+    <dgm:linClrLst meth="repeat">
+      <a:schemeClr val="lt1"/>
+    </dgm:linClrLst>
+    <dgm:effectClrLst/>
+    <dgm:txLinClrLst/>
+    <dgm:txFillClrLst meth="repeat">
+      <a:schemeClr val="lt1"/>
+    </dgm:txFillClrLst>
+    <dgm:txEffectClrLst/>
+  </dgm:styleLbl>
+  <dgm:styleLbl name="bgImgPlace1">
+    <dgm:fillClrLst meth="repeat">
+      <a:schemeClr val="accent1">
+        <a:tint val="50000"/>
+      </a:schemeClr>
+    </dgm:fillClrLst>
+    <dgm:linClrLst meth="repeat">
+      <a:schemeClr val="lt1"/>
+    </dgm:linClrLst>
+    <dgm:effectClrLst/>
+    <dgm:txLinClrLst/>
+    <dgm:txFillClrLst meth="repeat">
+      <a:schemeClr val="lt1"/>
+    </dgm:txFillClrLst>
+    <dgm:txEffectClrLst/>
+  </dgm:styleLbl>
+  <dgm:styleLbl name="sibTrans2D1">
+    <dgm:fillClrLst meth="repeat">
+      <a:schemeClr val="accent1">
+        <a:tint val="60000"/>
+      </a:schemeClr>
+    </dgm:fillClrLst>
+    <dgm:linClrLst meth="repeat">
+      <a:schemeClr val="accent1">
+        <a:tint val="60000"/>
+      </a:schemeClr>
+    </dgm:linClrLst>
+    <dgm:effectClrLst/>
+    <dgm:txLinClrLst/>
+    <dgm:txFillClrLst/>
+    <dgm:txEffectClrLst/>
+  </dgm:styleLbl>
+  <dgm:styleLbl name="fgSibTrans2D1">
+    <dgm:fillClrLst meth="repeat">
+      <a:schemeClr val="accent1">
+        <a:tint val="60000"/>
+      </a:schemeClr>
+    </dgm:fillClrLst>
+    <dgm:linClrLst meth="repeat">
+      <a:schemeClr val="accent1">
+        <a:tint val="60000"/>
+      </a:schemeClr>
+    </dgm:linClrLst>
+    <dgm:effectClrLst/>
+    <dgm:txLinClrLst/>
+    <dgm:txFillClrLst/>
+    <dgm:txEffectClrLst/>
+  </dgm:styleLbl>
+  <dgm:styleLbl name="bgSibTrans2D1">
+    <dgm:fillClrLst meth="repeat">
+      <a:schemeClr val="accent1">
+        <a:tint val="60000"/>
+      </a:schemeClr>
+    </dgm:fillClrLst>
+    <dgm:linClrLst meth="repeat">
+      <a:schemeClr val="accent1">
+        <a:tint val="60000"/>
+      </a:schemeClr>
+    </dgm:linClrLst>
+    <dgm:effectClrLst/>
+    <dgm:txLinClrLst/>
+    <dgm:txFillClrLst/>
+    <dgm:txEffectClrLst/>
+  </dgm:styleLbl>
+  <dgm:styleLbl name="sibTrans1D1">
+    <dgm:fillClrLst meth="repeat">
+      <a:schemeClr val="accent1"/>
+    </dgm:fillClrLst>
+    <dgm:linClrLst meth="repeat">
+      <a:schemeClr val="accent1"/>
+    </dgm:linClrLst>
+    <dgm:effectClrLst/>
+    <dgm:txLinClrLst/>
+    <dgm:txFillClrLst meth="repeat">
+      <a:schemeClr val="tx1"/>
+    </dgm:txFillClrLst>
+    <dgm:txEffectClrLst/>
+  </dgm:styleLbl>
+  <dgm:styleLbl name="callout">
+    <dgm:fillClrLst meth="repeat">
+      <a:schemeClr val="accent1"/>
+    </dgm:fillClrLst>
+    <dgm:linClrLst meth="repeat">
+      <a:schemeClr val="accent1">
+        <a:tint val="50000"/>
+      </a:schemeClr>
+    </dgm:linClrLst>
+    <dgm:effectClrLst/>
+    <dgm:txLinClrLst/>
+    <dgm:txFillClrLst meth="repeat">
+      <a:schemeClr val="tx1"/>
+    </dgm:txFillClrLst>
+    <dgm:txEffectClrLst/>
+  </dgm:styleLbl>
+  <dgm:styleLbl name="asst0">
+    <dgm:fillClrLst meth="repeat">
+      <a:schemeClr val="accent1"/>
+    </dgm:fillClrLst>
+    <dgm:linClrLst meth="repeat">
+      <a:schemeClr val="lt1"/>
+    </dgm:linClrLst>
+    <dgm:effectClrLst/>
+    <dgm:txLinClrLst/>
+    <dgm:txFillClrLst/>
+    <dgm:txEffectClrLst/>
+  </dgm:styleLbl>
+  <dgm:styleLbl name="asst1">
+    <dgm:fillClrLst meth="repeat">
+      <a:schemeClr val="accent1"/>
+    </dgm:fillClrLst>
+    <dgm:linClrLst meth="repeat">
+      <a:schemeClr val="lt1"/>
+    </dgm:linClrLst>
+    <dgm:effectClrLst/>
+    <dgm:txLinClrLst/>
+    <dgm:txFillClrLst/>
+    <dgm:txEffectClrLst/>
+  </dgm:styleLbl>
+  <dgm:styleLbl name="asst2">
+    <dgm:fillClrLst meth="repeat">
+      <a:schemeClr val="accent1"/>
+    </dgm:fillClrLst>
+    <dgm:linClrLst meth="repeat">
+      <a:schemeClr val="lt1"/>
+    </dgm:linClrLst>
+    <dgm:effectClrLst/>
+    <dgm:txLinClrLst/>
+    <dgm:txFillClrLst/>
+    <dgm:txEffectClrLst/>
+  </dgm:styleLbl>
+  <dgm:styleLbl name="asst3">
+    <dgm:fillClrLst meth="repeat">
+      <a:schemeClr val="accent1"/>
+    </dgm:fillClrLst>
+    <dgm:linClrLst meth="repeat">
+      <a:schemeClr val="lt1"/>
+    </dgm:linClrLst>
+    <dgm:effectClrLst/>
+    <dgm:txLinClrLst/>
+    <dgm:txFillClrLst/>
+    <dgm:txEffectClrLst/>
+  </dgm:styleLbl>
+  <dgm:styleLbl name="asst4">
+    <dgm:fillClrLst meth="repeat">
+      <a:schemeClr val="accent1"/>
+    </dgm:fillClrLst>
+    <dgm:linClrLst meth="repeat">
+      <a:schemeClr val="lt1"/>
+    </dgm:linClrLst>
+    <dgm:effectClrLst/>
+    <dgm:txLinClrLst/>
+    <dgm:txFillClrLst/>
+    <dgm:txEffectClrLst/>
+  </dgm:styleLbl>
+  <dgm:styleLbl name="parChTrans2D1">
+    <dgm:fillClrLst meth="repeat">
+      <a:schemeClr val="accent1">
+        <a:tint val="60000"/>
+      </a:schemeClr>
+    </dgm:fillClrLst>
+    <dgm:linClrLst meth="repeat">
+      <a:schemeClr val="accent1">
+        <a:tint val="60000"/>
+      </a:schemeClr>
+    </dgm:linClrLst>
+    <dgm:effectClrLst/>
+    <dgm:txLinClrLst/>
+    <dgm:txFillClrLst meth="repeat">
+      <a:schemeClr val="lt1"/>
+    </dgm:txFillClrLst>
+    <dgm:txEffectClrLst/>
+  </dgm:styleLbl>
+  <dgm:styleLbl name="parChTrans2D2">
+    <dgm:fillClrLst meth="repeat">
+      <a:schemeClr val="accent1"/>
+    </dgm:fillClrLst>
+    <dgm:linClrLst meth="repeat">
+      <a:schemeClr val="accent1"/>
+    </dgm:linClrLst>
+    <dgm:effectClrLst/>
+    <dgm:txLinClrLst/>
+    <dgm:txFillClrLst meth="repeat">
+      <a:schemeClr val="lt1"/>
+    </dgm:txFillClrLst>
+    <dgm:txEffectClrLst/>
+  </dgm:styleLbl>
+  <dgm:styleLbl name="parChTrans2D3">
+    <dgm:fillClrLst meth="repeat">
+      <a:schemeClr val="accent1"/>
+    </dgm:fillClrLst>
+    <dgm:linClrLst meth="repeat">
+      <a:schemeClr val="accent1"/>
+    </dgm:linClrLst>
+    <dgm:effectClrLst/>
+    <dgm:txLinClrLst/>
+    <dgm:txFillClrLst meth="repeat">
+      <a:schemeClr val="lt1"/>
+    </dgm:txFillClrLst>
+    <dgm:txEffectClrLst/>
+  </dgm:styleLbl>
+  <dgm:styleLbl name="parChTrans2D4">
+    <dgm:fillClrLst meth="repeat">
+      <a:schemeClr val="accent1"/>
+    </dgm:fillClrLst>
+    <dgm:linClrLst meth="repeat">
+      <a:schemeClr val="accent1"/>
+    </dgm:linClrLst>
+    <dgm:effectClrLst/>
+    <dgm:txLinClrLst/>
+    <dgm:txFillClrLst meth="repeat">
+      <a:schemeClr val="lt1"/>
+    </dgm:txFillClrLst>
+    <dgm:txEffectClrLst/>
+  </dgm:styleLbl>
+  <dgm:styleLbl name="parChTrans1D1">
+    <dgm:fillClrLst meth="repeat">
+      <a:schemeClr val="accent1"/>
+    </dgm:fillClrLst>
+    <dgm:linClrLst meth="repeat">
+      <a:schemeClr val="accent1">
+        <a:shade val="60000"/>
+      </a:schemeClr>
+    </dgm:linClrLst>
+    <dgm:effectClrLst/>
+    <dgm:txLinClrLst/>
+    <dgm:txFillClrLst meth="repeat">
+      <a:schemeClr val="tx1"/>
+    </dgm:txFillClrLst>
+    <dgm:txEffectClrLst/>
+  </dgm:styleLbl>
+  <dgm:styleLbl name="parChTrans1D2">
+    <dgm:fillClrLst meth="repeat">
+      <a:schemeClr val="accent1"/>
+    </dgm:fillClrLst>
+    <dgm:linClrLst meth="repeat">
+      <a:schemeClr val="accent1">
+        <a:shade val="60000"/>
+      </a:schemeClr>
+    </dgm:linClrLst>
+    <dgm:effectClrLst/>
+    <dgm:txLinClrLst/>
+    <dgm:txFillClrLst meth="repeat">
+      <a:schemeClr val="tx1"/>
+    </dgm:txFillClrLst>
+    <dgm:txEffectClrLst/>
+  </dgm:styleLbl>
+  <dgm:styleLbl name="parChTrans1D3">
+    <dgm:fillClrLst meth="repeat">
+      <a:schemeClr val="accent1"/>
+    </dgm:fillClrLst>
+    <dgm:linClrLst meth="repeat">
+      <a:schemeClr val="accent1">
+        <a:shade val="80000"/>
+      </a:schemeClr>
+    </dgm:linClrLst>
+    <dgm:effectClrLst/>
+    <dgm:txLinClrLst/>
+    <dgm:txFillClrLst meth="repeat">
+      <a:schemeClr val="tx1"/>
+    </dgm:txFillClrLst>
+    <dgm:txEffectClrLst/>
+  </dgm:styleLbl>
+  <dgm:styleLbl name="parChTrans1D4">
+    <dgm:fillClrLst meth="repeat">
+      <a:schemeClr val="accent1"/>
+    </dgm:fillClrLst>
+    <dgm:linClrLst meth="repeat">
+      <a:schemeClr val="accent1">
+        <a:shade val="80000"/>
+      </a:schemeClr>
+    </dgm:linClrLst>
+    <dgm:effectClrLst/>
+    <dgm:txLinClrLst/>
+    <dgm:txFillClrLst meth="repeat">
+      <a:schemeClr val="tx1"/>
+    </dgm:txFillClrLst>
+    <dgm:txEffectClrLst/>
+  </dgm:styleLbl>
+  <dgm:styleLbl name="fgAcc1">
+    <dgm:fillClrLst meth="repeat">
+      <a:schemeClr val="lt1">
+        <a:alpha val="90000"/>
+      </a:schemeClr>
+    </dgm:fillClrLst>
+    <dgm:linClrLst meth="repeat">
+      <a:schemeClr val="accent1"/>
+    </dgm:linClrLst>
+    <dgm:effectClrLst/>
+    <dgm:txLinClrLst/>
+    <dgm:txFillClrLst meth="repeat">
+      <a:schemeClr val="dk1"/>
+    </dgm:txFillClrLst>
+    <dgm:txEffectClrLst/>
+  </dgm:styleLbl>
+  <dgm:styleLbl name="conFgAcc1">
+    <dgm:fillClrLst meth="repeat">
+      <a:schemeClr val="lt1">
+        <a:alpha val="90000"/>
+      </a:schemeClr>
+    </dgm:fillClrLst>
+    <dgm:linClrLst meth="repeat">
+      <a:schemeClr val="accent1"/>
+    </dgm:linClrLst>
+    <dgm:effectClrLst/>
+    <dgm:txLinClrLst/>
+    <dgm:txFillClrLst meth="repeat">
+      <a:schemeClr val="dk1"/>
+    </dgm:txFillClrLst>
+    <dgm:txEffectClrLst/>
+  </dgm:styleLbl>
+  <dgm:styleLbl name="alignAcc1">
+    <dgm:fillClrLst meth="repeat">
+      <a:schemeClr val="lt1">
+        <a:alpha val="90000"/>
+      </a:schemeClr>
+    </dgm:fillClrLst>
+    <dgm:linClrLst meth="repeat">
+      <a:schemeClr val="accent1"/>
+    </dgm:linClrLst>
+    <dgm:effectClrLst/>
+    <dgm:txLinClrLst/>
+    <dgm:txFillClrLst meth="repeat">
+      <a:schemeClr val="dk1"/>
+    </dgm:txFillClrLst>
+    <dgm:txEffectClrLst/>
+  </dgm:styleLbl>
+  <dgm:styleLbl name="trAlignAcc1">
+    <dgm:fillClrLst meth="repeat">
+      <a:schemeClr val="lt1">
+        <a:alpha val="40000"/>
+      </a:schemeClr>
+    </dgm:fillClrLst>
+    <dgm:linClrLst meth="repeat">
+      <a:schemeClr val="accent1"/>
+    </dgm:linClrLst>
+    <dgm:effectClrLst/>
+    <dgm:txLinClrLst/>
+    <dgm:txFillClrLst meth="repeat">
+      <a:schemeClr val="dk1"/>
+    </dgm:txFillClrLst>
+    <dgm:txEffectClrLst/>
+  </dgm:styleLbl>
+  <dgm:styleLbl name="bgAcc1">
+    <dgm:fillClrLst meth="repeat">
+      <a:schemeClr val="lt1">
+        <a:alpha val="90000"/>
+      </a:schemeClr>
+    </dgm:fillClrLst>
+    <dgm:linClrLst meth="repeat">
+      <a:schemeClr val="accent1"/>
+    </dgm:linClrLst>
+    <dgm:effectClrLst/>
+    <dgm:txLinClrLst/>
+    <dgm:txFillClrLst meth="repeat">
+      <a:schemeClr val="dk1"/>
+    </dgm:txFillClrLst>
+    <dgm:txEffectClrLst/>
+  </dgm:styleLbl>
+  <dgm:styleLbl name="solidFgAcc1">
+    <dgm:fillClrLst meth="repeat">
+      <a:schemeClr val="lt1"/>
+    </dgm:fillClrLst>
+    <dgm:linClrLst meth="repeat">
+      <a:schemeClr val="accent1"/>
+    </dgm:linClrLst>
+    <dgm:effectClrLst/>
+    <dgm:txLinClrLst/>
+    <dgm:txFillClrLst meth="repeat">
+      <a:schemeClr val="dk1"/>
+    </dgm:txFillClrLst>
+    <dgm:txEffectClrLst/>
+  </dgm:styleLbl>
+  <dgm:styleLbl name="solidAlignAcc1">
+    <dgm:fillClrLst meth="repeat">
+      <a:schemeClr val="lt1"/>
+    </dgm:fillClrLst>
+    <dgm:linClrLst meth="repeat">
+      <a:schemeClr val="accent1"/>
+    </dgm:linClrLst>
+    <dgm:effectClrLst/>
+    <dgm:txLinClrLst/>
+    <dgm:txFillClrLst meth="repeat">
+      <a:schemeClr val="dk1"/>
+    </dgm:txFillClrLst>
+    <dgm:txEffectClrLst/>
+  </dgm:styleLbl>
+  <dgm:styleLbl name="solidBgAcc1">
+    <dgm:fillClrLst meth="repeat">
+      <a:schemeClr val="lt1"/>
+    </dgm:fillClrLst>
+    <dgm:linClrLst meth="repeat">
+      <a:schemeClr val="accent1"/>
+    </dgm:linClrLst>
+    <dgm:effectClrLst/>
+    <dgm:txLinClrLst/>
+    <dgm:txFillClrLst meth="repeat">
+      <a:schemeClr val="dk1"/>
+    </dgm:txFillClrLst>
+    <dgm:txEffectClrLst/>
+  </dgm:styleLbl>
+  <dgm:styleLbl name="fgAccFollowNode1">
+    <dgm:fillClrLst meth="repeat">
+      <a:schemeClr val="accent1">
+        <a:alpha val="90000"/>
+        <a:tint val="40000"/>
+      </a:schemeClr>
+    </dgm:fillClrLst>
+    <dgm:linClrLst meth="repeat">
+      <a:schemeClr val="accent1">
+        <a:alpha val="90000"/>
+        <a:tint val="40000"/>
+      </a:schemeClr>
+    </dgm:linClrLst>
+    <dgm:effectClrLst/>
+    <dgm:txLinClrLst/>
+    <dgm:txFillClrLst meth="repeat">
+      <a:schemeClr val="dk1"/>
+    </dgm:txFillClrLst>
+    <dgm:txEffectClrLst/>
+  </dgm:styleLbl>
+  <dgm:styleLbl name="alignAccFollowNode1">
+    <dgm:fillClrLst meth="repeat">
+      <a:schemeClr val="accent1">
+        <a:alpha val="90000"/>
+        <a:tint val="40000"/>
+      </a:schemeClr>
+    </dgm:fillClrLst>
+    <dgm:linClrLst meth="repeat">
+      <a:schemeClr val="accent1">
+        <a:alpha val="90000"/>
+        <a:tint val="40000"/>
+      </a:schemeClr>
+    </dgm:linClrLst>
+    <dgm:effectClrLst/>
+    <dgm:txLinClrLst/>
+    <dgm:txFillClrLst meth="repeat">
+      <a:schemeClr val="dk1"/>
+    </dgm:txFillClrLst>
+    <dgm:txEffectClrLst/>
+  </dgm:styleLbl>
+  <dgm:styleLbl name="bgAccFollowNode1">
+    <dgm:fillClrLst meth="repeat">
+      <a:schemeClr val="accent1">
+        <a:alpha val="90000"/>
+        <a:tint val="40000"/>
+      </a:schemeClr>
+    </dgm:fillClrLst>
+    <dgm:linClrLst meth="repeat">
+      <a:schemeClr val="accent1">
+        <a:alpha val="90000"/>
+        <a:tint val="40000"/>
+      </a:schemeClr>
+    </dgm:linClrLst>
+    <dgm:effectClrLst/>
+    <dgm:txLinClrLst/>
+    <dgm:txFillClrLst meth="repeat">
+      <a:schemeClr val="dk1"/>
+    </dgm:txFillClrLst>
+    <dgm:txEffectClrLst/>
+  </dgm:styleLbl>
+  <dgm:styleLbl name="fgAcc0">
+    <dgm:fillClrLst meth="repeat">
+      <a:schemeClr val="lt1">
+        <a:alpha val="90000"/>
+      </a:schemeClr>
+    </dgm:fillClrLst>
+    <dgm:linClrLst meth="repeat">
+      <a:schemeClr val="accent1"/>
+    </dgm:linClrLst>
+    <dgm:effectClrLst/>
+    <dgm:txLinClrLst/>
+    <dgm:txFillClrLst meth="repeat">
+      <a:schemeClr val="dk1"/>
+    </dgm:txFillClrLst>
+    <dgm:txEffectClrLst/>
+  </dgm:styleLbl>
+  <dgm:styleLbl name="fgAcc2">
+    <dgm:fillClrLst meth="repeat">
+      <a:schemeClr val="lt1">
+        <a:alpha val="90000"/>
+      </a:schemeClr>
+    </dgm:fillClrLst>
+    <dgm:linClrLst meth="repeat">
+      <a:schemeClr val="accent1"/>
+    </dgm:linClrLst>
+    <dgm:effectClrLst/>
+    <dgm:txLinClrLst/>
+    <dgm:txFillClrLst meth="repeat">
+      <a:schemeClr val="dk1"/>
+    </dgm:txFillClrLst>
+    <dgm:txEffectClrLst/>
+  </dgm:styleLbl>
+  <dgm:styleLbl name="fgAcc3">
+    <dgm:fillClrLst meth="repeat">
+      <a:schemeClr val="lt1">
+        <a:alpha val="90000"/>
+      </a:schemeClr>
+    </dgm:fillClrLst>
+    <dgm:linClrLst meth="repeat">
+      <a:schemeClr val="accent1"/>
+    </dgm:linClrLst>
+    <dgm:effectClrLst/>
+    <dgm:txLinClrLst/>
+    <dgm:txFillClrLst meth="repeat">
+      <a:schemeClr val="dk1"/>
+    </dgm:txFillClrLst>
+    <dgm:txEffectClrLst/>
+  </dgm:styleLbl>
+  <dgm:styleLbl name="fgAcc4">
+    <dgm:fillClrLst meth="repeat">
+      <a:schemeClr val="lt1">
+        <a:alpha val="90000"/>
+      </a:schemeClr>
+    </dgm:fillClrLst>
+    <dgm:linClrLst meth="repeat">
+      <a:schemeClr val="accent1"/>
+    </dgm:linClrLst>
+    <dgm:effectClrLst/>
+    <dgm:txLinClrLst/>
+    <dgm:txFillClrLst meth="repeat">
+      <a:schemeClr val="dk1"/>
+    </dgm:txFillClrLst>
+    <dgm:txEffectClrLst/>
+  </dgm:styleLbl>
+  <dgm:styleLbl name="bgShp">
+    <dgm:fillClrLst meth="repeat">
+      <a:schemeClr val="accent1">
+        <a:tint val="40000"/>
+      </a:schemeClr>
+    </dgm:fillClrLst>
+    <dgm:linClrLst meth="repeat">
+      <a:schemeClr val="accent1"/>
+    </dgm:linClrLst>
+    <dgm:effectClrLst/>
+    <dgm:txLinClrLst/>
+    <dgm:txFillClrLst meth="repeat">
+      <a:schemeClr val="dk1"/>
+    </dgm:txFillClrLst>
+    <dgm:txEffectClrLst/>
+  </dgm:styleLbl>
+  <dgm:styleLbl name="dkBgShp">
+    <dgm:fillClrLst meth="repeat">
+      <a:schemeClr val="accent1">
+        <a:shade val="80000"/>
+      </a:schemeClr>
+    </dgm:fillClrLst>
+    <dgm:linClrLst meth="repeat">
+      <a:schemeClr val="accent1"/>
+    </dgm:linClrLst>
+    <dgm:effectClrLst/>
+    <dgm:txLinClrLst/>
+    <dgm:txFillClrLst meth="repeat">
+      <a:schemeClr val="lt1"/>
+    </dgm:txFillClrLst>
+    <dgm:txEffectClrLst/>
+  </dgm:styleLbl>
+  <dgm:styleLbl name="trBgShp">
+    <dgm:fillClrLst meth="repeat">
+      <a:schemeClr val="accent1">
+        <a:tint val="50000"/>
+        <a:alpha val="40000"/>
+      </a:schemeClr>
+    </dgm:fillClrLst>
+    <dgm:linClrLst meth="repeat">
+      <a:schemeClr val="accent1"/>
+    </dgm:linClrLst>
+    <dgm:effectClrLst/>
+    <dgm:txLinClrLst/>
+    <dgm:txFillClrLst meth="repeat">
+      <a:schemeClr val="lt1"/>
+    </dgm:txFillClrLst>
+    <dgm:txEffectClrLst/>
+  </dgm:styleLbl>
+  <dgm:styleLbl name="fgShp">
+    <dgm:fillClrLst meth="repeat">
+      <a:schemeClr val="accent1">
+        <a:tint val="60000"/>
+      </a:schemeClr>
+    </dgm:fillClrLst>
+    <dgm:linClrLst meth="repeat">
+      <a:schemeClr val="lt1"/>
+    </dgm:linClrLst>
+    <dgm:effectClrLst/>
+    <dgm:txLinClrLst/>
+    <dgm:txFillClrLst meth="repeat">
+      <a:schemeClr val="dk1"/>
+    </dgm:txFillClrLst>
+    <dgm:txEffectClrLst/>
+  </dgm:styleLbl>
+  <dgm:styleLbl name="revTx">
+    <dgm:fillClrLst meth="repeat">
+      <a:schemeClr val="lt1">
+        <a:alpha val="0"/>
+      </a:schemeClr>
+    </dgm:fillClrLst>
+    <dgm:linClrLst meth="repeat">
+      <a:schemeClr val="dk1">
+        <a:alpha val="0"/>
+      </a:schemeClr>
+    </dgm:linClrLst>
+    <dgm:effectClrLst/>
+    <dgm:txLinClrLst/>
+    <dgm:txFillClrLst meth="repeat">
+      <a:schemeClr val="tx1"/>
+    </dgm:txFillClrLst>
+    <dgm:txEffectClrLst/>
+  </dgm:styleLbl>
+</dgm:colorsDef>
+</file>
+
 <file path=ppt/diagrams/data1.xml><?xml version="1.0" encoding="utf-8"?>
 <dgm:dataModel xmlns:dgm="http://schemas.openxmlformats.org/drawingml/2006/diagram" xmlns:a="http://schemas.openxmlformats.org/drawingml/2006/main">
   <dgm:ptLst>
@@ -1032,6 +1780,13 @@
         </dgm:presLayoutVars>
       </dgm:prSet>
       <dgm:spPr/>
+      <dgm:t>
+        <a:bodyPr/>
+        <a:lstStyle/>
+        <a:p>
+          <a:endParaRPr lang="ru-RU"/>
+        </a:p>
+      </dgm:t>
     </dgm:pt>
     <dgm:pt modelId="{A9D5345A-7E23-4060-81DF-42C792EF21AA}" type="pres">
       <dgm:prSet presAssocID="{7EB55878-AF49-466C-B87F-DAC332C147DB}" presName="hierRoot1" presStyleCnt="0"/>
@@ -1052,6 +1807,13 @@
         </dgm:presLayoutVars>
       </dgm:prSet>
       <dgm:spPr/>
+      <dgm:t>
+        <a:bodyPr/>
+        <a:lstStyle/>
+        <a:p>
+          <a:endParaRPr lang="ru-RU"/>
+        </a:p>
+      </dgm:t>
     </dgm:pt>
     <dgm:pt modelId="{9670A5FA-1B1A-4B51-A37D-4BF19791F366}" type="pres">
       <dgm:prSet presAssocID="{7EB55878-AF49-466C-B87F-DAC332C147DB}" presName="hierChild2" presStyleCnt="0"/>
@@ -1076,6 +1838,13 @@
         </dgm:presLayoutVars>
       </dgm:prSet>
       <dgm:spPr/>
+      <dgm:t>
+        <a:bodyPr/>
+        <a:lstStyle/>
+        <a:p>
+          <a:endParaRPr lang="ru-RU"/>
+        </a:p>
+      </dgm:t>
     </dgm:pt>
     <dgm:pt modelId="{2F1E8B06-3A57-49C4-B952-4EF91AA4A992}" type="pres">
       <dgm:prSet presAssocID="{F92C45D1-9844-49FD-B7DA-5AE165AF280B}" presName="hierChild2" presStyleCnt="0"/>
@@ -1083,11 +1852,11 @@
     </dgm:pt>
   </dgm:ptLst>
   <dgm:cxnLst>
+    <dgm:cxn modelId="{2F9A2E56-CB61-454F-BD67-E26C70F284CB}" type="presOf" srcId="{7EB55878-AF49-466C-B87F-DAC332C147DB}" destId="{1EA8018E-A0F8-4846-B349-669254E52E5F}" srcOrd="0" destOrd="0" presId="urn:microsoft.com/office/officeart/2005/8/layout/hierarchy1"/>
+    <dgm:cxn modelId="{C0AA4148-C97D-4DCE-9901-4B79BD6C4FA8}" srcId="{22BC7296-9A37-490C-B98C-3BC16722F577}" destId="{F92C45D1-9844-49FD-B7DA-5AE165AF280B}" srcOrd="1" destOrd="0" parTransId="{4ADF976D-6546-4D41-9C40-2CB4120ECF01}" sibTransId="{568C5A56-A80E-4198-90D9-9B6D0660BC72}"/>
+    <dgm:cxn modelId="{44C057E3-8CA6-407F-8B97-55F0770719FD}" type="presOf" srcId="{F92C45D1-9844-49FD-B7DA-5AE165AF280B}" destId="{034F9CB9-2F91-4317-A8B0-9773769D6FA7}" srcOrd="0" destOrd="0" presId="urn:microsoft.com/office/officeart/2005/8/layout/hierarchy1"/>
     <dgm:cxn modelId="{74C56E67-9299-417D-9ACB-D8F083AC2D5F}" type="presOf" srcId="{22BC7296-9A37-490C-B98C-3BC16722F577}" destId="{C7FF3FD4-3F14-4909-8652-789E3B63E70A}" srcOrd="0" destOrd="0" presId="urn:microsoft.com/office/officeart/2005/8/layout/hierarchy1"/>
-    <dgm:cxn modelId="{C0AA4148-C97D-4DCE-9901-4B79BD6C4FA8}" srcId="{22BC7296-9A37-490C-B98C-3BC16722F577}" destId="{F92C45D1-9844-49FD-B7DA-5AE165AF280B}" srcOrd="1" destOrd="0" parTransId="{4ADF976D-6546-4D41-9C40-2CB4120ECF01}" sibTransId="{568C5A56-A80E-4198-90D9-9B6D0660BC72}"/>
-    <dgm:cxn modelId="{2F9A2E56-CB61-454F-BD67-E26C70F284CB}" type="presOf" srcId="{7EB55878-AF49-466C-B87F-DAC332C147DB}" destId="{1EA8018E-A0F8-4846-B349-669254E52E5F}" srcOrd="0" destOrd="0" presId="urn:microsoft.com/office/officeart/2005/8/layout/hierarchy1"/>
     <dgm:cxn modelId="{23448EBF-3B5E-4366-98C2-35EE1451D150}" srcId="{22BC7296-9A37-490C-B98C-3BC16722F577}" destId="{7EB55878-AF49-466C-B87F-DAC332C147DB}" srcOrd="0" destOrd="0" parTransId="{7843BE16-804A-4026-9463-BEE303362253}" sibTransId="{964A6096-6231-415C-869A-9C39A0FE8D54}"/>
-    <dgm:cxn modelId="{44C057E3-8CA6-407F-8B97-55F0770719FD}" type="presOf" srcId="{F92C45D1-9844-49FD-B7DA-5AE165AF280B}" destId="{034F9CB9-2F91-4317-A8B0-9773769D6FA7}" srcOrd="0" destOrd="0" presId="urn:microsoft.com/office/officeart/2005/8/layout/hierarchy1"/>
     <dgm:cxn modelId="{CF2B1D2B-54AA-4770-9889-3C2983EFC6DB}" type="presParOf" srcId="{C7FF3FD4-3F14-4909-8652-789E3B63E70A}" destId="{A9D5345A-7E23-4060-81DF-42C792EF21AA}" srcOrd="0" destOrd="0" presId="urn:microsoft.com/office/officeart/2005/8/layout/hierarchy1"/>
     <dgm:cxn modelId="{F6C364B3-7584-4169-BE1B-075FE46CD3E0}" type="presParOf" srcId="{A9D5345A-7E23-4060-81DF-42C792EF21AA}" destId="{28C21665-08B8-48FD-8C99-C4831E5FB219}" srcOrd="0" destOrd="0" presId="urn:microsoft.com/office/officeart/2005/8/layout/hierarchy1"/>
     <dgm:cxn modelId="{C8D621DE-0F8D-49EC-AA35-994065D12EE0}" type="presParOf" srcId="{28C21665-08B8-48FD-8C99-C4831E5FB219}" destId="{C234680A-BD68-4C53-84C4-1FC26D11BCB7}" srcOrd="0" destOrd="0" presId="urn:microsoft.com/office/officeart/2005/8/layout/hierarchy1"/>
@@ -1104,6 +1873,319 @@
   <dgm:extLst>
     <a:ext uri="http://schemas.microsoft.com/office/drawing/2008/diagram">
       <dsp:dataModelExt xmlns:dsp="http://schemas.microsoft.com/office/drawing/2008/diagram" relId="rId8" minVer="http://schemas.openxmlformats.org/drawingml/2006/diagram"/>
+    </a:ext>
+  </dgm:extLst>
+</dgm:dataModel>
+</file>
+
+<file path=ppt/diagrams/data2.xml><?xml version="1.0" encoding="utf-8"?>
+<dgm:dataModel xmlns:dgm="http://schemas.openxmlformats.org/drawingml/2006/diagram" xmlns:a="http://schemas.openxmlformats.org/drawingml/2006/main">
+  <dgm:ptLst>
+    <dgm:pt modelId="{67622F36-EED1-4497-AD8A-69BE2494C0ED}" type="doc">
+      <dgm:prSet loTypeId="urn:microsoft.com/office/officeart/2005/8/layout/vList5" loCatId="list" qsTypeId="urn:microsoft.com/office/officeart/2005/8/quickstyle/simple1" qsCatId="simple" csTypeId="urn:microsoft.com/office/officeart/2005/8/colors/accent1_2" csCatId="accent1" phldr="1"/>
+      <dgm:spPr/>
+      <dgm:t>
+        <a:bodyPr/>
+        <a:lstStyle/>
+        <a:p>
+          <a:endParaRPr lang="ru-RU"/>
+        </a:p>
+      </dgm:t>
+    </dgm:pt>
+    <dgm:pt modelId="{FAC4434C-29AC-46B8-87BA-6BB8EF2958A2}">
+      <dgm:prSet phldrT="[Текст]"/>
+      <dgm:spPr/>
+      <dgm:t>
+        <a:bodyPr/>
+        <a:lstStyle/>
+        <a:p>
+          <a:r>
+            <a:rPr lang="ru-RU" dirty="0" smtClean="0"/>
+            <a:t>Аксютин Олег Романович</a:t>
+          </a:r>
+          <a:endParaRPr lang="ru-RU" dirty="0"/>
+        </a:p>
+      </dgm:t>
+    </dgm:pt>
+    <dgm:pt modelId="{99FA0A5B-0359-466A-B629-D599B7DEBAE9}" type="parTrans" cxnId="{59DFF1D1-7922-4936-803B-62D3DDB5A941}">
+      <dgm:prSet/>
+      <dgm:spPr/>
+      <dgm:t>
+        <a:bodyPr/>
+        <a:lstStyle/>
+        <a:p>
+          <a:endParaRPr lang="ru-RU"/>
+        </a:p>
+      </dgm:t>
+    </dgm:pt>
+    <dgm:pt modelId="{3BE34DCA-8547-4771-BBB9-C6B514DB91A9}" type="sibTrans" cxnId="{59DFF1D1-7922-4936-803B-62D3DDB5A941}">
+      <dgm:prSet/>
+      <dgm:spPr/>
+      <dgm:t>
+        <a:bodyPr/>
+        <a:lstStyle/>
+        <a:p>
+          <a:endParaRPr lang="ru-RU"/>
+        </a:p>
+      </dgm:t>
+    </dgm:pt>
+    <dgm:pt modelId="{4390AD38-5473-42B5-B131-7082ED923E09}">
+      <dgm:prSet phldrT="[Текст]"/>
+      <dgm:spPr/>
+      <dgm:t>
+        <a:bodyPr/>
+        <a:lstStyle/>
+        <a:p>
+          <a:r>
+            <a:rPr lang="ru-RU" dirty="0" smtClean="0"/>
+            <a:t>Барабошин Данила Андреевич</a:t>
+          </a:r>
+          <a:endParaRPr lang="ru-RU" dirty="0"/>
+        </a:p>
+      </dgm:t>
+    </dgm:pt>
+    <dgm:pt modelId="{D7445C61-F33A-4684-92BB-22E0125817B4}" type="parTrans" cxnId="{50B94655-FD3A-4B8F-A851-1CD92F864B40}">
+      <dgm:prSet/>
+      <dgm:spPr/>
+      <dgm:t>
+        <a:bodyPr/>
+        <a:lstStyle/>
+        <a:p>
+          <a:endParaRPr lang="ru-RU"/>
+        </a:p>
+      </dgm:t>
+    </dgm:pt>
+    <dgm:pt modelId="{E781D11F-4F0A-40ED-949D-9B22F91B4FFA}" type="sibTrans" cxnId="{50B94655-FD3A-4B8F-A851-1CD92F864B40}">
+      <dgm:prSet/>
+      <dgm:spPr/>
+      <dgm:t>
+        <a:bodyPr/>
+        <a:lstStyle/>
+        <a:p>
+          <a:endParaRPr lang="ru-RU"/>
+        </a:p>
+      </dgm:t>
+    </dgm:pt>
+    <dgm:pt modelId="{7E7678DC-C841-494C-8B66-CFC14747C417}">
+      <dgm:prSet phldrT="[Текст]" phldr="1"/>
+      <dgm:spPr/>
+      <dgm:t>
+        <a:bodyPr/>
+        <a:lstStyle/>
+        <a:p>
+          <a:endParaRPr lang="ru-RU" dirty="0"/>
+        </a:p>
+      </dgm:t>
+    </dgm:pt>
+    <dgm:pt modelId="{5FCA3CF0-6AED-435E-97A4-56C9D521406F}" type="parTrans" cxnId="{0D90688B-7E7A-432D-BB4B-72B5ADD13823}">
+      <dgm:prSet/>
+      <dgm:spPr/>
+      <dgm:t>
+        <a:bodyPr/>
+        <a:lstStyle/>
+        <a:p>
+          <a:endParaRPr lang="ru-RU"/>
+        </a:p>
+      </dgm:t>
+    </dgm:pt>
+    <dgm:pt modelId="{1A5B4628-E4F1-4346-A638-4D05A63426CA}" type="sibTrans" cxnId="{0D90688B-7E7A-432D-BB4B-72B5ADD13823}">
+      <dgm:prSet/>
+      <dgm:spPr/>
+      <dgm:t>
+        <a:bodyPr/>
+        <a:lstStyle/>
+        <a:p>
+          <a:endParaRPr lang="ru-RU"/>
+        </a:p>
+      </dgm:t>
+    </dgm:pt>
+    <dgm:pt modelId="{F5F19853-FEF2-4748-AB90-9F22D9184787}">
+      <dgm:prSet phldrT="[Текст]" phldr="1"/>
+      <dgm:spPr/>
+      <dgm:t>
+        <a:bodyPr/>
+        <a:lstStyle/>
+        <a:p>
+          <a:endParaRPr lang="ru-RU"/>
+        </a:p>
+      </dgm:t>
+    </dgm:pt>
+    <dgm:pt modelId="{B7560585-2F51-45A1-80D1-CEFB834E8EB4}" type="parTrans" cxnId="{CA51C631-4DA2-4B97-9D7F-27AE03734D5E}">
+      <dgm:prSet/>
+      <dgm:spPr/>
+      <dgm:t>
+        <a:bodyPr/>
+        <a:lstStyle/>
+        <a:p>
+          <a:endParaRPr lang="ru-RU"/>
+        </a:p>
+      </dgm:t>
+    </dgm:pt>
+    <dgm:pt modelId="{64FF0025-AFFB-4193-A421-964A53B8E990}" type="sibTrans" cxnId="{CA51C631-4DA2-4B97-9D7F-27AE03734D5E}">
+      <dgm:prSet/>
+      <dgm:spPr/>
+      <dgm:t>
+        <a:bodyPr/>
+        <a:lstStyle/>
+        <a:p>
+          <a:endParaRPr lang="ru-RU"/>
+        </a:p>
+      </dgm:t>
+    </dgm:pt>
+    <dgm:pt modelId="{E52886D9-3867-4BC2-BF3C-084A7E021749}">
+      <dgm:prSet phldrT="[Текст]" custT="1"/>
+      <dgm:spPr>
+        <a:blipFill rotWithShape="0">
+          <a:blip xmlns:r="http://schemas.openxmlformats.org/officeDocument/2006/relationships" r:embed="rId1"/>
+          <a:stretch>
+            <a:fillRect/>
+          </a:stretch>
+        </a:blipFill>
+        <a:ln>
+          <a:solidFill>
+            <a:schemeClr val="accent1">
+              <a:alpha val="90000"/>
+            </a:schemeClr>
+          </a:solidFill>
+        </a:ln>
+      </dgm:spPr>
+      <dgm:t>
+        <a:bodyPr/>
+        <a:lstStyle/>
+        <a:p>
+          <a:r>
+            <a:rPr lang="ru-RU" sz="800" dirty="0" smtClean="0"/>
+            <a:t> </a:t>
+          </a:r>
+          <a:endParaRPr lang="ru-RU" sz="800" dirty="0"/>
+        </a:p>
+      </dgm:t>
+    </dgm:pt>
+    <dgm:pt modelId="{95C39E17-4828-489E-9DB6-BB7F16615407}" type="sibTrans" cxnId="{695FF406-B9DE-4AD0-B483-28E416497901}">
+      <dgm:prSet/>
+      <dgm:spPr/>
+      <dgm:t>
+        <a:bodyPr/>
+        <a:lstStyle/>
+        <a:p>
+          <a:endParaRPr lang="ru-RU"/>
+        </a:p>
+      </dgm:t>
+    </dgm:pt>
+    <dgm:pt modelId="{817FE062-4532-4A87-934E-7439707F8F7D}" type="parTrans" cxnId="{695FF406-B9DE-4AD0-B483-28E416497901}">
+      <dgm:prSet/>
+      <dgm:spPr/>
+      <dgm:t>
+        <a:bodyPr/>
+        <a:lstStyle/>
+        <a:p>
+          <a:endParaRPr lang="ru-RU"/>
+        </a:p>
+      </dgm:t>
+    </dgm:pt>
+    <dgm:pt modelId="{FC7D144E-6945-4F80-BCD2-BB9DBCD6D6DD}" type="pres">
+      <dgm:prSet presAssocID="{67622F36-EED1-4497-AD8A-69BE2494C0ED}" presName="Name0" presStyleCnt="0">
+        <dgm:presLayoutVars>
+          <dgm:dir/>
+          <dgm:animLvl val="lvl"/>
+          <dgm:resizeHandles val="exact"/>
+        </dgm:presLayoutVars>
+      </dgm:prSet>
+      <dgm:spPr/>
+    </dgm:pt>
+    <dgm:pt modelId="{1DA7CEA6-D78B-435E-8DC2-0C67C37D7CC2}" type="pres">
+      <dgm:prSet presAssocID="{FAC4434C-29AC-46B8-87BA-6BB8EF2958A2}" presName="linNode" presStyleCnt="0"/>
+      <dgm:spPr/>
+    </dgm:pt>
+    <dgm:pt modelId="{9704D651-83D2-4EA3-B1FE-A037B27653CA}" type="pres">
+      <dgm:prSet presAssocID="{FAC4434C-29AC-46B8-87BA-6BB8EF2958A2}" presName="parentText" presStyleLbl="node1" presStyleIdx="0" presStyleCnt="2">
+        <dgm:presLayoutVars>
+          <dgm:chMax val="1"/>
+          <dgm:bulletEnabled val="1"/>
+        </dgm:presLayoutVars>
+      </dgm:prSet>
+      <dgm:spPr/>
+      <dgm:t>
+        <a:bodyPr/>
+        <a:lstStyle/>
+        <a:p>
+          <a:endParaRPr lang="ru-RU"/>
+        </a:p>
+      </dgm:t>
+    </dgm:pt>
+    <dgm:pt modelId="{25973532-2ABA-46F5-BE6B-C6CAEFE60066}" type="pres">
+      <dgm:prSet presAssocID="{FAC4434C-29AC-46B8-87BA-6BB8EF2958A2}" presName="descendantText" presStyleLbl="alignAccFollowNode1" presStyleIdx="0" presStyleCnt="2">
+        <dgm:presLayoutVars>
+          <dgm:bulletEnabled val="1"/>
+        </dgm:presLayoutVars>
+      </dgm:prSet>
+      <dgm:spPr/>
+      <dgm:t>
+        <a:bodyPr/>
+        <a:lstStyle/>
+        <a:p>
+          <a:endParaRPr lang="ru-RU"/>
+        </a:p>
+      </dgm:t>
+    </dgm:pt>
+    <dgm:pt modelId="{5D243F14-76A6-482B-8964-6BA7140FB42A}" type="pres">
+      <dgm:prSet presAssocID="{3BE34DCA-8547-4771-BBB9-C6B514DB91A9}" presName="sp" presStyleCnt="0"/>
+      <dgm:spPr/>
+    </dgm:pt>
+    <dgm:pt modelId="{35372777-C639-4996-AFA8-62C466F39FD7}" type="pres">
+      <dgm:prSet presAssocID="{4390AD38-5473-42B5-B131-7082ED923E09}" presName="linNode" presStyleCnt="0"/>
+      <dgm:spPr/>
+    </dgm:pt>
+    <dgm:pt modelId="{2CB84A95-463F-483E-903E-606CFEEB70AD}" type="pres">
+      <dgm:prSet presAssocID="{4390AD38-5473-42B5-B131-7082ED923E09}" presName="parentText" presStyleLbl="node1" presStyleIdx="1" presStyleCnt="2">
+        <dgm:presLayoutVars>
+          <dgm:chMax val="1"/>
+          <dgm:bulletEnabled val="1"/>
+        </dgm:presLayoutVars>
+      </dgm:prSet>
+      <dgm:spPr/>
+      <dgm:t>
+        <a:bodyPr/>
+        <a:lstStyle/>
+        <a:p>
+          <a:endParaRPr lang="ru-RU"/>
+        </a:p>
+      </dgm:t>
+    </dgm:pt>
+    <dgm:pt modelId="{86220BA6-418B-4992-9101-72A7B33AF1FF}" type="pres">
+      <dgm:prSet presAssocID="{4390AD38-5473-42B5-B131-7082ED923E09}" presName="descendantText" presStyleLbl="alignAccFollowNode1" presStyleIdx="1" presStyleCnt="2">
+        <dgm:presLayoutVars>
+          <dgm:bulletEnabled val="1"/>
+        </dgm:presLayoutVars>
+      </dgm:prSet>
+      <dgm:spPr/>
+    </dgm:pt>
+  </dgm:ptLst>
+  <dgm:cxnLst>
+    <dgm:cxn modelId="{BE9FBEB7-C591-434A-BAEF-CB6C459BA0AE}" type="presOf" srcId="{4390AD38-5473-42B5-B131-7082ED923E09}" destId="{2CB84A95-463F-483E-903E-606CFEEB70AD}" srcOrd="0" destOrd="0" presId="urn:microsoft.com/office/officeart/2005/8/layout/vList5"/>
+    <dgm:cxn modelId="{C4E32A83-3474-4440-9E44-84C44C88CEDF}" type="presOf" srcId="{7E7678DC-C841-494C-8B66-CFC14747C417}" destId="{86220BA6-418B-4992-9101-72A7B33AF1FF}" srcOrd="0" destOrd="0" presId="urn:microsoft.com/office/officeart/2005/8/layout/vList5"/>
+    <dgm:cxn modelId="{B7F420C6-A996-4425-B9AF-68592B74EC72}" type="presOf" srcId="{67622F36-EED1-4497-AD8A-69BE2494C0ED}" destId="{FC7D144E-6945-4F80-BCD2-BB9DBCD6D6DD}" srcOrd="0" destOrd="0" presId="urn:microsoft.com/office/officeart/2005/8/layout/vList5"/>
+    <dgm:cxn modelId="{50B94655-FD3A-4B8F-A851-1CD92F864B40}" srcId="{67622F36-EED1-4497-AD8A-69BE2494C0ED}" destId="{4390AD38-5473-42B5-B131-7082ED923E09}" srcOrd="1" destOrd="0" parTransId="{D7445C61-F33A-4684-92BB-22E0125817B4}" sibTransId="{E781D11F-4F0A-40ED-949D-9B22F91B4FFA}"/>
+    <dgm:cxn modelId="{0D90688B-7E7A-432D-BB4B-72B5ADD13823}" srcId="{4390AD38-5473-42B5-B131-7082ED923E09}" destId="{7E7678DC-C841-494C-8B66-CFC14747C417}" srcOrd="0" destOrd="0" parTransId="{5FCA3CF0-6AED-435E-97A4-56C9D521406F}" sibTransId="{1A5B4628-E4F1-4346-A638-4D05A63426CA}"/>
+    <dgm:cxn modelId="{DF255E9B-A6BA-4F27-AFF1-25AABB5810B0}" type="presOf" srcId="{FAC4434C-29AC-46B8-87BA-6BB8EF2958A2}" destId="{9704D651-83D2-4EA3-B1FE-A037B27653CA}" srcOrd="0" destOrd="0" presId="urn:microsoft.com/office/officeart/2005/8/layout/vList5"/>
+    <dgm:cxn modelId="{59DFF1D1-7922-4936-803B-62D3DDB5A941}" srcId="{67622F36-EED1-4497-AD8A-69BE2494C0ED}" destId="{FAC4434C-29AC-46B8-87BA-6BB8EF2958A2}" srcOrd="0" destOrd="0" parTransId="{99FA0A5B-0359-466A-B629-D599B7DEBAE9}" sibTransId="{3BE34DCA-8547-4771-BBB9-C6B514DB91A9}"/>
+    <dgm:cxn modelId="{EC01F9AA-795F-4313-8F71-AA413169213D}" type="presOf" srcId="{F5F19853-FEF2-4748-AB90-9F22D9184787}" destId="{86220BA6-418B-4992-9101-72A7B33AF1FF}" srcOrd="0" destOrd="1" presId="urn:microsoft.com/office/officeart/2005/8/layout/vList5"/>
+    <dgm:cxn modelId="{695FF406-B9DE-4AD0-B483-28E416497901}" srcId="{FAC4434C-29AC-46B8-87BA-6BB8EF2958A2}" destId="{E52886D9-3867-4BC2-BF3C-084A7E021749}" srcOrd="0" destOrd="0" parTransId="{817FE062-4532-4A87-934E-7439707F8F7D}" sibTransId="{95C39E17-4828-489E-9DB6-BB7F16615407}"/>
+    <dgm:cxn modelId="{A5254B0D-3102-4B99-B044-A5F8319565EC}" type="presOf" srcId="{E52886D9-3867-4BC2-BF3C-084A7E021749}" destId="{25973532-2ABA-46F5-BE6B-C6CAEFE60066}" srcOrd="0" destOrd="0" presId="urn:microsoft.com/office/officeart/2005/8/layout/vList5"/>
+    <dgm:cxn modelId="{CA51C631-4DA2-4B97-9D7F-27AE03734D5E}" srcId="{4390AD38-5473-42B5-B131-7082ED923E09}" destId="{F5F19853-FEF2-4748-AB90-9F22D9184787}" srcOrd="1" destOrd="0" parTransId="{B7560585-2F51-45A1-80D1-CEFB834E8EB4}" sibTransId="{64FF0025-AFFB-4193-A421-964A53B8E990}"/>
+    <dgm:cxn modelId="{0AAC5653-10D9-431E-9446-79F4B4C92568}" type="presParOf" srcId="{FC7D144E-6945-4F80-BCD2-BB9DBCD6D6DD}" destId="{1DA7CEA6-D78B-435E-8DC2-0C67C37D7CC2}" srcOrd="0" destOrd="0" presId="urn:microsoft.com/office/officeart/2005/8/layout/vList5"/>
+    <dgm:cxn modelId="{2AD4A436-0F64-4807-9675-38DAD050E6BB}" type="presParOf" srcId="{1DA7CEA6-D78B-435E-8DC2-0C67C37D7CC2}" destId="{9704D651-83D2-4EA3-B1FE-A037B27653CA}" srcOrd="0" destOrd="0" presId="urn:microsoft.com/office/officeart/2005/8/layout/vList5"/>
+    <dgm:cxn modelId="{A556A9E0-8434-40D2-BC9F-5F5748F9FE04}" type="presParOf" srcId="{1DA7CEA6-D78B-435E-8DC2-0C67C37D7CC2}" destId="{25973532-2ABA-46F5-BE6B-C6CAEFE60066}" srcOrd="1" destOrd="0" presId="urn:microsoft.com/office/officeart/2005/8/layout/vList5"/>
+    <dgm:cxn modelId="{FBCCBC64-A7D0-4019-BE7A-DE0BB980B724}" type="presParOf" srcId="{FC7D144E-6945-4F80-BCD2-BB9DBCD6D6DD}" destId="{5D243F14-76A6-482B-8964-6BA7140FB42A}" srcOrd="1" destOrd="0" presId="urn:microsoft.com/office/officeart/2005/8/layout/vList5"/>
+    <dgm:cxn modelId="{8EDE9486-9D84-4114-BE3E-84F646237A29}" type="presParOf" srcId="{FC7D144E-6945-4F80-BCD2-BB9DBCD6D6DD}" destId="{35372777-C639-4996-AFA8-62C466F39FD7}" srcOrd="2" destOrd="0" presId="urn:microsoft.com/office/officeart/2005/8/layout/vList5"/>
+    <dgm:cxn modelId="{595304A0-6F0D-4162-9EA2-2A9DDC37A68C}" type="presParOf" srcId="{35372777-C639-4996-AFA8-62C466F39FD7}" destId="{2CB84A95-463F-483E-903E-606CFEEB70AD}" srcOrd="0" destOrd="0" presId="urn:microsoft.com/office/officeart/2005/8/layout/vList5"/>
+    <dgm:cxn modelId="{24F36457-A59D-4100-8C71-0D71D55FE311}" type="presParOf" srcId="{35372777-C639-4996-AFA8-62C466F39FD7}" destId="{86220BA6-418B-4992-9101-72A7B33AF1FF}" srcOrd="1" destOrd="0" presId="urn:microsoft.com/office/officeart/2005/8/layout/vList5"/>
+  </dgm:cxnLst>
+  <dgm:bg/>
+  <dgm:whole/>
+  <dgm:extLst>
+    <a:ext uri="http://schemas.microsoft.com/office/drawing/2008/diagram">
+      <dsp:dataModelExt xmlns:dsp="http://schemas.microsoft.com/office/drawing/2008/diagram" relId="rId6" minVer="http://schemas.openxmlformats.org/drawingml/2006/diagram"/>
     </a:ext>
   </dgm:extLst>
 </dgm:dataModel>
@@ -1229,12 +2311,12 @@
         <a:fontRef idx="minor"/>
       </dsp:style>
       <dsp:txBody>
-        <a:bodyPr spcFirstLastPara="0" vert="horz" wrap="square" lIns="152400" tIns="152400" rIns="152400" bIns="152400" numCol="1" spcCol="1270" anchor="ctr" anchorCtr="0">
+        <a:bodyPr spcFirstLastPara="0" vert="horz" wrap="square" lIns="140970" tIns="140970" rIns="140970" bIns="140970" numCol="1" spcCol="1270" anchor="ctr" anchorCtr="0">
           <a:noAutofit/>
         </a:bodyPr>
         <a:lstStyle/>
         <a:p>
-          <a:pPr marL="0" lvl="0" indent="0" algn="ctr" defTabSz="1778000">
+          <a:pPr lvl="0" algn="ctr" defTabSz="1644650">
             <a:lnSpc>
               <a:spcPct val="90000"/>
             </a:lnSpc>
@@ -1244,13 +2326,12 @@
             <a:spcAft>
               <a:spcPct val="35000"/>
             </a:spcAft>
-            <a:buNone/>
           </a:pPr>
           <a:r>
-            <a:rPr lang="ru-RU" sz="4000" kern="1200" dirty="0"/>
+            <a:rPr lang="ru-RU" sz="3700" kern="1200" dirty="0"/>
             <a:t>Авторы</a:t>
           </a:r>
-          <a:endParaRPr lang="en-US" sz="4000" kern="1200" dirty="0"/>
+          <a:endParaRPr lang="en-US" sz="3700" kern="1200" dirty="0"/>
         </a:p>
       </dsp:txBody>
       <dsp:txXfrm>
@@ -1370,12 +2451,12 @@
         <a:fontRef idx="minor"/>
       </dsp:style>
       <dsp:txBody>
-        <a:bodyPr spcFirstLastPara="0" vert="horz" wrap="square" lIns="152400" tIns="152400" rIns="152400" bIns="152400" numCol="1" spcCol="1270" anchor="ctr" anchorCtr="0">
+        <a:bodyPr spcFirstLastPara="0" vert="horz" wrap="square" lIns="140970" tIns="140970" rIns="140970" bIns="140970" numCol="1" spcCol="1270" anchor="ctr" anchorCtr="0">
           <a:noAutofit/>
         </a:bodyPr>
         <a:lstStyle/>
         <a:p>
-          <a:pPr marL="0" lvl="0" indent="0" algn="ctr" defTabSz="1778000">
+          <a:pPr lvl="0" algn="ctr" defTabSz="1644650">
             <a:lnSpc>
               <a:spcPct val="90000"/>
             </a:lnSpc>
@@ -1385,25 +2466,352 @@
             <a:spcAft>
               <a:spcPct val="35000"/>
             </a:spcAft>
-            <a:buNone/>
           </a:pPr>
           <a:r>
-            <a:rPr lang="ru-RU" sz="4000" kern="1200" dirty="0"/>
+            <a:rPr lang="ru-RU" sz="3700" kern="1200" dirty="0"/>
             <a:t>Даня Барабошин</a:t>
           </a:r>
           <a:br>
-            <a:rPr lang="ru-RU" sz="4000" kern="1200" dirty="0"/>
+            <a:rPr lang="ru-RU" sz="3700" kern="1200" dirty="0"/>
           </a:br>
           <a:r>
-            <a:rPr lang="ru-RU" sz="4000" kern="1200" dirty="0"/>
+            <a:rPr lang="ru-RU" sz="3700" kern="1200" dirty="0"/>
             <a:t>Олег Аксютин</a:t>
           </a:r>
-          <a:endParaRPr lang="en-US" sz="4000" kern="1200" dirty="0"/>
+          <a:endParaRPr lang="en-US" sz="3700" kern="1200" dirty="0"/>
         </a:p>
       </dsp:txBody>
       <dsp:txXfrm>
         <a:off x="5739337" y="747779"/>
         <a:ext cx="4086513" cy="2537310"/>
+      </dsp:txXfrm>
+    </dsp:sp>
+  </dsp:spTree>
+</dsp:drawing>
+</file>
+
+<file path=ppt/diagrams/drawing2.xml><?xml version="1.0" encoding="utf-8"?>
+<dsp:drawing xmlns:dgm="http://schemas.openxmlformats.org/drawingml/2006/diagram" xmlns:dsp="http://schemas.microsoft.com/office/drawing/2008/diagram" xmlns:a="http://schemas.openxmlformats.org/drawingml/2006/main">
+  <dsp:spTree>
+    <dsp:nvGrpSpPr>
+      <dsp:cNvPr id="0" name=""/>
+      <dsp:cNvGrpSpPr/>
+    </dsp:nvGrpSpPr>
+    <dsp:grpSpPr/>
+    <dsp:sp modelId="{25973532-2ABA-46F5-BE6B-C6CAEFE60066}">
+      <dsp:nvSpPr>
+        <dsp:cNvPr id="0" name=""/>
+        <dsp:cNvSpPr/>
+      </dsp:nvSpPr>
+      <dsp:spPr>
+        <a:xfrm rot="5400000">
+          <a:off x="6179417" y="-2286236"/>
+          <a:ext cx="1595242" cy="6566624"/>
+        </a:xfrm>
+        <a:prstGeom prst="round2SameRect">
+          <a:avLst/>
+        </a:prstGeom>
+        <a:blipFill rotWithShape="0">
+          <a:blip xmlns:r="http://schemas.openxmlformats.org/officeDocument/2006/relationships" r:embed="rId1"/>
+          <a:stretch>
+            <a:fillRect/>
+          </a:stretch>
+        </a:blipFill>
+        <a:ln w="15875" cap="flat" cmpd="sng" algn="ctr">
+          <a:solidFill>
+            <a:schemeClr val="accent1">
+              <a:alpha val="90000"/>
+            </a:schemeClr>
+          </a:solidFill>
+          <a:prstDash val="solid"/>
+        </a:ln>
+        <a:effectLst/>
+      </dsp:spPr>
+      <dsp:style>
+        <a:lnRef idx="2">
+          <a:scrgbClr r="0" g="0" b="0"/>
+        </a:lnRef>
+        <a:fillRef idx="1">
+          <a:scrgbClr r="0" g="0" b="0"/>
+        </a:fillRef>
+        <a:effectRef idx="0">
+          <a:scrgbClr r="0" g="0" b="0"/>
+        </a:effectRef>
+        <a:fontRef idx="minor"/>
+      </dsp:style>
+      <dsp:txBody>
+        <a:bodyPr spcFirstLastPara="0" vert="horz" wrap="square" lIns="247650" tIns="123825" rIns="247650" bIns="123825" numCol="1" spcCol="1270" anchor="ctr" anchorCtr="0">
+          <a:noAutofit/>
+        </a:bodyPr>
+        <a:lstStyle/>
+        <a:p>
+          <a:pPr marL="57150" lvl="1" indent="-57150" algn="l" defTabSz="355600">
+            <a:lnSpc>
+              <a:spcPct val="90000"/>
+            </a:lnSpc>
+            <a:spcBef>
+              <a:spcPct val="0"/>
+            </a:spcBef>
+            <a:spcAft>
+              <a:spcPct val="15000"/>
+            </a:spcAft>
+            <a:buChar char="••"/>
+          </a:pPr>
+          <a:r>
+            <a:rPr lang="ru-RU" sz="800" kern="1200" dirty="0" smtClean="0"/>
+            <a:t> </a:t>
+          </a:r>
+          <a:endParaRPr lang="ru-RU" sz="800" kern="1200" dirty="0"/>
+        </a:p>
+      </dsp:txBody>
+      <dsp:txXfrm rot="-5400000">
+        <a:off x="3693727" y="277327"/>
+        <a:ext cx="6488751" cy="1439496"/>
+      </dsp:txXfrm>
+    </dsp:sp>
+    <dsp:sp modelId="{9704D651-83D2-4EA3-B1FE-A037B27653CA}">
+      <dsp:nvSpPr>
+        <dsp:cNvPr id="0" name=""/>
+        <dsp:cNvSpPr/>
+      </dsp:nvSpPr>
+      <dsp:spPr>
+        <a:xfrm>
+          <a:off x="0" y="49"/>
+          <a:ext cx="3693726" cy="1994052"/>
+        </a:xfrm>
+        <a:prstGeom prst="roundRect">
+          <a:avLst/>
+        </a:prstGeom>
+        <a:solidFill>
+          <a:schemeClr val="accent1">
+            <a:hueOff val="0"/>
+            <a:satOff val="0"/>
+            <a:lumOff val="0"/>
+            <a:alphaOff val="0"/>
+          </a:schemeClr>
+        </a:solidFill>
+        <a:ln w="15875" cap="flat" cmpd="sng" algn="ctr">
+          <a:solidFill>
+            <a:schemeClr val="lt1">
+              <a:hueOff val="0"/>
+              <a:satOff val="0"/>
+              <a:lumOff val="0"/>
+              <a:alphaOff val="0"/>
+            </a:schemeClr>
+          </a:solidFill>
+          <a:prstDash val="solid"/>
+        </a:ln>
+        <a:effectLst/>
+      </dsp:spPr>
+      <dsp:style>
+        <a:lnRef idx="2">
+          <a:scrgbClr r="0" g="0" b="0"/>
+        </a:lnRef>
+        <a:fillRef idx="1">
+          <a:scrgbClr r="0" g="0" b="0"/>
+        </a:fillRef>
+        <a:effectRef idx="0">
+          <a:scrgbClr r="0" g="0" b="0"/>
+        </a:effectRef>
+        <a:fontRef idx="minor">
+          <a:schemeClr val="lt1"/>
+        </a:fontRef>
+      </dsp:style>
+      <dsp:txBody>
+        <a:bodyPr spcFirstLastPara="0" vert="horz" wrap="square" lIns="152400" tIns="76200" rIns="152400" bIns="76200" numCol="1" spcCol="1270" anchor="ctr" anchorCtr="0">
+          <a:noAutofit/>
+        </a:bodyPr>
+        <a:lstStyle/>
+        <a:p>
+          <a:pPr lvl="0" algn="ctr" defTabSz="1778000">
+            <a:lnSpc>
+              <a:spcPct val="90000"/>
+            </a:lnSpc>
+            <a:spcBef>
+              <a:spcPct val="0"/>
+            </a:spcBef>
+            <a:spcAft>
+              <a:spcPct val="35000"/>
+            </a:spcAft>
+          </a:pPr>
+          <a:r>
+            <a:rPr lang="ru-RU" sz="4000" kern="1200" dirty="0" smtClean="0"/>
+            <a:t>Аксютин Олег Романович</a:t>
+          </a:r>
+          <a:endParaRPr lang="ru-RU" sz="4000" kern="1200" dirty="0"/>
+        </a:p>
+      </dsp:txBody>
+      <dsp:txXfrm>
+        <a:off x="97342" y="97391"/>
+        <a:ext cx="3499042" cy="1799368"/>
+      </dsp:txXfrm>
+    </dsp:sp>
+    <dsp:sp modelId="{86220BA6-418B-4992-9101-72A7B33AF1FF}">
+      <dsp:nvSpPr>
+        <dsp:cNvPr id="0" name=""/>
+        <dsp:cNvSpPr/>
+      </dsp:nvSpPr>
+      <dsp:spPr>
+        <a:xfrm rot="5400000">
+          <a:off x="6179417" y="-192480"/>
+          <a:ext cx="1595242" cy="6566624"/>
+        </a:xfrm>
+        <a:prstGeom prst="round2SameRect">
+          <a:avLst/>
+        </a:prstGeom>
+        <a:solidFill>
+          <a:schemeClr val="accent1">
+            <a:alpha val="90000"/>
+            <a:tint val="40000"/>
+            <a:hueOff val="0"/>
+            <a:satOff val="0"/>
+            <a:lumOff val="0"/>
+            <a:alphaOff val="0"/>
+          </a:schemeClr>
+        </a:solidFill>
+        <a:ln w="15875" cap="flat" cmpd="sng" algn="ctr">
+          <a:solidFill>
+            <a:schemeClr val="accent1">
+              <a:alpha val="90000"/>
+              <a:tint val="40000"/>
+              <a:hueOff val="0"/>
+              <a:satOff val="0"/>
+              <a:lumOff val="0"/>
+              <a:alphaOff val="0"/>
+            </a:schemeClr>
+          </a:solidFill>
+          <a:prstDash val="solid"/>
+        </a:ln>
+        <a:effectLst/>
+      </dsp:spPr>
+      <dsp:style>
+        <a:lnRef idx="2">
+          <a:scrgbClr r="0" g="0" b="0"/>
+        </a:lnRef>
+        <a:fillRef idx="1">
+          <a:scrgbClr r="0" g="0" b="0"/>
+        </a:fillRef>
+        <a:effectRef idx="0">
+          <a:scrgbClr r="0" g="0" b="0"/>
+        </a:effectRef>
+        <a:fontRef idx="minor"/>
+      </dsp:style>
+      <dsp:txBody>
+        <a:bodyPr spcFirstLastPara="0" vert="horz" wrap="square" lIns="163830" tIns="81915" rIns="163830" bIns="81915" numCol="1" spcCol="1270" anchor="ctr" anchorCtr="0">
+          <a:noAutofit/>
+        </a:bodyPr>
+        <a:lstStyle/>
+        <a:p>
+          <a:pPr marL="285750" lvl="1" indent="-285750" algn="l" defTabSz="1911350">
+            <a:lnSpc>
+              <a:spcPct val="90000"/>
+            </a:lnSpc>
+            <a:spcBef>
+              <a:spcPct val="0"/>
+            </a:spcBef>
+            <a:spcAft>
+              <a:spcPct val="15000"/>
+            </a:spcAft>
+            <a:buChar char="••"/>
+          </a:pPr>
+          <a:endParaRPr lang="ru-RU" sz="4300" kern="1200" dirty="0"/>
+        </a:p>
+        <a:p>
+          <a:pPr marL="285750" lvl="1" indent="-285750" algn="l" defTabSz="1911350">
+            <a:lnSpc>
+              <a:spcPct val="90000"/>
+            </a:lnSpc>
+            <a:spcBef>
+              <a:spcPct val="0"/>
+            </a:spcBef>
+            <a:spcAft>
+              <a:spcPct val="15000"/>
+            </a:spcAft>
+            <a:buChar char="••"/>
+          </a:pPr>
+          <a:endParaRPr lang="ru-RU" sz="4300" kern="1200"/>
+        </a:p>
+      </dsp:txBody>
+      <dsp:txXfrm rot="-5400000">
+        <a:off x="3693727" y="2371083"/>
+        <a:ext cx="6488751" cy="1439496"/>
+      </dsp:txXfrm>
+    </dsp:sp>
+    <dsp:sp modelId="{2CB84A95-463F-483E-903E-606CFEEB70AD}">
+      <dsp:nvSpPr>
+        <dsp:cNvPr id="0" name=""/>
+        <dsp:cNvSpPr/>
+      </dsp:nvSpPr>
+      <dsp:spPr>
+        <a:xfrm>
+          <a:off x="0" y="2093805"/>
+          <a:ext cx="3693726" cy="1994052"/>
+        </a:xfrm>
+        <a:prstGeom prst="roundRect">
+          <a:avLst/>
+        </a:prstGeom>
+        <a:solidFill>
+          <a:schemeClr val="accent1">
+            <a:hueOff val="0"/>
+            <a:satOff val="0"/>
+            <a:lumOff val="0"/>
+            <a:alphaOff val="0"/>
+          </a:schemeClr>
+        </a:solidFill>
+        <a:ln w="15875" cap="flat" cmpd="sng" algn="ctr">
+          <a:solidFill>
+            <a:schemeClr val="lt1">
+              <a:hueOff val="0"/>
+              <a:satOff val="0"/>
+              <a:lumOff val="0"/>
+              <a:alphaOff val="0"/>
+            </a:schemeClr>
+          </a:solidFill>
+          <a:prstDash val="solid"/>
+        </a:ln>
+        <a:effectLst/>
+      </dsp:spPr>
+      <dsp:style>
+        <a:lnRef idx="2">
+          <a:scrgbClr r="0" g="0" b="0"/>
+        </a:lnRef>
+        <a:fillRef idx="1">
+          <a:scrgbClr r="0" g="0" b="0"/>
+        </a:fillRef>
+        <a:effectRef idx="0">
+          <a:scrgbClr r="0" g="0" b="0"/>
+        </a:effectRef>
+        <a:fontRef idx="minor">
+          <a:schemeClr val="lt1"/>
+        </a:fontRef>
+      </dsp:style>
+      <dsp:txBody>
+        <a:bodyPr spcFirstLastPara="0" vert="horz" wrap="square" lIns="152400" tIns="76200" rIns="152400" bIns="76200" numCol="1" spcCol="1270" anchor="ctr" anchorCtr="0">
+          <a:noAutofit/>
+        </a:bodyPr>
+        <a:lstStyle/>
+        <a:p>
+          <a:pPr lvl="0" algn="ctr" defTabSz="1778000">
+            <a:lnSpc>
+              <a:spcPct val="90000"/>
+            </a:lnSpc>
+            <a:spcBef>
+              <a:spcPct val="0"/>
+            </a:spcBef>
+            <a:spcAft>
+              <a:spcPct val="35000"/>
+            </a:spcAft>
+          </a:pPr>
+          <a:r>
+            <a:rPr lang="ru-RU" sz="4000" kern="1200" dirty="0" smtClean="0"/>
+            <a:t>Барабошин Данила Андреевич</a:t>
+          </a:r>
+          <a:endParaRPr lang="ru-RU" sz="4000" kern="1200" dirty="0"/>
+        </a:p>
+      </dsp:txBody>
+      <dsp:txXfrm>
+        <a:off x="97342" y="2191147"/>
+        <a:ext cx="3499042" cy="1799368"/>
       </dsp:txXfrm>
     </dsp:sp>
   </dsp:spTree>
@@ -1973,6 +3381,239 @@
 </dgm:layoutDef>
 </file>
 
+<file path=ppt/diagrams/layout2.xml><?xml version="1.0" encoding="utf-8"?>
+<dgm:layoutDef xmlns:dgm="http://schemas.openxmlformats.org/drawingml/2006/diagram" xmlns:a="http://schemas.openxmlformats.org/drawingml/2006/main" uniqueId="urn:microsoft.com/office/officeart/2005/8/layout/vList5">
+  <dgm:title val=""/>
+  <dgm:desc val=""/>
+  <dgm:catLst>
+    <dgm:cat type="list" pri="15000"/>
+    <dgm:cat type="convert" pri="2000"/>
+  </dgm:catLst>
+  <dgm:sampData>
+    <dgm:dataModel>
+      <dgm:ptLst>
+        <dgm:pt modelId="0" type="doc"/>
+        <dgm:pt modelId="1">
+          <dgm:prSet phldr="1"/>
+        </dgm:pt>
+        <dgm:pt modelId="11">
+          <dgm:prSet phldr="1"/>
+        </dgm:pt>
+        <dgm:pt modelId="12">
+          <dgm:prSet phldr="1"/>
+        </dgm:pt>
+        <dgm:pt modelId="2">
+          <dgm:prSet phldr="1"/>
+        </dgm:pt>
+        <dgm:pt modelId="21">
+          <dgm:prSet phldr="1"/>
+        </dgm:pt>
+        <dgm:pt modelId="22">
+          <dgm:prSet phldr="1"/>
+        </dgm:pt>
+        <dgm:pt modelId="3">
+          <dgm:prSet phldr="1"/>
+        </dgm:pt>
+        <dgm:pt modelId="31">
+          <dgm:prSet phldr="1"/>
+        </dgm:pt>
+        <dgm:pt modelId="32">
+          <dgm:prSet phldr="1"/>
+        </dgm:pt>
+      </dgm:ptLst>
+      <dgm:cxnLst>
+        <dgm:cxn modelId="4" srcId="0" destId="1" srcOrd="0" destOrd="0"/>
+        <dgm:cxn modelId="5" srcId="0" destId="2" srcOrd="1" destOrd="0"/>
+        <dgm:cxn modelId="6" srcId="0" destId="3" srcOrd="2" destOrd="0"/>
+        <dgm:cxn modelId="13" srcId="1" destId="11" srcOrd="0" destOrd="0"/>
+        <dgm:cxn modelId="14" srcId="1" destId="12" srcOrd="1" destOrd="0"/>
+        <dgm:cxn modelId="23" srcId="2" destId="21" srcOrd="0" destOrd="0"/>
+        <dgm:cxn modelId="24" srcId="2" destId="22" srcOrd="1" destOrd="0"/>
+        <dgm:cxn modelId="33" srcId="3" destId="31" srcOrd="0" destOrd="0"/>
+        <dgm:cxn modelId="34" srcId="3" destId="32" srcOrd="1" destOrd="0"/>
+      </dgm:cxnLst>
+      <dgm:bg/>
+      <dgm:whole/>
+    </dgm:dataModel>
+  </dgm:sampData>
+  <dgm:styleData>
+    <dgm:dataModel>
+      <dgm:ptLst>
+        <dgm:pt modelId="0" type="doc"/>
+        <dgm:pt modelId="1"/>
+        <dgm:pt modelId="11"/>
+        <dgm:pt modelId="2"/>
+        <dgm:pt modelId="21"/>
+      </dgm:ptLst>
+      <dgm:cxnLst>
+        <dgm:cxn modelId="4" srcId="0" destId="1" srcOrd="0" destOrd="0"/>
+        <dgm:cxn modelId="5" srcId="0" destId="2" srcOrd="1" destOrd="0"/>
+        <dgm:cxn modelId="13" srcId="1" destId="11" srcOrd="0" destOrd="0"/>
+        <dgm:cxn modelId="23" srcId="2" destId="21" srcOrd="0" destOrd="0"/>
+      </dgm:cxnLst>
+      <dgm:bg/>
+      <dgm:whole/>
+    </dgm:dataModel>
+  </dgm:styleData>
+  <dgm:clrData>
+    <dgm:dataModel>
+      <dgm:ptLst>
+        <dgm:pt modelId="0" type="doc"/>
+        <dgm:pt modelId="1"/>
+        <dgm:pt modelId="11"/>
+        <dgm:pt modelId="2"/>
+        <dgm:pt modelId="21"/>
+        <dgm:pt modelId="3"/>
+        <dgm:pt modelId="31"/>
+        <dgm:pt modelId="4"/>
+        <dgm:pt modelId="41"/>
+      </dgm:ptLst>
+      <dgm:cxnLst>
+        <dgm:cxn modelId="5" srcId="0" destId="1" srcOrd="0" destOrd="0"/>
+        <dgm:cxn modelId="6" srcId="0" destId="2" srcOrd="1" destOrd="0"/>
+        <dgm:cxn modelId="7" srcId="0" destId="3" srcOrd="2" destOrd="0"/>
+        <dgm:cxn modelId="8" srcId="0" destId="4" srcOrd="3" destOrd="0"/>
+        <dgm:cxn modelId="13" srcId="1" destId="11" srcOrd="0" destOrd="0"/>
+        <dgm:cxn modelId="23" srcId="2" destId="21" srcOrd="0" destOrd="0"/>
+        <dgm:cxn modelId="33" srcId="3" destId="31" srcOrd="0" destOrd="0"/>
+        <dgm:cxn modelId="43" srcId="4" destId="41" srcOrd="0" destOrd="0"/>
+      </dgm:cxnLst>
+      <dgm:bg/>
+      <dgm:whole/>
+    </dgm:dataModel>
+  </dgm:clrData>
+  <dgm:layoutNode name="Name0">
+    <dgm:varLst>
+      <dgm:dir/>
+      <dgm:animLvl val="lvl"/>
+      <dgm:resizeHandles val="exact"/>
+    </dgm:varLst>
+    <dgm:choose name="Name1">
+      <dgm:if name="Name2" func="var" arg="dir" op="equ" val="norm">
+        <dgm:alg type="lin">
+          <dgm:param type="linDir" val="fromT"/>
+          <dgm:param type="nodeHorzAlign" val="l"/>
+        </dgm:alg>
+      </dgm:if>
+      <dgm:else name="Name3">
+        <dgm:alg type="lin">
+          <dgm:param type="linDir" val="fromT"/>
+          <dgm:param type="nodeHorzAlign" val="r"/>
+        </dgm:alg>
+      </dgm:else>
+    </dgm:choose>
+    <dgm:shape xmlns:r="http://schemas.openxmlformats.org/officeDocument/2006/relationships" r:blip="">
+      <dgm:adjLst/>
+    </dgm:shape>
+    <dgm:presOf/>
+    <dgm:constrLst>
+      <dgm:constr type="h" for="ch" forName="linNode" refType="h"/>
+      <dgm:constr type="w" for="ch" forName="linNode" refType="w"/>
+      <dgm:constr type="h" for="ch" forName="sp" refType="h" fact="0.05"/>
+      <dgm:constr type="primFontSz" for="des" forName="parentText" op="equ" val="65"/>
+      <dgm:constr type="secFontSz" for="des" forName="descendantText" op="equ"/>
+    </dgm:constrLst>
+    <dgm:ruleLst/>
+    <dgm:forEach name="Name4" axis="ch" ptType="node">
+      <dgm:layoutNode name="linNode">
+        <dgm:choose name="Name5">
+          <dgm:if name="Name6" func="var" arg="dir" op="equ" val="norm">
+            <dgm:alg type="lin">
+              <dgm:param type="linDir" val="fromL"/>
+            </dgm:alg>
+          </dgm:if>
+          <dgm:else name="Name7">
+            <dgm:alg type="lin">
+              <dgm:param type="linDir" val="fromR"/>
+            </dgm:alg>
+          </dgm:else>
+        </dgm:choose>
+        <dgm:shape xmlns:r="http://schemas.openxmlformats.org/officeDocument/2006/relationships" r:blip="">
+          <dgm:adjLst/>
+        </dgm:shape>
+        <dgm:presOf/>
+        <dgm:constrLst>
+          <dgm:constr type="w" for="ch" forName="parentText" refType="w" fact="0.36"/>
+          <dgm:constr type="w" for="ch" forName="descendantText" refType="w" fact="0.64"/>
+          <dgm:constr type="h" for="ch" forName="parentText" refType="h"/>
+          <dgm:constr type="h" for="ch" forName="descendantText" refType="h" refFor="ch" refForName="parentText" fact="0.8"/>
+        </dgm:constrLst>
+        <dgm:ruleLst/>
+        <dgm:layoutNode name="parentText">
+          <dgm:varLst>
+            <dgm:chMax val="1"/>
+            <dgm:bulletEnabled val="1"/>
+          </dgm:varLst>
+          <dgm:alg type="tx"/>
+          <dgm:shape xmlns:r="http://schemas.openxmlformats.org/officeDocument/2006/relationships" type="roundRect" r:blip="" zOrderOff="3">
+            <dgm:adjLst/>
+          </dgm:shape>
+          <dgm:presOf axis="self" ptType="node"/>
+          <dgm:constrLst>
+            <dgm:constr type="tMarg" refType="primFontSz" fact="0.15"/>
+            <dgm:constr type="bMarg" refType="primFontSz" fact="0.15"/>
+            <dgm:constr type="lMarg" refType="primFontSz" fact="0.3"/>
+            <dgm:constr type="rMarg" refType="primFontSz" fact="0.3"/>
+          </dgm:constrLst>
+          <dgm:ruleLst>
+            <dgm:rule type="primFontSz" val="5" fact="NaN" max="NaN"/>
+          </dgm:ruleLst>
+        </dgm:layoutNode>
+        <dgm:choose name="Name8">
+          <dgm:if name="Name9" axis="ch" ptType="node" func="cnt" op="gte" val="1">
+            <dgm:layoutNode name="descendantText" styleLbl="alignAccFollowNode1">
+              <dgm:varLst>
+                <dgm:bulletEnabled val="1"/>
+              </dgm:varLst>
+              <dgm:alg type="tx">
+                <dgm:param type="stBulletLvl" val="1"/>
+                <dgm:param type="txAnchorVertCh" val="mid"/>
+              </dgm:alg>
+              <dgm:choose name="Name10">
+                <dgm:if name="Name11" func="var" arg="dir" op="equ" val="norm">
+                  <dgm:shape xmlns:r="http://schemas.openxmlformats.org/officeDocument/2006/relationships" rot="90" type="round2SameRect" r:blip="">
+                    <dgm:adjLst/>
+                  </dgm:shape>
+                </dgm:if>
+                <dgm:else name="Name12">
+                  <dgm:shape xmlns:r="http://schemas.openxmlformats.org/officeDocument/2006/relationships" rot="-90" type="round2SameRect" r:blip="">
+                    <dgm:adjLst/>
+                  </dgm:shape>
+                </dgm:else>
+              </dgm:choose>
+              <dgm:presOf axis="des" ptType="node"/>
+              <dgm:constrLst>
+                <dgm:constr type="secFontSz" val="65"/>
+                <dgm:constr type="primFontSz" refType="secFontSz"/>
+                <dgm:constr type="lMarg" refType="secFontSz" fact="0.3"/>
+                <dgm:constr type="rMarg" refType="secFontSz" fact="0.3"/>
+                <dgm:constr type="tMarg" refType="secFontSz" fact="0.15"/>
+                <dgm:constr type="bMarg" refType="secFontSz" fact="0.15"/>
+              </dgm:constrLst>
+              <dgm:ruleLst>
+                <dgm:rule type="secFontSz" val="5" fact="NaN" max="NaN"/>
+              </dgm:ruleLst>
+            </dgm:layoutNode>
+          </dgm:if>
+          <dgm:else name="Name13"/>
+        </dgm:choose>
+      </dgm:layoutNode>
+      <dgm:forEach name="Name14" axis="followSib" ptType="sibTrans" cnt="1">
+        <dgm:layoutNode name="sp">
+          <dgm:alg type="sp"/>
+          <dgm:shape xmlns:r="http://schemas.openxmlformats.org/officeDocument/2006/relationships" r:blip="">
+            <dgm:adjLst/>
+          </dgm:shape>
+          <dgm:presOf/>
+          <dgm:constrLst/>
+          <dgm:ruleLst/>
+        </dgm:layoutNode>
+      </dgm:forEach>
+    </dgm:forEach>
+  </dgm:layoutNode>
+</dgm:layoutDef>
+</file>
+
 <file path=ppt/diagrams/quickStyle1.xml><?xml version="1.0" encoding="utf-8"?>
 <dgm:styleDef xmlns:dgm="http://schemas.openxmlformats.org/drawingml/2006/diagram" xmlns:a="http://schemas.openxmlformats.org/drawingml/2006/main" uniqueId="urn:microsoft.com/office/officeart/2005/8/quickstyle/simple4">
   <dgm:title val=""/>
@@ -2979,6 +4620,1040 @@
         <a:scrgbClr r="0" g="0" b="0"/>
       </a:fillRef>
       <a:effectRef idx="2">
+        <a:scrgbClr r="0" g="0" b="0"/>
+      </a:effectRef>
+      <a:fontRef idx="minor"/>
+    </dgm:style>
+  </dgm:styleLbl>
+  <dgm:styleLbl name="revTx">
+    <dgm:scene3d>
+      <a:camera prst="orthographicFront"/>
+      <a:lightRig rig="threePt" dir="t"/>
+    </dgm:scene3d>
+    <dgm:sp3d/>
+    <dgm:txPr/>
+    <dgm:style>
+      <a:lnRef idx="0">
+        <a:scrgbClr r="0" g="0" b="0"/>
+      </a:lnRef>
+      <a:fillRef idx="0">
+        <a:scrgbClr r="0" g="0" b="0"/>
+      </a:fillRef>
+      <a:effectRef idx="0">
+        <a:scrgbClr r="0" g="0" b="0"/>
+      </a:effectRef>
+      <a:fontRef idx="minor"/>
+    </dgm:style>
+  </dgm:styleLbl>
+</dgm:styleDef>
+</file>
+
+<file path=ppt/diagrams/quickStyle2.xml><?xml version="1.0" encoding="utf-8"?>
+<dgm:styleDef xmlns:dgm="http://schemas.openxmlformats.org/drawingml/2006/diagram" xmlns:a="http://schemas.openxmlformats.org/drawingml/2006/main" uniqueId="urn:microsoft.com/office/officeart/2005/8/quickstyle/simple1">
+  <dgm:title val=""/>
+  <dgm:desc val=""/>
+  <dgm:catLst>
+    <dgm:cat type="simple" pri="10100"/>
+  </dgm:catLst>
+  <dgm:scene3d>
+    <a:camera prst="orthographicFront"/>
+    <a:lightRig rig="threePt" dir="t"/>
+  </dgm:scene3d>
+  <dgm:styleLbl name="node0">
+    <dgm:scene3d>
+      <a:camera prst="orthographicFront"/>
+      <a:lightRig rig="threePt" dir="t"/>
+    </dgm:scene3d>
+    <dgm:sp3d/>
+    <dgm:txPr/>
+    <dgm:style>
+      <a:lnRef idx="2">
+        <a:scrgbClr r="0" g="0" b="0"/>
+      </a:lnRef>
+      <a:fillRef idx="1">
+        <a:scrgbClr r="0" g="0" b="0"/>
+      </a:fillRef>
+      <a:effectRef idx="0">
+        <a:scrgbClr r="0" g="0" b="0"/>
+      </a:effectRef>
+      <a:fontRef idx="minor">
+        <a:schemeClr val="lt1"/>
+      </a:fontRef>
+    </dgm:style>
+  </dgm:styleLbl>
+  <dgm:styleLbl name="lnNode1">
+    <dgm:scene3d>
+      <a:camera prst="orthographicFront"/>
+      <a:lightRig rig="threePt" dir="t"/>
+    </dgm:scene3d>
+    <dgm:sp3d/>
+    <dgm:txPr/>
+    <dgm:style>
+      <a:lnRef idx="2">
+        <a:scrgbClr r="0" g="0" b="0"/>
+      </a:lnRef>
+      <a:fillRef idx="1">
+        <a:scrgbClr r="0" g="0" b="0"/>
+      </a:fillRef>
+      <a:effectRef idx="0">
+        <a:scrgbClr r="0" g="0" b="0"/>
+      </a:effectRef>
+      <a:fontRef idx="minor">
+        <a:schemeClr val="lt1"/>
+      </a:fontRef>
+    </dgm:style>
+  </dgm:styleLbl>
+  <dgm:styleLbl name="vennNode1">
+    <dgm:scene3d>
+      <a:camera prst="orthographicFront"/>
+      <a:lightRig rig="threePt" dir="t"/>
+    </dgm:scene3d>
+    <dgm:sp3d/>
+    <dgm:txPr/>
+    <dgm:style>
+      <a:lnRef idx="2">
+        <a:scrgbClr r="0" g="0" b="0"/>
+      </a:lnRef>
+      <a:fillRef idx="1">
+        <a:scrgbClr r="0" g="0" b="0"/>
+      </a:fillRef>
+      <a:effectRef idx="0">
+        <a:scrgbClr r="0" g="0" b="0"/>
+      </a:effectRef>
+      <a:fontRef idx="minor">
+        <a:schemeClr val="tx1"/>
+      </a:fontRef>
+    </dgm:style>
+  </dgm:styleLbl>
+  <dgm:styleLbl name="alignNode1">
+    <dgm:scene3d>
+      <a:camera prst="orthographicFront"/>
+      <a:lightRig rig="threePt" dir="t"/>
+    </dgm:scene3d>
+    <dgm:sp3d/>
+    <dgm:txPr/>
+    <dgm:style>
+      <a:lnRef idx="2">
+        <a:scrgbClr r="0" g="0" b="0"/>
+      </a:lnRef>
+      <a:fillRef idx="1">
+        <a:scrgbClr r="0" g="0" b="0"/>
+      </a:fillRef>
+      <a:effectRef idx="0">
+        <a:scrgbClr r="0" g="0" b="0"/>
+      </a:effectRef>
+      <a:fontRef idx="minor">
+        <a:schemeClr val="lt1"/>
+      </a:fontRef>
+    </dgm:style>
+  </dgm:styleLbl>
+  <dgm:styleLbl name="node1">
+    <dgm:scene3d>
+      <a:camera prst="orthographicFront"/>
+      <a:lightRig rig="threePt" dir="t"/>
+    </dgm:scene3d>
+    <dgm:sp3d/>
+    <dgm:txPr/>
+    <dgm:style>
+      <a:lnRef idx="2">
+        <a:scrgbClr r="0" g="0" b="0"/>
+      </a:lnRef>
+      <a:fillRef idx="1">
+        <a:scrgbClr r="0" g="0" b="0"/>
+      </a:fillRef>
+      <a:effectRef idx="0">
+        <a:scrgbClr r="0" g="0" b="0"/>
+      </a:effectRef>
+      <a:fontRef idx="minor">
+        <a:schemeClr val="lt1"/>
+      </a:fontRef>
+    </dgm:style>
+  </dgm:styleLbl>
+  <dgm:styleLbl name="node2">
+    <dgm:scene3d>
+      <a:camera prst="orthographicFront"/>
+      <a:lightRig rig="threePt" dir="t"/>
+    </dgm:scene3d>
+    <dgm:sp3d/>
+    <dgm:txPr/>
+    <dgm:style>
+      <a:lnRef idx="2">
+        <a:scrgbClr r="0" g="0" b="0"/>
+      </a:lnRef>
+      <a:fillRef idx="1">
+        <a:scrgbClr r="0" g="0" b="0"/>
+      </a:fillRef>
+      <a:effectRef idx="0">
+        <a:scrgbClr r="0" g="0" b="0"/>
+      </a:effectRef>
+      <a:fontRef idx="minor">
+        <a:schemeClr val="lt1"/>
+      </a:fontRef>
+    </dgm:style>
+  </dgm:styleLbl>
+  <dgm:styleLbl name="node3">
+    <dgm:scene3d>
+      <a:camera prst="orthographicFront"/>
+      <a:lightRig rig="threePt" dir="t"/>
+    </dgm:scene3d>
+    <dgm:sp3d/>
+    <dgm:txPr/>
+    <dgm:style>
+      <a:lnRef idx="2">
+        <a:scrgbClr r="0" g="0" b="0"/>
+      </a:lnRef>
+      <a:fillRef idx="1">
+        <a:scrgbClr r="0" g="0" b="0"/>
+      </a:fillRef>
+      <a:effectRef idx="0">
+        <a:scrgbClr r="0" g="0" b="0"/>
+      </a:effectRef>
+      <a:fontRef idx="minor">
+        <a:schemeClr val="lt1"/>
+      </a:fontRef>
+    </dgm:style>
+  </dgm:styleLbl>
+  <dgm:styleLbl name="node4">
+    <dgm:scene3d>
+      <a:camera prst="orthographicFront"/>
+      <a:lightRig rig="threePt" dir="t"/>
+    </dgm:scene3d>
+    <dgm:sp3d/>
+    <dgm:txPr/>
+    <dgm:style>
+      <a:lnRef idx="2">
+        <a:scrgbClr r="0" g="0" b="0"/>
+      </a:lnRef>
+      <a:fillRef idx="1">
+        <a:scrgbClr r="0" g="0" b="0"/>
+      </a:fillRef>
+      <a:effectRef idx="0">
+        <a:scrgbClr r="0" g="0" b="0"/>
+      </a:effectRef>
+      <a:fontRef idx="minor">
+        <a:schemeClr val="lt1"/>
+      </a:fontRef>
+    </dgm:style>
+  </dgm:styleLbl>
+  <dgm:styleLbl name="fgImgPlace1">
+    <dgm:scene3d>
+      <a:camera prst="orthographicFront"/>
+      <a:lightRig rig="threePt" dir="t"/>
+    </dgm:scene3d>
+    <dgm:sp3d/>
+    <dgm:txPr/>
+    <dgm:style>
+      <a:lnRef idx="2">
+        <a:scrgbClr r="0" g="0" b="0"/>
+      </a:lnRef>
+      <a:fillRef idx="1">
+        <a:scrgbClr r="0" g="0" b="0"/>
+      </a:fillRef>
+      <a:effectRef idx="0">
+        <a:scrgbClr r="0" g="0" b="0"/>
+      </a:effectRef>
+      <a:fontRef idx="minor"/>
+    </dgm:style>
+  </dgm:styleLbl>
+  <dgm:styleLbl name="alignImgPlace1">
+    <dgm:scene3d>
+      <a:camera prst="orthographicFront"/>
+      <a:lightRig rig="threePt" dir="t"/>
+    </dgm:scene3d>
+    <dgm:sp3d/>
+    <dgm:txPr/>
+    <dgm:style>
+      <a:lnRef idx="2">
+        <a:scrgbClr r="0" g="0" b="0"/>
+      </a:lnRef>
+      <a:fillRef idx="1">
+        <a:scrgbClr r="0" g="0" b="0"/>
+      </a:fillRef>
+      <a:effectRef idx="0">
+        <a:scrgbClr r="0" g="0" b="0"/>
+      </a:effectRef>
+      <a:fontRef idx="minor"/>
+    </dgm:style>
+  </dgm:styleLbl>
+  <dgm:styleLbl name="bgImgPlace1">
+    <dgm:scene3d>
+      <a:camera prst="orthographicFront"/>
+      <a:lightRig rig="threePt" dir="t"/>
+    </dgm:scene3d>
+    <dgm:sp3d/>
+    <dgm:txPr/>
+    <dgm:style>
+      <a:lnRef idx="2">
+        <a:scrgbClr r="0" g="0" b="0"/>
+      </a:lnRef>
+      <a:fillRef idx="1">
+        <a:scrgbClr r="0" g="0" b="0"/>
+      </a:fillRef>
+      <a:effectRef idx="0">
+        <a:scrgbClr r="0" g="0" b="0"/>
+      </a:effectRef>
+      <a:fontRef idx="minor"/>
+    </dgm:style>
+  </dgm:styleLbl>
+  <dgm:styleLbl name="sibTrans2D1">
+    <dgm:scene3d>
+      <a:camera prst="orthographicFront"/>
+      <a:lightRig rig="threePt" dir="t"/>
+    </dgm:scene3d>
+    <dgm:sp3d/>
+    <dgm:txPr/>
+    <dgm:style>
+      <a:lnRef idx="0">
+        <a:scrgbClr r="0" g="0" b="0"/>
+      </a:lnRef>
+      <a:fillRef idx="1">
+        <a:scrgbClr r="0" g="0" b="0"/>
+      </a:fillRef>
+      <a:effectRef idx="0">
+        <a:scrgbClr r="0" g="0" b="0"/>
+      </a:effectRef>
+      <a:fontRef idx="minor">
+        <a:schemeClr val="lt1"/>
+      </a:fontRef>
+    </dgm:style>
+  </dgm:styleLbl>
+  <dgm:styleLbl name="fgSibTrans2D1">
+    <dgm:scene3d>
+      <a:camera prst="orthographicFront"/>
+      <a:lightRig rig="threePt" dir="t"/>
+    </dgm:scene3d>
+    <dgm:sp3d/>
+    <dgm:txPr/>
+    <dgm:style>
+      <a:lnRef idx="0">
+        <a:scrgbClr r="0" g="0" b="0"/>
+      </a:lnRef>
+      <a:fillRef idx="1">
+        <a:scrgbClr r="0" g="0" b="0"/>
+      </a:fillRef>
+      <a:effectRef idx="0">
+        <a:scrgbClr r="0" g="0" b="0"/>
+      </a:effectRef>
+      <a:fontRef idx="minor">
+        <a:schemeClr val="lt1"/>
+      </a:fontRef>
+    </dgm:style>
+  </dgm:styleLbl>
+  <dgm:styleLbl name="bgSibTrans2D1">
+    <dgm:scene3d>
+      <a:camera prst="orthographicFront"/>
+      <a:lightRig rig="threePt" dir="t"/>
+    </dgm:scene3d>
+    <dgm:sp3d/>
+    <dgm:txPr/>
+    <dgm:style>
+      <a:lnRef idx="0">
+        <a:scrgbClr r="0" g="0" b="0"/>
+      </a:lnRef>
+      <a:fillRef idx="1">
+        <a:scrgbClr r="0" g="0" b="0"/>
+      </a:fillRef>
+      <a:effectRef idx="0">
+        <a:scrgbClr r="0" g="0" b="0"/>
+      </a:effectRef>
+      <a:fontRef idx="minor">
+        <a:schemeClr val="lt1"/>
+      </a:fontRef>
+    </dgm:style>
+  </dgm:styleLbl>
+  <dgm:styleLbl name="sibTrans1D1">
+    <dgm:scene3d>
+      <a:camera prst="orthographicFront"/>
+      <a:lightRig rig="threePt" dir="t"/>
+    </dgm:scene3d>
+    <dgm:sp3d/>
+    <dgm:txPr/>
+    <dgm:style>
+      <a:lnRef idx="1">
+        <a:scrgbClr r="0" g="0" b="0"/>
+      </a:lnRef>
+      <a:fillRef idx="0">
+        <a:scrgbClr r="0" g="0" b="0"/>
+      </a:fillRef>
+      <a:effectRef idx="0">
+        <a:scrgbClr r="0" g="0" b="0"/>
+      </a:effectRef>
+      <a:fontRef idx="minor"/>
+    </dgm:style>
+  </dgm:styleLbl>
+  <dgm:styleLbl name="callout">
+    <dgm:scene3d>
+      <a:camera prst="orthographicFront"/>
+      <a:lightRig rig="threePt" dir="t"/>
+    </dgm:scene3d>
+    <dgm:sp3d/>
+    <dgm:txPr/>
+    <dgm:style>
+      <a:lnRef idx="2">
+        <a:scrgbClr r="0" g="0" b="0"/>
+      </a:lnRef>
+      <a:fillRef idx="1">
+        <a:scrgbClr r="0" g="0" b="0"/>
+      </a:fillRef>
+      <a:effectRef idx="0">
+        <a:scrgbClr r="0" g="0" b="0"/>
+      </a:effectRef>
+      <a:fontRef idx="minor"/>
+    </dgm:style>
+  </dgm:styleLbl>
+  <dgm:styleLbl name="asst0">
+    <dgm:scene3d>
+      <a:camera prst="orthographicFront"/>
+      <a:lightRig rig="threePt" dir="t"/>
+    </dgm:scene3d>
+    <dgm:sp3d/>
+    <dgm:txPr/>
+    <dgm:style>
+      <a:lnRef idx="2">
+        <a:scrgbClr r="0" g="0" b="0"/>
+      </a:lnRef>
+      <a:fillRef idx="1">
+        <a:scrgbClr r="0" g="0" b="0"/>
+      </a:fillRef>
+      <a:effectRef idx="0">
+        <a:scrgbClr r="0" g="0" b="0"/>
+      </a:effectRef>
+      <a:fontRef idx="minor">
+        <a:schemeClr val="lt1"/>
+      </a:fontRef>
+    </dgm:style>
+  </dgm:styleLbl>
+  <dgm:styleLbl name="asst1">
+    <dgm:scene3d>
+      <a:camera prst="orthographicFront"/>
+      <a:lightRig rig="threePt" dir="t"/>
+    </dgm:scene3d>
+    <dgm:sp3d/>
+    <dgm:txPr/>
+    <dgm:style>
+      <a:lnRef idx="2">
+        <a:scrgbClr r="0" g="0" b="0"/>
+      </a:lnRef>
+      <a:fillRef idx="1">
+        <a:scrgbClr r="0" g="0" b="0"/>
+      </a:fillRef>
+      <a:effectRef idx="0">
+        <a:scrgbClr r="0" g="0" b="0"/>
+      </a:effectRef>
+      <a:fontRef idx="minor">
+        <a:schemeClr val="lt1"/>
+      </a:fontRef>
+    </dgm:style>
+  </dgm:styleLbl>
+  <dgm:styleLbl name="asst2">
+    <dgm:scene3d>
+      <a:camera prst="orthographicFront"/>
+      <a:lightRig rig="threePt" dir="t"/>
+    </dgm:scene3d>
+    <dgm:sp3d/>
+    <dgm:txPr/>
+    <dgm:style>
+      <a:lnRef idx="2">
+        <a:scrgbClr r="0" g="0" b="0"/>
+      </a:lnRef>
+      <a:fillRef idx="1">
+        <a:scrgbClr r="0" g="0" b="0"/>
+      </a:fillRef>
+      <a:effectRef idx="0">
+        <a:scrgbClr r="0" g="0" b="0"/>
+      </a:effectRef>
+      <a:fontRef idx="minor">
+        <a:schemeClr val="lt1"/>
+      </a:fontRef>
+    </dgm:style>
+  </dgm:styleLbl>
+  <dgm:styleLbl name="asst3">
+    <dgm:scene3d>
+      <a:camera prst="orthographicFront"/>
+      <a:lightRig rig="threePt" dir="t"/>
+    </dgm:scene3d>
+    <dgm:sp3d/>
+    <dgm:txPr/>
+    <dgm:style>
+      <a:lnRef idx="2">
+        <a:scrgbClr r="0" g="0" b="0"/>
+      </a:lnRef>
+      <a:fillRef idx="1">
+        <a:scrgbClr r="0" g="0" b="0"/>
+      </a:fillRef>
+      <a:effectRef idx="0">
+        <a:scrgbClr r="0" g="0" b="0"/>
+      </a:effectRef>
+      <a:fontRef idx="minor">
+        <a:schemeClr val="lt1"/>
+      </a:fontRef>
+    </dgm:style>
+  </dgm:styleLbl>
+  <dgm:styleLbl name="asst4">
+    <dgm:scene3d>
+      <a:camera prst="orthographicFront"/>
+      <a:lightRig rig="threePt" dir="t"/>
+    </dgm:scene3d>
+    <dgm:sp3d/>
+    <dgm:txPr/>
+    <dgm:style>
+      <a:lnRef idx="2">
+        <a:scrgbClr r="0" g="0" b="0"/>
+      </a:lnRef>
+      <a:fillRef idx="1">
+        <a:scrgbClr r="0" g="0" b="0"/>
+      </a:fillRef>
+      <a:effectRef idx="0">
+        <a:scrgbClr r="0" g="0" b="0"/>
+      </a:effectRef>
+      <a:fontRef idx="minor">
+        <a:schemeClr val="lt1"/>
+      </a:fontRef>
+    </dgm:style>
+  </dgm:styleLbl>
+  <dgm:styleLbl name="parChTrans2D1">
+    <dgm:scene3d>
+      <a:camera prst="orthographicFront"/>
+      <a:lightRig rig="threePt" dir="t"/>
+    </dgm:scene3d>
+    <dgm:sp3d/>
+    <dgm:txPr/>
+    <dgm:style>
+      <a:lnRef idx="2">
+        <a:scrgbClr r="0" g="0" b="0"/>
+      </a:lnRef>
+      <a:fillRef idx="1">
+        <a:scrgbClr r="0" g="0" b="0"/>
+      </a:fillRef>
+      <a:effectRef idx="0">
+        <a:scrgbClr r="0" g="0" b="0"/>
+      </a:effectRef>
+      <a:fontRef idx="minor">
+        <a:schemeClr val="lt1"/>
+      </a:fontRef>
+    </dgm:style>
+  </dgm:styleLbl>
+  <dgm:styleLbl name="parChTrans2D2">
+    <dgm:scene3d>
+      <a:camera prst="orthographicFront"/>
+      <a:lightRig rig="threePt" dir="t"/>
+    </dgm:scene3d>
+    <dgm:sp3d/>
+    <dgm:txPr/>
+    <dgm:style>
+      <a:lnRef idx="2">
+        <a:scrgbClr r="0" g="0" b="0"/>
+      </a:lnRef>
+      <a:fillRef idx="1">
+        <a:scrgbClr r="0" g="0" b="0"/>
+      </a:fillRef>
+      <a:effectRef idx="0">
+        <a:scrgbClr r="0" g="0" b="0"/>
+      </a:effectRef>
+      <a:fontRef idx="minor">
+        <a:schemeClr val="lt1"/>
+      </a:fontRef>
+    </dgm:style>
+  </dgm:styleLbl>
+  <dgm:styleLbl name="parChTrans2D3">
+    <dgm:scene3d>
+      <a:camera prst="orthographicFront"/>
+      <a:lightRig rig="threePt" dir="t"/>
+    </dgm:scene3d>
+    <dgm:sp3d/>
+    <dgm:txPr/>
+    <dgm:style>
+      <a:lnRef idx="2">
+        <a:scrgbClr r="0" g="0" b="0"/>
+      </a:lnRef>
+      <a:fillRef idx="1">
+        <a:scrgbClr r="0" g="0" b="0"/>
+      </a:fillRef>
+      <a:effectRef idx="0">
+        <a:scrgbClr r="0" g="0" b="0"/>
+      </a:effectRef>
+      <a:fontRef idx="minor">
+        <a:schemeClr val="lt1"/>
+      </a:fontRef>
+    </dgm:style>
+  </dgm:styleLbl>
+  <dgm:styleLbl name="parChTrans2D4">
+    <dgm:scene3d>
+      <a:camera prst="orthographicFront"/>
+      <a:lightRig rig="threePt" dir="t"/>
+    </dgm:scene3d>
+    <dgm:sp3d/>
+    <dgm:txPr/>
+    <dgm:style>
+      <a:lnRef idx="2">
+        <a:scrgbClr r="0" g="0" b="0"/>
+      </a:lnRef>
+      <a:fillRef idx="1">
+        <a:scrgbClr r="0" g="0" b="0"/>
+      </a:fillRef>
+      <a:effectRef idx="0">
+        <a:scrgbClr r="0" g="0" b="0"/>
+      </a:effectRef>
+      <a:fontRef idx="minor">
+        <a:schemeClr val="lt1"/>
+      </a:fontRef>
+    </dgm:style>
+  </dgm:styleLbl>
+  <dgm:styleLbl name="parChTrans1D1">
+    <dgm:scene3d>
+      <a:camera prst="orthographicFront"/>
+      <a:lightRig rig="threePt" dir="t"/>
+    </dgm:scene3d>
+    <dgm:sp3d/>
+    <dgm:txPr/>
+    <dgm:style>
+      <a:lnRef idx="2">
+        <a:scrgbClr r="0" g="0" b="0"/>
+      </a:lnRef>
+      <a:fillRef idx="0">
+        <a:scrgbClr r="0" g="0" b="0"/>
+      </a:fillRef>
+      <a:effectRef idx="0">
+        <a:scrgbClr r="0" g="0" b="0"/>
+      </a:effectRef>
+      <a:fontRef idx="minor"/>
+    </dgm:style>
+  </dgm:styleLbl>
+  <dgm:styleLbl name="parChTrans1D2">
+    <dgm:scene3d>
+      <a:camera prst="orthographicFront"/>
+      <a:lightRig rig="threePt" dir="t"/>
+    </dgm:scene3d>
+    <dgm:sp3d/>
+    <dgm:txPr/>
+    <dgm:style>
+      <a:lnRef idx="2">
+        <a:scrgbClr r="0" g="0" b="0"/>
+      </a:lnRef>
+      <a:fillRef idx="0">
+        <a:scrgbClr r="0" g="0" b="0"/>
+      </a:fillRef>
+      <a:effectRef idx="0">
+        <a:scrgbClr r="0" g="0" b="0"/>
+      </a:effectRef>
+      <a:fontRef idx="minor"/>
+    </dgm:style>
+  </dgm:styleLbl>
+  <dgm:styleLbl name="parChTrans1D3">
+    <dgm:scene3d>
+      <a:camera prst="orthographicFront"/>
+      <a:lightRig rig="threePt" dir="t"/>
+    </dgm:scene3d>
+    <dgm:sp3d/>
+    <dgm:txPr/>
+    <dgm:style>
+      <a:lnRef idx="2">
+        <a:scrgbClr r="0" g="0" b="0"/>
+      </a:lnRef>
+      <a:fillRef idx="0">
+        <a:scrgbClr r="0" g="0" b="0"/>
+      </a:fillRef>
+      <a:effectRef idx="0">
+        <a:scrgbClr r="0" g="0" b="0"/>
+      </a:effectRef>
+      <a:fontRef idx="minor"/>
+    </dgm:style>
+  </dgm:styleLbl>
+  <dgm:styleLbl name="parChTrans1D4">
+    <dgm:scene3d>
+      <a:camera prst="orthographicFront"/>
+      <a:lightRig rig="threePt" dir="t"/>
+    </dgm:scene3d>
+    <dgm:sp3d/>
+    <dgm:txPr/>
+    <dgm:style>
+      <a:lnRef idx="2">
+        <a:scrgbClr r="0" g="0" b="0"/>
+      </a:lnRef>
+      <a:fillRef idx="0">
+        <a:scrgbClr r="0" g="0" b="0"/>
+      </a:fillRef>
+      <a:effectRef idx="0">
+        <a:scrgbClr r="0" g="0" b="0"/>
+      </a:effectRef>
+      <a:fontRef idx="minor"/>
+    </dgm:style>
+  </dgm:styleLbl>
+  <dgm:styleLbl name="fgAcc1">
+    <dgm:scene3d>
+      <a:camera prst="orthographicFront"/>
+      <a:lightRig rig="threePt" dir="t"/>
+    </dgm:scene3d>
+    <dgm:sp3d/>
+    <dgm:txPr/>
+    <dgm:style>
+      <a:lnRef idx="2">
+        <a:scrgbClr r="0" g="0" b="0"/>
+      </a:lnRef>
+      <a:fillRef idx="1">
+        <a:scrgbClr r="0" g="0" b="0"/>
+      </a:fillRef>
+      <a:effectRef idx="0">
+        <a:scrgbClr r="0" g="0" b="0"/>
+      </a:effectRef>
+      <a:fontRef idx="minor"/>
+    </dgm:style>
+  </dgm:styleLbl>
+  <dgm:styleLbl name="conFgAcc1">
+    <dgm:scene3d>
+      <a:camera prst="orthographicFront"/>
+      <a:lightRig rig="threePt" dir="t"/>
+    </dgm:scene3d>
+    <dgm:sp3d/>
+    <dgm:txPr/>
+    <dgm:style>
+      <a:lnRef idx="2">
+        <a:scrgbClr r="0" g="0" b="0"/>
+      </a:lnRef>
+      <a:fillRef idx="1">
+        <a:scrgbClr r="0" g="0" b="0"/>
+      </a:fillRef>
+      <a:effectRef idx="0">
+        <a:scrgbClr r="0" g="0" b="0"/>
+      </a:effectRef>
+      <a:fontRef idx="minor"/>
+    </dgm:style>
+  </dgm:styleLbl>
+  <dgm:styleLbl name="alignAcc1">
+    <dgm:scene3d>
+      <a:camera prst="orthographicFront"/>
+      <a:lightRig rig="threePt" dir="t"/>
+    </dgm:scene3d>
+    <dgm:sp3d/>
+    <dgm:txPr/>
+    <dgm:style>
+      <a:lnRef idx="2">
+        <a:scrgbClr r="0" g="0" b="0"/>
+      </a:lnRef>
+      <a:fillRef idx="1">
+        <a:scrgbClr r="0" g="0" b="0"/>
+      </a:fillRef>
+      <a:effectRef idx="0">
+        <a:scrgbClr r="0" g="0" b="0"/>
+      </a:effectRef>
+      <a:fontRef idx="minor"/>
+    </dgm:style>
+  </dgm:styleLbl>
+  <dgm:styleLbl name="trAlignAcc1">
+    <dgm:scene3d>
+      <a:camera prst="orthographicFront"/>
+      <a:lightRig rig="threePt" dir="t"/>
+    </dgm:scene3d>
+    <dgm:sp3d/>
+    <dgm:txPr/>
+    <dgm:style>
+      <a:lnRef idx="1">
+        <a:scrgbClr r="0" g="0" b="0"/>
+      </a:lnRef>
+      <a:fillRef idx="1">
+        <a:scrgbClr r="0" g="0" b="0"/>
+      </a:fillRef>
+      <a:effectRef idx="0">
+        <a:scrgbClr r="0" g="0" b="0"/>
+      </a:effectRef>
+      <a:fontRef idx="minor"/>
+    </dgm:style>
+  </dgm:styleLbl>
+  <dgm:styleLbl name="bgAcc1">
+    <dgm:scene3d>
+      <a:camera prst="orthographicFront"/>
+      <a:lightRig rig="threePt" dir="t"/>
+    </dgm:scene3d>
+    <dgm:sp3d/>
+    <dgm:txPr/>
+    <dgm:style>
+      <a:lnRef idx="2">
+        <a:scrgbClr r="0" g="0" b="0"/>
+      </a:lnRef>
+      <a:fillRef idx="1">
+        <a:scrgbClr r="0" g="0" b="0"/>
+      </a:fillRef>
+      <a:effectRef idx="0">
+        <a:scrgbClr r="0" g="0" b="0"/>
+      </a:effectRef>
+      <a:fontRef idx="minor"/>
+    </dgm:style>
+  </dgm:styleLbl>
+  <dgm:styleLbl name="solidFgAcc1">
+    <dgm:scene3d>
+      <a:camera prst="orthographicFront"/>
+      <a:lightRig rig="threePt" dir="t"/>
+    </dgm:scene3d>
+    <dgm:sp3d/>
+    <dgm:txPr/>
+    <dgm:style>
+      <a:lnRef idx="2">
+        <a:scrgbClr r="0" g="0" b="0"/>
+      </a:lnRef>
+      <a:fillRef idx="1">
+        <a:scrgbClr r="0" g="0" b="0"/>
+      </a:fillRef>
+      <a:effectRef idx="0">
+        <a:scrgbClr r="0" g="0" b="0"/>
+      </a:effectRef>
+      <a:fontRef idx="minor"/>
+    </dgm:style>
+  </dgm:styleLbl>
+  <dgm:styleLbl name="solidAlignAcc1">
+    <dgm:scene3d>
+      <a:camera prst="orthographicFront"/>
+      <a:lightRig rig="threePt" dir="t"/>
+    </dgm:scene3d>
+    <dgm:sp3d/>
+    <dgm:txPr/>
+    <dgm:style>
+      <a:lnRef idx="2">
+        <a:scrgbClr r="0" g="0" b="0"/>
+      </a:lnRef>
+      <a:fillRef idx="1">
+        <a:scrgbClr r="0" g="0" b="0"/>
+      </a:fillRef>
+      <a:effectRef idx="0">
+        <a:scrgbClr r="0" g="0" b="0"/>
+      </a:effectRef>
+      <a:fontRef idx="minor"/>
+    </dgm:style>
+  </dgm:styleLbl>
+  <dgm:styleLbl name="solidBgAcc1">
+    <dgm:scene3d>
+      <a:camera prst="orthographicFront"/>
+      <a:lightRig rig="threePt" dir="t"/>
+    </dgm:scene3d>
+    <dgm:sp3d/>
+    <dgm:txPr/>
+    <dgm:style>
+      <a:lnRef idx="2">
+        <a:scrgbClr r="0" g="0" b="0"/>
+      </a:lnRef>
+      <a:fillRef idx="1">
+        <a:scrgbClr r="0" g="0" b="0"/>
+      </a:fillRef>
+      <a:effectRef idx="0">
+        <a:scrgbClr r="0" g="0" b="0"/>
+      </a:effectRef>
+      <a:fontRef idx="minor"/>
+    </dgm:style>
+  </dgm:styleLbl>
+  <dgm:styleLbl name="fgAccFollowNode1">
+    <dgm:scene3d>
+      <a:camera prst="orthographicFront"/>
+      <a:lightRig rig="threePt" dir="t"/>
+    </dgm:scene3d>
+    <dgm:sp3d/>
+    <dgm:txPr/>
+    <dgm:style>
+      <a:lnRef idx="2">
+        <a:scrgbClr r="0" g="0" b="0"/>
+      </a:lnRef>
+      <a:fillRef idx="1">
+        <a:scrgbClr r="0" g="0" b="0"/>
+      </a:fillRef>
+      <a:effectRef idx="0">
+        <a:scrgbClr r="0" g="0" b="0"/>
+      </a:effectRef>
+      <a:fontRef idx="minor"/>
+    </dgm:style>
+  </dgm:styleLbl>
+  <dgm:styleLbl name="alignAccFollowNode1">
+    <dgm:scene3d>
+      <a:camera prst="orthographicFront"/>
+      <a:lightRig rig="threePt" dir="t"/>
+    </dgm:scene3d>
+    <dgm:sp3d/>
+    <dgm:txPr/>
+    <dgm:style>
+      <a:lnRef idx="2">
+        <a:scrgbClr r="0" g="0" b="0"/>
+      </a:lnRef>
+      <a:fillRef idx="1">
+        <a:scrgbClr r="0" g="0" b="0"/>
+      </a:fillRef>
+      <a:effectRef idx="0">
+        <a:scrgbClr r="0" g="0" b="0"/>
+      </a:effectRef>
+      <a:fontRef idx="minor"/>
+    </dgm:style>
+  </dgm:styleLbl>
+  <dgm:styleLbl name="bgAccFollowNode1">
+    <dgm:scene3d>
+      <a:camera prst="orthographicFront"/>
+      <a:lightRig rig="threePt" dir="t"/>
+    </dgm:scene3d>
+    <dgm:sp3d/>
+    <dgm:txPr/>
+    <dgm:style>
+      <a:lnRef idx="2">
+        <a:scrgbClr r="0" g="0" b="0"/>
+      </a:lnRef>
+      <a:fillRef idx="1">
+        <a:scrgbClr r="0" g="0" b="0"/>
+      </a:fillRef>
+      <a:effectRef idx="0">
+        <a:scrgbClr r="0" g="0" b="0"/>
+      </a:effectRef>
+      <a:fontRef idx="minor"/>
+    </dgm:style>
+  </dgm:styleLbl>
+  <dgm:styleLbl name="fgAcc0">
+    <dgm:scene3d>
+      <a:camera prst="orthographicFront"/>
+      <a:lightRig rig="threePt" dir="t"/>
+    </dgm:scene3d>
+    <dgm:sp3d/>
+    <dgm:txPr/>
+    <dgm:style>
+      <a:lnRef idx="2">
+        <a:scrgbClr r="0" g="0" b="0"/>
+      </a:lnRef>
+      <a:fillRef idx="1">
+        <a:scrgbClr r="0" g="0" b="0"/>
+      </a:fillRef>
+      <a:effectRef idx="0">
+        <a:scrgbClr r="0" g="0" b="0"/>
+      </a:effectRef>
+      <a:fontRef idx="minor"/>
+    </dgm:style>
+  </dgm:styleLbl>
+  <dgm:styleLbl name="fgAcc2">
+    <dgm:scene3d>
+      <a:camera prst="orthographicFront"/>
+      <a:lightRig rig="threePt" dir="t"/>
+    </dgm:scene3d>
+    <dgm:sp3d/>
+    <dgm:txPr/>
+    <dgm:style>
+      <a:lnRef idx="2">
+        <a:scrgbClr r="0" g="0" b="0"/>
+      </a:lnRef>
+      <a:fillRef idx="1">
+        <a:scrgbClr r="0" g="0" b="0"/>
+      </a:fillRef>
+      <a:effectRef idx="0">
+        <a:scrgbClr r="0" g="0" b="0"/>
+      </a:effectRef>
+      <a:fontRef idx="minor"/>
+    </dgm:style>
+  </dgm:styleLbl>
+  <dgm:styleLbl name="fgAcc3">
+    <dgm:scene3d>
+      <a:camera prst="orthographicFront"/>
+      <a:lightRig rig="threePt" dir="t"/>
+    </dgm:scene3d>
+    <dgm:sp3d/>
+    <dgm:txPr/>
+    <dgm:style>
+      <a:lnRef idx="2">
+        <a:scrgbClr r="0" g="0" b="0"/>
+      </a:lnRef>
+      <a:fillRef idx="1">
+        <a:scrgbClr r="0" g="0" b="0"/>
+      </a:fillRef>
+      <a:effectRef idx="0">
+        <a:scrgbClr r="0" g="0" b="0"/>
+      </a:effectRef>
+      <a:fontRef idx="minor"/>
+    </dgm:style>
+  </dgm:styleLbl>
+  <dgm:styleLbl name="fgAcc4">
+    <dgm:scene3d>
+      <a:camera prst="orthographicFront"/>
+      <a:lightRig rig="threePt" dir="t"/>
+    </dgm:scene3d>
+    <dgm:sp3d/>
+    <dgm:txPr/>
+    <dgm:style>
+      <a:lnRef idx="2">
+        <a:scrgbClr r="0" g="0" b="0"/>
+      </a:lnRef>
+      <a:fillRef idx="1">
+        <a:scrgbClr r="0" g="0" b="0"/>
+      </a:fillRef>
+      <a:effectRef idx="0">
+        <a:scrgbClr r="0" g="0" b="0"/>
+      </a:effectRef>
+      <a:fontRef idx="minor"/>
+    </dgm:style>
+  </dgm:styleLbl>
+  <dgm:styleLbl name="bgShp">
+    <dgm:scene3d>
+      <a:camera prst="orthographicFront"/>
+      <a:lightRig rig="threePt" dir="t"/>
+    </dgm:scene3d>
+    <dgm:sp3d/>
+    <dgm:txPr/>
+    <dgm:style>
+      <a:lnRef idx="0">
+        <a:scrgbClr r="0" g="0" b="0"/>
+      </a:lnRef>
+      <a:fillRef idx="1">
+        <a:scrgbClr r="0" g="0" b="0"/>
+      </a:fillRef>
+      <a:effectRef idx="0">
+        <a:scrgbClr r="0" g="0" b="0"/>
+      </a:effectRef>
+      <a:fontRef idx="minor"/>
+    </dgm:style>
+  </dgm:styleLbl>
+  <dgm:styleLbl name="dkBgShp">
+    <dgm:scene3d>
+      <a:camera prst="orthographicFront"/>
+      <a:lightRig rig="threePt" dir="t"/>
+    </dgm:scene3d>
+    <dgm:sp3d/>
+    <dgm:txPr/>
+    <dgm:style>
+      <a:lnRef idx="0">
+        <a:scrgbClr r="0" g="0" b="0"/>
+      </a:lnRef>
+      <a:fillRef idx="1">
+        <a:scrgbClr r="0" g="0" b="0"/>
+      </a:fillRef>
+      <a:effectRef idx="0">
+        <a:scrgbClr r="0" g="0" b="0"/>
+      </a:effectRef>
+      <a:fontRef idx="minor"/>
+    </dgm:style>
+  </dgm:styleLbl>
+  <dgm:styleLbl name="trBgShp">
+    <dgm:scene3d>
+      <a:camera prst="orthographicFront"/>
+      <a:lightRig rig="threePt" dir="t"/>
+    </dgm:scene3d>
+    <dgm:sp3d/>
+    <dgm:txPr/>
+    <dgm:style>
+      <a:lnRef idx="0">
+        <a:scrgbClr r="0" g="0" b="0"/>
+      </a:lnRef>
+      <a:fillRef idx="1">
+        <a:scrgbClr r="0" g="0" b="0"/>
+      </a:fillRef>
+      <a:effectRef idx="0">
+        <a:scrgbClr r="0" g="0" b="0"/>
+      </a:effectRef>
+      <a:fontRef idx="minor"/>
+    </dgm:style>
+  </dgm:styleLbl>
+  <dgm:styleLbl name="fgShp">
+    <dgm:scene3d>
+      <a:camera prst="orthographicFront"/>
+      <a:lightRig rig="threePt" dir="t"/>
+    </dgm:scene3d>
+    <dgm:sp3d/>
+    <dgm:txPr/>
+    <dgm:style>
+      <a:lnRef idx="2">
+        <a:scrgbClr r="0" g="0" b="0"/>
+      </a:lnRef>
+      <a:fillRef idx="1">
+        <a:scrgbClr r="0" g="0" b="0"/>
+      </a:fillRef>
+      <a:effectRef idx="0">
         <a:scrgbClr r="0" g="0" b="0"/>
       </a:effectRef>
       <a:fontRef idx="minor"/>
@@ -3034,7 +5709,7 @@
           <p:cNvPr id="2" name="Верхний колонтитул 1">
             <a:extLst>
               <a:ext uri="{FF2B5EF4-FFF2-40B4-BE49-F238E27FC236}">
-                <a16:creationId xmlns:a16="http://schemas.microsoft.com/office/drawing/2014/main" id="{68147666-B5DA-42D7-860C-6326547BCB4E}"/>
+                <a16:creationId xmlns:a16="http://schemas.microsoft.com/office/drawing/2014/main" xmlns="" id="{68147666-B5DA-42D7-860C-6326547BCB4E}"/>
               </a:ext>
             </a:extLst>
           </p:cNvPr>
@@ -3071,7 +5746,7 @@
           <p:cNvPr id="3" name="Дата 2">
             <a:extLst>
               <a:ext uri="{FF2B5EF4-FFF2-40B4-BE49-F238E27FC236}">
-                <a16:creationId xmlns:a16="http://schemas.microsoft.com/office/drawing/2014/main" id="{0004B30F-0DFB-41D3-B073-686D18F499F6}"/>
+                <a16:creationId xmlns:a16="http://schemas.microsoft.com/office/drawing/2014/main" xmlns="" id="{0004B30F-0DFB-41D3-B073-686D18F499F6}"/>
               </a:ext>
             </a:extLst>
           </p:cNvPr>
@@ -3112,7 +5787,7 @@
           <p:cNvPr id="4" name="Нижний колонтитул 3">
             <a:extLst>
               <a:ext uri="{FF2B5EF4-FFF2-40B4-BE49-F238E27FC236}">
-                <a16:creationId xmlns:a16="http://schemas.microsoft.com/office/drawing/2014/main" id="{02567D83-C42A-4FDB-8FA9-7C1D7EEC8C67}"/>
+                <a16:creationId xmlns:a16="http://schemas.microsoft.com/office/drawing/2014/main" xmlns="" id="{02567D83-C42A-4FDB-8FA9-7C1D7EEC8C67}"/>
               </a:ext>
             </a:extLst>
           </p:cNvPr>
@@ -3149,7 +5824,7 @@
           <p:cNvPr id="5" name="Номер слайда 4">
             <a:extLst>
               <a:ext uri="{FF2B5EF4-FFF2-40B4-BE49-F238E27FC236}">
-                <a16:creationId xmlns:a16="http://schemas.microsoft.com/office/drawing/2014/main" id="{6412F133-C81D-4A71-81A9-DCF01AE09B5E}"/>
+                <a16:creationId xmlns:a16="http://schemas.microsoft.com/office/drawing/2014/main" xmlns="" id="{6412F133-C81D-4A71-81A9-DCF01AE09B5E}"/>
               </a:ext>
             </a:extLst>
           </p:cNvPr>
@@ -15955,10 +18630,10 @@
           <p:cNvPr id="10" name="Picture 2">
             <a:extLst>
               <a:ext uri="{FF2B5EF4-FFF2-40B4-BE49-F238E27FC236}">
-                <a16:creationId xmlns:a16="http://schemas.microsoft.com/office/drawing/2014/main" id="{174E31E4-530B-4247-962C-F46F5F66DFFB}"/>
+                <a16:creationId xmlns:a16="http://schemas.microsoft.com/office/drawing/2014/main" xmlns="" id="{174E31E4-530B-4247-962C-F46F5F66DFFB}"/>
               </a:ext>
               <a:ext uri="{C183D7F6-B498-43B3-948B-1728B52AA6E4}">
-                <adec:decorative xmlns:adec="http://schemas.microsoft.com/office/drawing/2017/decorative" val="1"/>
+                <adec:decorative xmlns:adec="http://schemas.microsoft.com/office/drawing/2017/decorative" xmlns="" val="1"/>
               </a:ext>
             </a:extLst>
           </p:cNvPr>
@@ -15968,7 +18643,7 @@
           <p:nvPr userDrawn="1">
             <p:extLst>
               <p:ext uri="{386F3935-93C4-4BCD-93E2-E3B085C9AB24}">
-                <p16:designElem xmlns:p16="http://schemas.microsoft.com/office/powerpoint/2015/main" val="1"/>
+                <p16:designElem xmlns:p16="http://schemas.microsoft.com/office/powerpoint/2015/main" xmlns="" val="1"/>
               </p:ext>
             </p:extLst>
           </p:nvPr>
@@ -16012,10 +18687,10 @@
           <p:cNvPr id="12" name="Group 11">
             <a:extLst>
               <a:ext uri="{FF2B5EF4-FFF2-40B4-BE49-F238E27FC236}">
-                <a16:creationId xmlns:a16="http://schemas.microsoft.com/office/drawing/2014/main" id="{96FA2727-C33B-44D1-885B-76DC0424E577}"/>
+                <a16:creationId xmlns:a16="http://schemas.microsoft.com/office/drawing/2014/main" xmlns="" id="{96FA2727-C33B-44D1-885B-76DC0424E577}"/>
               </a:ext>
               <a:ext uri="{C183D7F6-B498-43B3-948B-1728B52AA6E4}">
-                <adec:decorative xmlns:adec="http://schemas.microsoft.com/office/drawing/2017/decorative" val="1"/>
+                <adec:decorative xmlns:adec="http://schemas.microsoft.com/office/drawing/2017/decorative" xmlns="" val="1"/>
               </a:ext>
             </a:extLst>
           </p:cNvPr>
@@ -16025,7 +18700,7 @@
           <p:nvPr userDrawn="1">
             <p:extLst>
               <p:ext uri="{386F3935-93C4-4BCD-93E2-E3B085C9AB24}">
-                <p16:designElem xmlns:p16="http://schemas.microsoft.com/office/powerpoint/2015/main" val="1"/>
+                <p16:designElem xmlns:p16="http://schemas.microsoft.com/office/powerpoint/2015/main" xmlns="" val="1"/>
               </p:ext>
             </p:extLst>
           </p:nvPr>
@@ -16043,10 +18718,10 @@
             <p:cNvPr id="13" name="Group 12">
               <a:extLst>
                 <a:ext uri="{FF2B5EF4-FFF2-40B4-BE49-F238E27FC236}">
-                  <a16:creationId xmlns:a16="http://schemas.microsoft.com/office/drawing/2014/main" id="{4A64FD4C-29BA-46E7-AE31-AB38BB694295}"/>
+                  <a16:creationId xmlns:a16="http://schemas.microsoft.com/office/drawing/2014/main" xmlns="" id="{4A64FD4C-29BA-46E7-AE31-AB38BB694295}"/>
                 </a:ext>
                 <a:ext uri="{C183D7F6-B498-43B3-948B-1728B52AA6E4}">
-                  <adec:decorative xmlns:adec="http://schemas.microsoft.com/office/drawing/2017/decorative" val="1"/>
+                  <adec:decorative xmlns:adec="http://schemas.microsoft.com/office/drawing/2017/decorative" xmlns="" val="1"/>
                 </a:ext>
               </a:extLst>
             </p:cNvPr>
@@ -16054,7 +18729,7 @@
             <p:nvPr>
               <p:extLst>
                 <p:ext uri="{386F3935-93C4-4BCD-93E2-E3B085C9AB24}">
-                  <p16:designElem xmlns:p16="http://schemas.microsoft.com/office/powerpoint/2015/main" val="1"/>
+                  <p16:designElem xmlns:p16="http://schemas.microsoft.com/office/powerpoint/2015/main" xmlns="" val="1"/>
                 </p:ext>
               </p:extLst>
             </p:nvPr>
@@ -16087,10 +18762,10 @@
               <p:cNvPr id="25" name="Rectangle 5">
                 <a:extLst>
                   <a:ext uri="{FF2B5EF4-FFF2-40B4-BE49-F238E27FC236}">
-                    <a16:creationId xmlns:a16="http://schemas.microsoft.com/office/drawing/2014/main" id="{A28E5FB6-5905-4F5D-A6CE-E6222C405E5B}"/>
+                    <a16:creationId xmlns:a16="http://schemas.microsoft.com/office/drawing/2014/main" xmlns="" id="{A28E5FB6-5905-4F5D-A6CE-E6222C405E5B}"/>
                   </a:ext>
                   <a:ext uri="{C183D7F6-B498-43B3-948B-1728B52AA6E4}">
-                    <adec:decorative xmlns:adec="http://schemas.microsoft.com/office/drawing/2017/decorative" val="1"/>
+                    <adec:decorative xmlns:adec="http://schemas.microsoft.com/office/drawing/2017/decorative" xmlns="" val="1"/>
                   </a:ext>
                 </a:extLst>
               </p:cNvPr>
@@ -16100,7 +18775,7 @@
               <p:nvPr>
                 <p:extLst>
                   <p:ext uri="{386F3935-93C4-4BCD-93E2-E3B085C9AB24}">
-                    <p16:designElem xmlns:p16="http://schemas.microsoft.com/office/powerpoint/2015/main" val="1"/>
+                    <p16:designElem xmlns:p16="http://schemas.microsoft.com/office/powerpoint/2015/main" xmlns="" val="1"/>
                   </p:ext>
                 </p:extLst>
               </p:nvPr>
@@ -16136,10 +18811,10 @@
               <p:cNvPr id="26" name="Freeform 6">
                 <a:extLst>
                   <a:ext uri="{FF2B5EF4-FFF2-40B4-BE49-F238E27FC236}">
-                    <a16:creationId xmlns:a16="http://schemas.microsoft.com/office/drawing/2014/main" id="{F838FE17-378C-4BCE-80C0-FDD1CB074E22}"/>
+                    <a16:creationId xmlns:a16="http://schemas.microsoft.com/office/drawing/2014/main" xmlns="" id="{F838FE17-378C-4BCE-80C0-FDD1CB074E22}"/>
                   </a:ext>
                   <a:ext uri="{C183D7F6-B498-43B3-948B-1728B52AA6E4}">
-                    <adec:decorative xmlns:adec="http://schemas.microsoft.com/office/drawing/2017/decorative" val="1"/>
+                    <adec:decorative xmlns:adec="http://schemas.microsoft.com/office/drawing/2017/decorative" xmlns="" val="1"/>
                   </a:ext>
                 </a:extLst>
               </p:cNvPr>
@@ -16149,7 +18824,7 @@
               <p:nvPr>
                 <p:extLst>
                   <p:ext uri="{386F3935-93C4-4BCD-93E2-E3B085C9AB24}">
-                    <p16:designElem xmlns:p16="http://schemas.microsoft.com/office/powerpoint/2015/main" val="1"/>
+                    <p16:designElem xmlns:p16="http://schemas.microsoft.com/office/powerpoint/2015/main" xmlns="" val="1"/>
                   </p:ext>
                 </p:extLst>
               </p:nvPr>
@@ -16241,10 +18916,10 @@
               <p:cNvPr id="27" name="Freeform 7">
                 <a:extLst>
                   <a:ext uri="{FF2B5EF4-FFF2-40B4-BE49-F238E27FC236}">
-                    <a16:creationId xmlns:a16="http://schemas.microsoft.com/office/drawing/2014/main" id="{12A1474E-6A37-4F4D-A638-DD0EC0A5B5B7}"/>
+                    <a16:creationId xmlns:a16="http://schemas.microsoft.com/office/drawing/2014/main" xmlns="" id="{12A1474E-6A37-4F4D-A638-DD0EC0A5B5B7}"/>
                   </a:ext>
                   <a:ext uri="{C183D7F6-B498-43B3-948B-1728B52AA6E4}">
-                    <adec:decorative xmlns:adec="http://schemas.microsoft.com/office/drawing/2017/decorative" val="1"/>
+                    <adec:decorative xmlns:adec="http://schemas.microsoft.com/office/drawing/2017/decorative" xmlns="" val="1"/>
                   </a:ext>
                 </a:extLst>
               </p:cNvPr>
@@ -16254,7 +18929,7 @@
               <p:nvPr>
                 <p:extLst>
                   <p:ext uri="{386F3935-93C4-4BCD-93E2-E3B085C9AB24}">
-                    <p16:designElem xmlns:p16="http://schemas.microsoft.com/office/powerpoint/2015/main" val="1"/>
+                    <p16:designElem xmlns:p16="http://schemas.microsoft.com/office/powerpoint/2015/main" xmlns="" val="1"/>
                   </p:ext>
                 </p:extLst>
               </p:nvPr>
@@ -16346,10 +19021,10 @@
               <p:cNvPr id="28" name="Freeform 8">
                 <a:extLst>
                   <a:ext uri="{FF2B5EF4-FFF2-40B4-BE49-F238E27FC236}">
-                    <a16:creationId xmlns:a16="http://schemas.microsoft.com/office/drawing/2014/main" id="{49EA8CC2-4D0F-4C86-9CA9-FC3792FED1C1}"/>
+                    <a16:creationId xmlns:a16="http://schemas.microsoft.com/office/drawing/2014/main" xmlns="" id="{49EA8CC2-4D0F-4C86-9CA9-FC3792FED1C1}"/>
                   </a:ext>
                   <a:ext uri="{C183D7F6-B498-43B3-948B-1728B52AA6E4}">
-                    <adec:decorative xmlns:adec="http://schemas.microsoft.com/office/drawing/2017/decorative" val="1"/>
+                    <adec:decorative xmlns:adec="http://schemas.microsoft.com/office/drawing/2017/decorative" xmlns="" val="1"/>
                   </a:ext>
                 </a:extLst>
               </p:cNvPr>
@@ -16357,7 +19032,7 @@
               <p:nvPr>
                 <p:extLst>
                   <p:ext uri="{386F3935-93C4-4BCD-93E2-E3B085C9AB24}">
-                    <p16:designElem xmlns:p16="http://schemas.microsoft.com/office/powerpoint/2015/main" val="1"/>
+                    <p16:designElem xmlns:p16="http://schemas.microsoft.com/office/powerpoint/2015/main" xmlns="" val="1"/>
                   </p:ext>
                 </p:extLst>
               </p:nvPr>
@@ -16423,10 +19098,10 @@
               <p:cNvPr id="29" name="Freeform 9">
                 <a:extLst>
                   <a:ext uri="{FF2B5EF4-FFF2-40B4-BE49-F238E27FC236}">
-                    <a16:creationId xmlns:a16="http://schemas.microsoft.com/office/drawing/2014/main" id="{69548BD5-92E6-42BD-9719-16AA005C5678}"/>
+                    <a16:creationId xmlns:a16="http://schemas.microsoft.com/office/drawing/2014/main" xmlns="" id="{69548BD5-92E6-42BD-9719-16AA005C5678}"/>
                   </a:ext>
                   <a:ext uri="{C183D7F6-B498-43B3-948B-1728B52AA6E4}">
-                    <adec:decorative xmlns:adec="http://schemas.microsoft.com/office/drawing/2017/decorative" val="1"/>
+                    <adec:decorative xmlns:adec="http://schemas.microsoft.com/office/drawing/2017/decorative" xmlns="" val="1"/>
                   </a:ext>
                 </a:extLst>
               </p:cNvPr>
@@ -16436,7 +19111,7 @@
               <p:nvPr>
                 <p:extLst>
                   <p:ext uri="{386F3935-93C4-4BCD-93E2-E3B085C9AB24}">
-                    <p16:designElem xmlns:p16="http://schemas.microsoft.com/office/powerpoint/2015/main" val="1"/>
+                    <p16:designElem xmlns:p16="http://schemas.microsoft.com/office/powerpoint/2015/main" xmlns="" val="1"/>
                   </p:ext>
                 </p:extLst>
               </p:nvPr>
@@ -16528,10 +19203,10 @@
               <p:cNvPr id="30" name="Freeform 10">
                 <a:extLst>
                   <a:ext uri="{FF2B5EF4-FFF2-40B4-BE49-F238E27FC236}">
-                    <a16:creationId xmlns:a16="http://schemas.microsoft.com/office/drawing/2014/main" id="{93005965-F240-4349-A563-515973BF0133}"/>
+                    <a16:creationId xmlns:a16="http://schemas.microsoft.com/office/drawing/2014/main" xmlns="" id="{93005965-F240-4349-A563-515973BF0133}"/>
                   </a:ext>
                   <a:ext uri="{C183D7F6-B498-43B3-948B-1728B52AA6E4}">
-                    <adec:decorative xmlns:adec="http://schemas.microsoft.com/office/drawing/2017/decorative" val="1"/>
+                    <adec:decorative xmlns:adec="http://schemas.microsoft.com/office/drawing/2017/decorative" xmlns="" val="1"/>
                   </a:ext>
                 </a:extLst>
               </p:cNvPr>
@@ -16539,7 +19214,7 @@
               <p:nvPr>
                 <p:extLst>
                   <p:ext uri="{386F3935-93C4-4BCD-93E2-E3B085C9AB24}">
-                    <p16:designElem xmlns:p16="http://schemas.microsoft.com/office/powerpoint/2015/main" val="1"/>
+                    <p16:designElem xmlns:p16="http://schemas.microsoft.com/office/powerpoint/2015/main" xmlns="" val="1"/>
                   </p:ext>
                 </p:extLst>
               </p:nvPr>
@@ -16605,10 +19280,10 @@
               <p:cNvPr id="31" name="Freeform 11">
                 <a:extLst>
                   <a:ext uri="{FF2B5EF4-FFF2-40B4-BE49-F238E27FC236}">
-                    <a16:creationId xmlns:a16="http://schemas.microsoft.com/office/drawing/2014/main" id="{277A546F-05BB-4274-A6A6-9DACC27ABCFA}"/>
+                    <a16:creationId xmlns:a16="http://schemas.microsoft.com/office/drawing/2014/main" xmlns="" id="{277A546F-05BB-4274-A6A6-9DACC27ABCFA}"/>
                   </a:ext>
                   <a:ext uri="{C183D7F6-B498-43B3-948B-1728B52AA6E4}">
-                    <adec:decorative xmlns:adec="http://schemas.microsoft.com/office/drawing/2017/decorative" val="1"/>
+                    <adec:decorative xmlns:adec="http://schemas.microsoft.com/office/drawing/2017/decorative" xmlns="" val="1"/>
                   </a:ext>
                 </a:extLst>
               </p:cNvPr>
@@ -16616,7 +19291,7 @@
               <p:nvPr>
                 <p:extLst>
                   <p:ext uri="{386F3935-93C4-4BCD-93E2-E3B085C9AB24}">
-                    <p16:designElem xmlns:p16="http://schemas.microsoft.com/office/powerpoint/2015/main" val="1"/>
+                    <p16:designElem xmlns:p16="http://schemas.microsoft.com/office/powerpoint/2015/main" xmlns="" val="1"/>
                   </p:ext>
                 </p:extLst>
               </p:nvPr>
@@ -16682,10 +19357,10 @@
               <p:cNvPr id="32" name="Freeform 12">
                 <a:extLst>
                   <a:ext uri="{FF2B5EF4-FFF2-40B4-BE49-F238E27FC236}">
-                    <a16:creationId xmlns:a16="http://schemas.microsoft.com/office/drawing/2014/main" id="{7BE7FF91-E18E-41AA-A952-07CB0C02C8B6}"/>
+                    <a16:creationId xmlns:a16="http://schemas.microsoft.com/office/drawing/2014/main" xmlns="" id="{7BE7FF91-E18E-41AA-A952-07CB0C02C8B6}"/>
                   </a:ext>
                   <a:ext uri="{C183D7F6-B498-43B3-948B-1728B52AA6E4}">
-                    <adec:decorative xmlns:adec="http://schemas.microsoft.com/office/drawing/2017/decorative" val="1"/>
+                    <adec:decorative xmlns:adec="http://schemas.microsoft.com/office/drawing/2017/decorative" xmlns="" val="1"/>
                   </a:ext>
                 </a:extLst>
               </p:cNvPr>
@@ -16695,7 +19370,7 @@
               <p:nvPr>
                 <p:extLst>
                   <p:ext uri="{386F3935-93C4-4BCD-93E2-E3B085C9AB24}">
-                    <p16:designElem xmlns:p16="http://schemas.microsoft.com/office/powerpoint/2015/main" val="1"/>
+                    <p16:designElem xmlns:p16="http://schemas.microsoft.com/office/powerpoint/2015/main" xmlns="" val="1"/>
                   </p:ext>
                 </p:extLst>
               </p:nvPr>
@@ -16787,10 +19462,10 @@
               <p:cNvPr id="33" name="Freeform 13">
                 <a:extLst>
                   <a:ext uri="{FF2B5EF4-FFF2-40B4-BE49-F238E27FC236}">
-                    <a16:creationId xmlns:a16="http://schemas.microsoft.com/office/drawing/2014/main" id="{3F6A31AA-E4FB-4DD0-9AB1-BDD994CFA50E}"/>
+                    <a16:creationId xmlns:a16="http://schemas.microsoft.com/office/drawing/2014/main" xmlns="" id="{3F6A31AA-E4FB-4DD0-9AB1-BDD994CFA50E}"/>
                   </a:ext>
                   <a:ext uri="{C183D7F6-B498-43B3-948B-1728B52AA6E4}">
-                    <adec:decorative xmlns:adec="http://schemas.microsoft.com/office/drawing/2017/decorative" val="1"/>
+                    <adec:decorative xmlns:adec="http://schemas.microsoft.com/office/drawing/2017/decorative" xmlns="" val="1"/>
                   </a:ext>
                 </a:extLst>
               </p:cNvPr>
@@ -16800,7 +19475,7 @@
               <p:nvPr>
                 <p:extLst>
                   <p:ext uri="{386F3935-93C4-4BCD-93E2-E3B085C9AB24}">
-                    <p16:designElem xmlns:p16="http://schemas.microsoft.com/office/powerpoint/2015/main" val="1"/>
+                    <p16:designElem xmlns:p16="http://schemas.microsoft.com/office/powerpoint/2015/main" xmlns="" val="1"/>
                   </p:ext>
                 </p:extLst>
               </p:nvPr>
@@ -16892,10 +19567,10 @@
               <p:cNvPr id="34" name="Freeform 14">
                 <a:extLst>
                   <a:ext uri="{FF2B5EF4-FFF2-40B4-BE49-F238E27FC236}">
-                    <a16:creationId xmlns:a16="http://schemas.microsoft.com/office/drawing/2014/main" id="{F99B8398-08D8-4C1E-8D7F-BAFB4D393765}"/>
+                    <a16:creationId xmlns:a16="http://schemas.microsoft.com/office/drawing/2014/main" xmlns="" id="{F99B8398-08D8-4C1E-8D7F-BAFB4D393765}"/>
                   </a:ext>
                   <a:ext uri="{C183D7F6-B498-43B3-948B-1728B52AA6E4}">
-                    <adec:decorative xmlns:adec="http://schemas.microsoft.com/office/drawing/2017/decorative" val="1"/>
+                    <adec:decorative xmlns:adec="http://schemas.microsoft.com/office/drawing/2017/decorative" xmlns="" val="1"/>
                   </a:ext>
                 </a:extLst>
               </p:cNvPr>
@@ -16903,7 +19578,7 @@
               <p:nvPr>
                 <p:extLst>
                   <p:ext uri="{386F3935-93C4-4BCD-93E2-E3B085C9AB24}">
-                    <p16:designElem xmlns:p16="http://schemas.microsoft.com/office/powerpoint/2015/main" val="1"/>
+                    <p16:designElem xmlns:p16="http://schemas.microsoft.com/office/powerpoint/2015/main" xmlns="" val="1"/>
                   </p:ext>
                 </p:extLst>
               </p:nvPr>
@@ -16969,10 +19644,10 @@
               <p:cNvPr id="35" name="Freeform 15">
                 <a:extLst>
                   <a:ext uri="{FF2B5EF4-FFF2-40B4-BE49-F238E27FC236}">
-                    <a16:creationId xmlns:a16="http://schemas.microsoft.com/office/drawing/2014/main" id="{CD3984BB-CCC2-49D9-A80B-9507BE5A9167}"/>
+                    <a16:creationId xmlns:a16="http://schemas.microsoft.com/office/drawing/2014/main" xmlns="" id="{CD3984BB-CCC2-49D9-A80B-9507BE5A9167}"/>
                   </a:ext>
                   <a:ext uri="{C183D7F6-B498-43B3-948B-1728B52AA6E4}">
-                    <adec:decorative xmlns:adec="http://schemas.microsoft.com/office/drawing/2017/decorative" val="1"/>
+                    <adec:decorative xmlns:adec="http://schemas.microsoft.com/office/drawing/2017/decorative" xmlns="" val="1"/>
                   </a:ext>
                 </a:extLst>
               </p:cNvPr>
@@ -16982,7 +19657,7 @@
               <p:nvPr>
                 <p:extLst>
                   <p:ext uri="{386F3935-93C4-4BCD-93E2-E3B085C9AB24}">
-                    <p16:designElem xmlns:p16="http://schemas.microsoft.com/office/powerpoint/2015/main" val="1"/>
+                    <p16:designElem xmlns:p16="http://schemas.microsoft.com/office/powerpoint/2015/main" xmlns="" val="1"/>
                   </p:ext>
                 </p:extLst>
               </p:nvPr>
@@ -17094,10 +19769,10 @@
               <p:cNvPr id="36" name="Line 16">
                 <a:extLst>
                   <a:ext uri="{FF2B5EF4-FFF2-40B4-BE49-F238E27FC236}">
-                    <a16:creationId xmlns:a16="http://schemas.microsoft.com/office/drawing/2014/main" id="{78FF7C07-82F5-4A64-9D71-29CBE1B79007}"/>
+                    <a16:creationId xmlns:a16="http://schemas.microsoft.com/office/drawing/2014/main" xmlns="" id="{78FF7C07-82F5-4A64-9D71-29CBE1B79007}"/>
                   </a:ext>
                   <a:ext uri="{C183D7F6-B498-43B3-948B-1728B52AA6E4}">
-                    <adec:decorative xmlns:adec="http://schemas.microsoft.com/office/drawing/2017/decorative" val="1"/>
+                    <adec:decorative xmlns:adec="http://schemas.microsoft.com/office/drawing/2017/decorative" xmlns="" val="1"/>
                   </a:ext>
                 </a:extLst>
               </p:cNvPr>
@@ -17107,7 +19782,7 @@
               <p:nvPr>
                 <p:extLst>
                   <p:ext uri="{386F3935-93C4-4BCD-93E2-E3B085C9AB24}">
-                    <p16:designElem xmlns:p16="http://schemas.microsoft.com/office/powerpoint/2015/main" val="1"/>
+                    <p16:designElem xmlns:p16="http://schemas.microsoft.com/office/powerpoint/2015/main" xmlns="" val="1"/>
                   </p:ext>
                 </p:extLst>
               </p:nvPr>
@@ -17137,10 +19812,10 @@
               <p:cNvPr id="37" name="Freeform 17">
                 <a:extLst>
                   <a:ext uri="{FF2B5EF4-FFF2-40B4-BE49-F238E27FC236}">
-                    <a16:creationId xmlns:a16="http://schemas.microsoft.com/office/drawing/2014/main" id="{7F1773CA-6AE7-4723-B072-CEC5F3829B40}"/>
+                    <a16:creationId xmlns:a16="http://schemas.microsoft.com/office/drawing/2014/main" xmlns="" id="{7F1773CA-6AE7-4723-B072-CEC5F3829B40}"/>
                   </a:ext>
                   <a:ext uri="{C183D7F6-B498-43B3-948B-1728B52AA6E4}">
-                    <adec:decorative xmlns:adec="http://schemas.microsoft.com/office/drawing/2017/decorative" val="1"/>
+                    <adec:decorative xmlns:adec="http://schemas.microsoft.com/office/drawing/2017/decorative" xmlns="" val="1"/>
                   </a:ext>
                 </a:extLst>
               </p:cNvPr>
@@ -17148,7 +19823,7 @@
               <p:nvPr>
                 <p:extLst>
                   <p:ext uri="{386F3935-93C4-4BCD-93E2-E3B085C9AB24}">
-                    <p16:designElem xmlns:p16="http://schemas.microsoft.com/office/powerpoint/2015/main" val="1"/>
+                    <p16:designElem xmlns:p16="http://schemas.microsoft.com/office/powerpoint/2015/main" xmlns="" val="1"/>
                   </p:ext>
                 </p:extLst>
               </p:nvPr>
@@ -17208,10 +19883,10 @@
               <p:cNvPr id="38" name="Freeform 18">
                 <a:extLst>
                   <a:ext uri="{FF2B5EF4-FFF2-40B4-BE49-F238E27FC236}">
-                    <a16:creationId xmlns:a16="http://schemas.microsoft.com/office/drawing/2014/main" id="{D5EC23E0-B877-4A62-B084-5407401FB6A1}"/>
+                    <a16:creationId xmlns:a16="http://schemas.microsoft.com/office/drawing/2014/main" xmlns="" id="{D5EC23E0-B877-4A62-B084-5407401FB6A1}"/>
                   </a:ext>
                   <a:ext uri="{C183D7F6-B498-43B3-948B-1728B52AA6E4}">
-                    <adec:decorative xmlns:adec="http://schemas.microsoft.com/office/drawing/2017/decorative" val="1"/>
+                    <adec:decorative xmlns:adec="http://schemas.microsoft.com/office/drawing/2017/decorative" xmlns="" val="1"/>
                   </a:ext>
                 </a:extLst>
               </p:cNvPr>
@@ -17219,7 +19894,7 @@
               <p:nvPr>
                 <p:extLst>
                   <p:ext uri="{386F3935-93C4-4BCD-93E2-E3B085C9AB24}">
-                    <p16:designElem xmlns:p16="http://schemas.microsoft.com/office/powerpoint/2015/main" val="1"/>
+                    <p16:designElem xmlns:p16="http://schemas.microsoft.com/office/powerpoint/2015/main" xmlns="" val="1"/>
                   </p:ext>
                 </p:extLst>
               </p:nvPr>
@@ -17285,10 +19960,10 @@
               <p:cNvPr id="39" name="Freeform 19">
                 <a:extLst>
                   <a:ext uri="{FF2B5EF4-FFF2-40B4-BE49-F238E27FC236}">
-                    <a16:creationId xmlns:a16="http://schemas.microsoft.com/office/drawing/2014/main" id="{633C4B0E-E7C6-4A1A-9D3A-80C8E3C59DCD}"/>
+                    <a16:creationId xmlns:a16="http://schemas.microsoft.com/office/drawing/2014/main" xmlns="" id="{633C4B0E-E7C6-4A1A-9D3A-80C8E3C59DCD}"/>
                   </a:ext>
                   <a:ext uri="{C183D7F6-B498-43B3-948B-1728B52AA6E4}">
-                    <adec:decorative xmlns:adec="http://schemas.microsoft.com/office/drawing/2017/decorative" val="1"/>
+                    <adec:decorative xmlns:adec="http://schemas.microsoft.com/office/drawing/2017/decorative" xmlns="" val="1"/>
                   </a:ext>
                 </a:extLst>
               </p:cNvPr>
@@ -17296,7 +19971,7 @@
               <p:nvPr>
                 <p:extLst>
                   <p:ext uri="{386F3935-93C4-4BCD-93E2-E3B085C9AB24}">
-                    <p16:designElem xmlns:p16="http://schemas.microsoft.com/office/powerpoint/2015/main" val="1"/>
+                    <p16:designElem xmlns:p16="http://schemas.microsoft.com/office/powerpoint/2015/main" xmlns="" val="1"/>
                   </p:ext>
                 </p:extLst>
               </p:nvPr>
@@ -17362,10 +20037,10 @@
               <p:cNvPr id="40" name="Freeform 20">
                 <a:extLst>
                   <a:ext uri="{FF2B5EF4-FFF2-40B4-BE49-F238E27FC236}">
-                    <a16:creationId xmlns:a16="http://schemas.microsoft.com/office/drawing/2014/main" id="{AB21372F-73AC-4C69-81F0-0D44D36F6EF2}"/>
+                    <a16:creationId xmlns:a16="http://schemas.microsoft.com/office/drawing/2014/main" xmlns="" id="{AB21372F-73AC-4C69-81F0-0D44D36F6EF2}"/>
                   </a:ext>
                   <a:ext uri="{C183D7F6-B498-43B3-948B-1728B52AA6E4}">
-                    <adec:decorative xmlns:adec="http://schemas.microsoft.com/office/drawing/2017/decorative" val="1"/>
+                    <adec:decorative xmlns:adec="http://schemas.microsoft.com/office/drawing/2017/decorative" xmlns="" val="1"/>
                   </a:ext>
                 </a:extLst>
               </p:cNvPr>
@@ -17375,7 +20050,7 @@
               <p:nvPr>
                 <p:extLst>
                   <p:ext uri="{386F3935-93C4-4BCD-93E2-E3B085C9AB24}">
-                    <p16:designElem xmlns:p16="http://schemas.microsoft.com/office/powerpoint/2015/main" val="1"/>
+                    <p16:designElem xmlns:p16="http://schemas.microsoft.com/office/powerpoint/2015/main" xmlns="" val="1"/>
                   </p:ext>
                 </p:extLst>
               </p:nvPr>
@@ -17467,10 +20142,10 @@
               <p:cNvPr id="41" name="Rectangle 21">
                 <a:extLst>
                   <a:ext uri="{FF2B5EF4-FFF2-40B4-BE49-F238E27FC236}">
-                    <a16:creationId xmlns:a16="http://schemas.microsoft.com/office/drawing/2014/main" id="{B5619D97-D7A8-4DFF-8AB1-F4B393C1B408}"/>
+                    <a16:creationId xmlns:a16="http://schemas.microsoft.com/office/drawing/2014/main" xmlns="" id="{B5619D97-D7A8-4DFF-8AB1-F4B393C1B408}"/>
                   </a:ext>
                   <a:ext uri="{C183D7F6-B498-43B3-948B-1728B52AA6E4}">
-                    <adec:decorative xmlns:adec="http://schemas.microsoft.com/office/drawing/2017/decorative" val="1"/>
+                    <adec:decorative xmlns:adec="http://schemas.microsoft.com/office/drawing/2017/decorative" xmlns="" val="1"/>
                   </a:ext>
                 </a:extLst>
               </p:cNvPr>
@@ -17480,7 +20155,7 @@
               <p:nvPr>
                 <p:extLst>
                   <p:ext uri="{386F3935-93C4-4BCD-93E2-E3B085C9AB24}">
-                    <p16:designElem xmlns:p16="http://schemas.microsoft.com/office/powerpoint/2015/main" val="1"/>
+                    <p16:designElem xmlns:p16="http://schemas.microsoft.com/office/powerpoint/2015/main" xmlns="" val="1"/>
                   </p:ext>
                 </p:extLst>
               </p:nvPr>
@@ -17516,10 +20191,10 @@
               <p:cNvPr id="42" name="Freeform 22">
                 <a:extLst>
                   <a:ext uri="{FF2B5EF4-FFF2-40B4-BE49-F238E27FC236}">
-                    <a16:creationId xmlns:a16="http://schemas.microsoft.com/office/drawing/2014/main" id="{55E03CED-9618-41BB-898B-2FECEFD7B74C}"/>
+                    <a16:creationId xmlns:a16="http://schemas.microsoft.com/office/drawing/2014/main" xmlns="" id="{55E03CED-9618-41BB-898B-2FECEFD7B74C}"/>
                   </a:ext>
                   <a:ext uri="{C183D7F6-B498-43B3-948B-1728B52AA6E4}">
-                    <adec:decorative xmlns:adec="http://schemas.microsoft.com/office/drawing/2017/decorative" val="1"/>
+                    <adec:decorative xmlns:adec="http://schemas.microsoft.com/office/drawing/2017/decorative" xmlns="" val="1"/>
                   </a:ext>
                 </a:extLst>
               </p:cNvPr>
@@ -17527,7 +20202,7 @@
               <p:nvPr>
                 <p:extLst>
                   <p:ext uri="{386F3935-93C4-4BCD-93E2-E3B085C9AB24}">
-                    <p16:designElem xmlns:p16="http://schemas.microsoft.com/office/powerpoint/2015/main" val="1"/>
+                    <p16:designElem xmlns:p16="http://schemas.microsoft.com/office/powerpoint/2015/main" xmlns="" val="1"/>
                   </p:ext>
                 </p:extLst>
               </p:nvPr>
@@ -17596,10 +20271,10 @@
               <p:cNvPr id="43" name="Freeform 23">
                 <a:extLst>
                   <a:ext uri="{FF2B5EF4-FFF2-40B4-BE49-F238E27FC236}">
-                    <a16:creationId xmlns:a16="http://schemas.microsoft.com/office/drawing/2014/main" id="{78F0A5C5-589E-4053-A41A-FA77210C3D8A}"/>
+                    <a16:creationId xmlns:a16="http://schemas.microsoft.com/office/drawing/2014/main" xmlns="" id="{78F0A5C5-589E-4053-A41A-FA77210C3D8A}"/>
                   </a:ext>
                   <a:ext uri="{C183D7F6-B498-43B3-948B-1728B52AA6E4}">
-                    <adec:decorative xmlns:adec="http://schemas.microsoft.com/office/drawing/2017/decorative" val="1"/>
+                    <adec:decorative xmlns:adec="http://schemas.microsoft.com/office/drawing/2017/decorative" xmlns="" val="1"/>
                   </a:ext>
                 </a:extLst>
               </p:cNvPr>
@@ -17609,7 +20284,7 @@
               <p:nvPr>
                 <p:extLst>
                   <p:ext uri="{386F3935-93C4-4BCD-93E2-E3B085C9AB24}">
-                    <p16:designElem xmlns:p16="http://schemas.microsoft.com/office/powerpoint/2015/main" val="1"/>
+                    <p16:designElem xmlns:p16="http://schemas.microsoft.com/office/powerpoint/2015/main" xmlns="" val="1"/>
                   </p:ext>
                 </p:extLst>
               </p:nvPr>
@@ -17701,10 +20376,10 @@
               <p:cNvPr id="44" name="Freeform 24">
                 <a:extLst>
                   <a:ext uri="{FF2B5EF4-FFF2-40B4-BE49-F238E27FC236}">
-                    <a16:creationId xmlns:a16="http://schemas.microsoft.com/office/drawing/2014/main" id="{AC2718F8-15C5-4DAB-B194-AAEE8A205E42}"/>
+                    <a16:creationId xmlns:a16="http://schemas.microsoft.com/office/drawing/2014/main" xmlns="" id="{AC2718F8-15C5-4DAB-B194-AAEE8A205E42}"/>
                   </a:ext>
                   <a:ext uri="{C183D7F6-B498-43B3-948B-1728B52AA6E4}">
-                    <adec:decorative xmlns:adec="http://schemas.microsoft.com/office/drawing/2017/decorative" val="1"/>
+                    <adec:decorative xmlns:adec="http://schemas.microsoft.com/office/drawing/2017/decorative" xmlns="" val="1"/>
                   </a:ext>
                 </a:extLst>
               </p:cNvPr>
@@ -17712,7 +20387,7 @@
               <p:nvPr>
                 <p:extLst>
                   <p:ext uri="{386F3935-93C4-4BCD-93E2-E3B085C9AB24}">
-                    <p16:designElem xmlns:p16="http://schemas.microsoft.com/office/powerpoint/2015/main" val="1"/>
+                    <p16:designElem xmlns:p16="http://schemas.microsoft.com/office/powerpoint/2015/main" xmlns="" val="1"/>
                   </p:ext>
                 </p:extLst>
               </p:nvPr>
@@ -17778,10 +20453,10 @@
               <p:cNvPr id="45" name="Freeform 25">
                 <a:extLst>
                   <a:ext uri="{FF2B5EF4-FFF2-40B4-BE49-F238E27FC236}">
-                    <a16:creationId xmlns:a16="http://schemas.microsoft.com/office/drawing/2014/main" id="{23C6608B-EA21-4579-B33F-55E52AC28756}"/>
+                    <a16:creationId xmlns:a16="http://schemas.microsoft.com/office/drawing/2014/main" xmlns="" id="{23C6608B-EA21-4579-B33F-55E52AC28756}"/>
                   </a:ext>
                   <a:ext uri="{C183D7F6-B498-43B3-948B-1728B52AA6E4}">
-                    <adec:decorative xmlns:adec="http://schemas.microsoft.com/office/drawing/2017/decorative" val="1"/>
+                    <adec:decorative xmlns:adec="http://schemas.microsoft.com/office/drawing/2017/decorative" xmlns="" val="1"/>
                   </a:ext>
                 </a:extLst>
               </p:cNvPr>
@@ -17791,7 +20466,7 @@
               <p:nvPr>
                 <p:extLst>
                   <p:ext uri="{386F3935-93C4-4BCD-93E2-E3B085C9AB24}">
-                    <p16:designElem xmlns:p16="http://schemas.microsoft.com/office/powerpoint/2015/main" val="1"/>
+                    <p16:designElem xmlns:p16="http://schemas.microsoft.com/office/powerpoint/2015/main" xmlns="" val="1"/>
                   </p:ext>
                 </p:extLst>
               </p:nvPr>
@@ -17883,10 +20558,10 @@
               <p:cNvPr id="46" name="Freeform 26">
                 <a:extLst>
                   <a:ext uri="{FF2B5EF4-FFF2-40B4-BE49-F238E27FC236}">
-                    <a16:creationId xmlns:a16="http://schemas.microsoft.com/office/drawing/2014/main" id="{4A2FEFA2-D838-4CE1-90BA-B6C2EEB54381}"/>
+                    <a16:creationId xmlns:a16="http://schemas.microsoft.com/office/drawing/2014/main" xmlns="" id="{4A2FEFA2-D838-4CE1-90BA-B6C2EEB54381}"/>
                   </a:ext>
                   <a:ext uri="{C183D7F6-B498-43B3-948B-1728B52AA6E4}">
-                    <adec:decorative xmlns:adec="http://schemas.microsoft.com/office/drawing/2017/decorative" val="1"/>
+                    <adec:decorative xmlns:adec="http://schemas.microsoft.com/office/drawing/2017/decorative" xmlns="" val="1"/>
                   </a:ext>
                 </a:extLst>
               </p:cNvPr>
@@ -17894,7 +20569,7 @@
               <p:nvPr>
                 <p:extLst>
                   <p:ext uri="{386F3935-93C4-4BCD-93E2-E3B085C9AB24}">
-                    <p16:designElem xmlns:p16="http://schemas.microsoft.com/office/powerpoint/2015/main" val="1"/>
+                    <p16:designElem xmlns:p16="http://schemas.microsoft.com/office/powerpoint/2015/main" xmlns="" val="1"/>
                   </p:ext>
                 </p:extLst>
               </p:nvPr>
@@ -17963,10 +20638,10 @@
               <p:cNvPr id="47" name="Freeform 27">
                 <a:extLst>
                   <a:ext uri="{FF2B5EF4-FFF2-40B4-BE49-F238E27FC236}">
-                    <a16:creationId xmlns:a16="http://schemas.microsoft.com/office/drawing/2014/main" id="{1A39CA24-DF18-4FCC-8265-36FC72ED589B}"/>
+                    <a16:creationId xmlns:a16="http://schemas.microsoft.com/office/drawing/2014/main" xmlns="" id="{1A39CA24-DF18-4FCC-8265-36FC72ED589B}"/>
                   </a:ext>
                   <a:ext uri="{C183D7F6-B498-43B3-948B-1728B52AA6E4}">
-                    <adec:decorative xmlns:adec="http://schemas.microsoft.com/office/drawing/2017/decorative" val="1"/>
+                    <adec:decorative xmlns:adec="http://schemas.microsoft.com/office/drawing/2017/decorative" xmlns="" val="1"/>
                   </a:ext>
                 </a:extLst>
               </p:cNvPr>
@@ -17974,7 +20649,7 @@
               <p:nvPr>
                 <p:extLst>
                   <p:ext uri="{386F3935-93C4-4BCD-93E2-E3B085C9AB24}">
-                    <p16:designElem xmlns:p16="http://schemas.microsoft.com/office/powerpoint/2015/main" val="1"/>
+                    <p16:designElem xmlns:p16="http://schemas.microsoft.com/office/powerpoint/2015/main" xmlns="" val="1"/>
                   </p:ext>
                 </p:extLst>
               </p:nvPr>
@@ -18040,10 +20715,10 @@
               <p:cNvPr id="48" name="Freeform 28">
                 <a:extLst>
                   <a:ext uri="{FF2B5EF4-FFF2-40B4-BE49-F238E27FC236}">
-                    <a16:creationId xmlns:a16="http://schemas.microsoft.com/office/drawing/2014/main" id="{50A32DBD-9B22-49C3-A628-A98533FBF4FB}"/>
+                    <a16:creationId xmlns:a16="http://schemas.microsoft.com/office/drawing/2014/main" xmlns="" id="{50A32DBD-9B22-49C3-A628-A98533FBF4FB}"/>
                   </a:ext>
                   <a:ext uri="{C183D7F6-B498-43B3-948B-1728B52AA6E4}">
-                    <adec:decorative xmlns:adec="http://schemas.microsoft.com/office/drawing/2017/decorative" val="1"/>
+                    <adec:decorative xmlns:adec="http://schemas.microsoft.com/office/drawing/2017/decorative" xmlns="" val="1"/>
                   </a:ext>
                 </a:extLst>
               </p:cNvPr>
@@ -18053,7 +20728,7 @@
               <p:nvPr>
                 <p:extLst>
                   <p:ext uri="{386F3935-93C4-4BCD-93E2-E3B085C9AB24}">
-                    <p16:designElem xmlns:p16="http://schemas.microsoft.com/office/powerpoint/2015/main" val="1"/>
+                    <p16:designElem xmlns:p16="http://schemas.microsoft.com/office/powerpoint/2015/main" xmlns="" val="1"/>
                   </p:ext>
                 </p:extLst>
               </p:nvPr>
@@ -18145,10 +20820,10 @@
               <p:cNvPr id="49" name="Freeform 29">
                 <a:extLst>
                   <a:ext uri="{FF2B5EF4-FFF2-40B4-BE49-F238E27FC236}">
-                    <a16:creationId xmlns:a16="http://schemas.microsoft.com/office/drawing/2014/main" id="{A3C0B30D-BB1A-4B3D-A162-3EBE6267F214}"/>
+                    <a16:creationId xmlns:a16="http://schemas.microsoft.com/office/drawing/2014/main" xmlns="" id="{A3C0B30D-BB1A-4B3D-A162-3EBE6267F214}"/>
                   </a:ext>
                   <a:ext uri="{C183D7F6-B498-43B3-948B-1728B52AA6E4}">
-                    <adec:decorative xmlns:adec="http://schemas.microsoft.com/office/drawing/2017/decorative" val="1"/>
+                    <adec:decorative xmlns:adec="http://schemas.microsoft.com/office/drawing/2017/decorative" xmlns="" val="1"/>
                   </a:ext>
                 </a:extLst>
               </p:cNvPr>
@@ -18158,7 +20833,7 @@
               <p:nvPr>
                 <p:extLst>
                   <p:ext uri="{386F3935-93C4-4BCD-93E2-E3B085C9AB24}">
-                    <p16:designElem xmlns:p16="http://schemas.microsoft.com/office/powerpoint/2015/main" val="1"/>
+                    <p16:designElem xmlns:p16="http://schemas.microsoft.com/office/powerpoint/2015/main" xmlns="" val="1"/>
                   </p:ext>
                 </p:extLst>
               </p:nvPr>
@@ -18250,10 +20925,10 @@
               <p:cNvPr id="50" name="Freeform 30">
                 <a:extLst>
                   <a:ext uri="{FF2B5EF4-FFF2-40B4-BE49-F238E27FC236}">
-                    <a16:creationId xmlns:a16="http://schemas.microsoft.com/office/drawing/2014/main" id="{092B125A-1548-445E-8689-07BEEC815596}"/>
+                    <a16:creationId xmlns:a16="http://schemas.microsoft.com/office/drawing/2014/main" xmlns="" id="{092B125A-1548-445E-8689-07BEEC815596}"/>
                   </a:ext>
                   <a:ext uri="{C183D7F6-B498-43B3-948B-1728B52AA6E4}">
-                    <adec:decorative xmlns:adec="http://schemas.microsoft.com/office/drawing/2017/decorative" val="1"/>
+                    <adec:decorative xmlns:adec="http://schemas.microsoft.com/office/drawing/2017/decorative" xmlns="" val="1"/>
                   </a:ext>
                 </a:extLst>
               </p:cNvPr>
@@ -18261,7 +20936,7 @@
               <p:nvPr>
                 <p:extLst>
                   <p:ext uri="{386F3935-93C4-4BCD-93E2-E3B085C9AB24}">
-                    <p16:designElem xmlns:p16="http://schemas.microsoft.com/office/powerpoint/2015/main" val="1"/>
+                    <p16:designElem xmlns:p16="http://schemas.microsoft.com/office/powerpoint/2015/main" xmlns="" val="1"/>
                   </p:ext>
                 </p:extLst>
               </p:nvPr>
@@ -18330,10 +21005,10 @@
               <p:cNvPr id="51" name="Freeform 31">
                 <a:extLst>
                   <a:ext uri="{FF2B5EF4-FFF2-40B4-BE49-F238E27FC236}">
-                    <a16:creationId xmlns:a16="http://schemas.microsoft.com/office/drawing/2014/main" id="{D6A7D7B9-9A7E-4FD2-A1B4-1C5CFAE54989}"/>
+                    <a16:creationId xmlns:a16="http://schemas.microsoft.com/office/drawing/2014/main" xmlns="" id="{D6A7D7B9-9A7E-4FD2-A1B4-1C5CFAE54989}"/>
                   </a:ext>
                   <a:ext uri="{C183D7F6-B498-43B3-948B-1728B52AA6E4}">
-                    <adec:decorative xmlns:adec="http://schemas.microsoft.com/office/drawing/2017/decorative" val="1"/>
+                    <adec:decorative xmlns:adec="http://schemas.microsoft.com/office/drawing/2017/decorative" xmlns="" val="1"/>
                   </a:ext>
                 </a:extLst>
               </p:cNvPr>
@@ -18343,7 +21018,7 @@
               <p:nvPr>
                 <p:extLst>
                   <p:ext uri="{386F3935-93C4-4BCD-93E2-E3B085C9AB24}">
-                    <p16:designElem xmlns:p16="http://schemas.microsoft.com/office/powerpoint/2015/main" val="1"/>
+                    <p16:designElem xmlns:p16="http://schemas.microsoft.com/office/powerpoint/2015/main" xmlns="" val="1"/>
                   </p:ext>
                 </p:extLst>
               </p:nvPr>
@@ -18466,10 +21141,10 @@
             <p:cNvPr id="14" name="Group 13">
               <a:extLst>
                 <a:ext uri="{FF2B5EF4-FFF2-40B4-BE49-F238E27FC236}">
-                  <a16:creationId xmlns:a16="http://schemas.microsoft.com/office/drawing/2014/main" id="{DB1B0C3F-D935-4306-B5B1-6AA635881120}"/>
+                  <a16:creationId xmlns:a16="http://schemas.microsoft.com/office/drawing/2014/main" xmlns="" id="{DB1B0C3F-D935-4306-B5B1-6AA635881120}"/>
                 </a:ext>
                 <a:ext uri="{C183D7F6-B498-43B3-948B-1728B52AA6E4}">
-                  <adec:decorative xmlns:adec="http://schemas.microsoft.com/office/drawing/2017/decorative" val="1"/>
+                  <adec:decorative xmlns:adec="http://schemas.microsoft.com/office/drawing/2017/decorative" xmlns="" val="1"/>
                 </a:ext>
               </a:extLst>
             </p:cNvPr>
@@ -18477,7 +21152,7 @@
             <p:nvPr>
               <p:extLst>
                 <p:ext uri="{386F3935-93C4-4BCD-93E2-E3B085C9AB24}">
-                  <p16:designElem xmlns:p16="http://schemas.microsoft.com/office/powerpoint/2015/main" val="1"/>
+                  <p16:designElem xmlns:p16="http://schemas.microsoft.com/office/powerpoint/2015/main" xmlns="" val="1"/>
                 </p:ext>
               </p:extLst>
             </p:nvPr>
@@ -18513,10 +21188,10 @@
               <p:cNvPr id="15" name="Freeform 32">
                 <a:extLst>
                   <a:ext uri="{FF2B5EF4-FFF2-40B4-BE49-F238E27FC236}">
-                    <a16:creationId xmlns:a16="http://schemas.microsoft.com/office/drawing/2014/main" id="{75BC67F5-D485-467A-BCCB-D062EB6DD0E2}"/>
+                    <a16:creationId xmlns:a16="http://schemas.microsoft.com/office/drawing/2014/main" xmlns="" id="{75BC67F5-D485-467A-BCCB-D062EB6DD0E2}"/>
                   </a:ext>
                   <a:ext uri="{C183D7F6-B498-43B3-948B-1728B52AA6E4}">
-                    <adec:decorative xmlns:adec="http://schemas.microsoft.com/office/drawing/2017/decorative" val="1"/>
+                    <adec:decorative xmlns:adec="http://schemas.microsoft.com/office/drawing/2017/decorative" xmlns="" val="1"/>
                   </a:ext>
                 </a:extLst>
               </p:cNvPr>
@@ -18524,7 +21199,7 @@
               <p:nvPr>
                 <p:extLst>
                   <p:ext uri="{386F3935-93C4-4BCD-93E2-E3B085C9AB24}">
-                    <p16:designElem xmlns:p16="http://schemas.microsoft.com/office/powerpoint/2015/main" val="1"/>
+                    <p16:designElem xmlns:p16="http://schemas.microsoft.com/office/powerpoint/2015/main" xmlns="" val="1"/>
                   </p:ext>
                 </p:extLst>
               </p:nvPr>
@@ -18593,10 +21268,10 @@
               <p:cNvPr id="16" name="Freeform 33">
                 <a:extLst>
                   <a:ext uri="{FF2B5EF4-FFF2-40B4-BE49-F238E27FC236}">
-                    <a16:creationId xmlns:a16="http://schemas.microsoft.com/office/drawing/2014/main" id="{7FB0B620-AB12-4F0B-AD1C-A47A5FBC6323}"/>
+                    <a16:creationId xmlns:a16="http://schemas.microsoft.com/office/drawing/2014/main" xmlns="" id="{7FB0B620-AB12-4F0B-AD1C-A47A5FBC6323}"/>
                   </a:ext>
                   <a:ext uri="{C183D7F6-B498-43B3-948B-1728B52AA6E4}">
-                    <adec:decorative xmlns:adec="http://schemas.microsoft.com/office/drawing/2017/decorative" val="1"/>
+                    <adec:decorative xmlns:adec="http://schemas.microsoft.com/office/drawing/2017/decorative" xmlns="" val="1"/>
                   </a:ext>
                 </a:extLst>
               </p:cNvPr>
@@ -18606,7 +21281,7 @@
               <p:nvPr>
                 <p:extLst>
                   <p:ext uri="{386F3935-93C4-4BCD-93E2-E3B085C9AB24}">
-                    <p16:designElem xmlns:p16="http://schemas.microsoft.com/office/powerpoint/2015/main" val="1"/>
+                    <p16:designElem xmlns:p16="http://schemas.microsoft.com/office/powerpoint/2015/main" xmlns="" val="1"/>
                   </p:ext>
                 </p:extLst>
               </p:nvPr>
@@ -18723,10 +21398,10 @@
               <p:cNvPr id="17" name="Freeform 34">
                 <a:extLst>
                   <a:ext uri="{FF2B5EF4-FFF2-40B4-BE49-F238E27FC236}">
-                    <a16:creationId xmlns:a16="http://schemas.microsoft.com/office/drawing/2014/main" id="{6AEFA891-E591-4F7F-9DBA-FC78E9B8F1BC}"/>
+                    <a16:creationId xmlns:a16="http://schemas.microsoft.com/office/drawing/2014/main" xmlns="" id="{6AEFA891-E591-4F7F-9DBA-FC78E9B8F1BC}"/>
                   </a:ext>
                   <a:ext uri="{C183D7F6-B498-43B3-948B-1728B52AA6E4}">
-                    <adec:decorative xmlns:adec="http://schemas.microsoft.com/office/drawing/2017/decorative" val="1"/>
+                    <adec:decorative xmlns:adec="http://schemas.microsoft.com/office/drawing/2017/decorative" xmlns="" val="1"/>
                   </a:ext>
                 </a:extLst>
               </p:cNvPr>
@@ -18736,7 +21411,7 @@
               <p:nvPr>
                 <p:extLst>
                   <p:ext uri="{386F3935-93C4-4BCD-93E2-E3B085C9AB24}">
-                    <p16:designElem xmlns:p16="http://schemas.microsoft.com/office/powerpoint/2015/main" val="1"/>
+                    <p16:designElem xmlns:p16="http://schemas.microsoft.com/office/powerpoint/2015/main" xmlns="" val="1"/>
                   </p:ext>
                 </p:extLst>
               </p:nvPr>
@@ -18828,10 +21503,10 @@
               <p:cNvPr id="18" name="Freeform 35">
                 <a:extLst>
                   <a:ext uri="{FF2B5EF4-FFF2-40B4-BE49-F238E27FC236}">
-                    <a16:creationId xmlns:a16="http://schemas.microsoft.com/office/drawing/2014/main" id="{78921FFF-4B57-4E33-BE94-5A8BFC95E03D}"/>
+                    <a16:creationId xmlns:a16="http://schemas.microsoft.com/office/drawing/2014/main" xmlns="" id="{78921FFF-4B57-4E33-BE94-5A8BFC95E03D}"/>
                   </a:ext>
                   <a:ext uri="{C183D7F6-B498-43B3-948B-1728B52AA6E4}">
-                    <adec:decorative xmlns:adec="http://schemas.microsoft.com/office/drawing/2017/decorative" val="1"/>
+                    <adec:decorative xmlns:adec="http://schemas.microsoft.com/office/drawing/2017/decorative" xmlns="" val="1"/>
                   </a:ext>
                 </a:extLst>
               </p:cNvPr>
@@ -18839,7 +21514,7 @@
               <p:nvPr>
                 <p:extLst>
                   <p:ext uri="{386F3935-93C4-4BCD-93E2-E3B085C9AB24}">
-                    <p16:designElem xmlns:p16="http://schemas.microsoft.com/office/powerpoint/2015/main" val="1"/>
+                    <p16:designElem xmlns:p16="http://schemas.microsoft.com/office/powerpoint/2015/main" xmlns="" val="1"/>
                   </p:ext>
                 </p:extLst>
               </p:nvPr>
@@ -18908,10 +21583,10 @@
               <p:cNvPr id="19" name="Freeform 36">
                 <a:extLst>
                   <a:ext uri="{FF2B5EF4-FFF2-40B4-BE49-F238E27FC236}">
-                    <a16:creationId xmlns:a16="http://schemas.microsoft.com/office/drawing/2014/main" id="{0C4A1658-5AAE-4925-B106-BC0A17862E79}"/>
+                    <a16:creationId xmlns:a16="http://schemas.microsoft.com/office/drawing/2014/main" xmlns="" id="{0C4A1658-5AAE-4925-B106-BC0A17862E79}"/>
                   </a:ext>
                   <a:ext uri="{C183D7F6-B498-43B3-948B-1728B52AA6E4}">
-                    <adec:decorative xmlns:adec="http://schemas.microsoft.com/office/drawing/2017/decorative" val="1"/>
+                    <adec:decorative xmlns:adec="http://schemas.microsoft.com/office/drawing/2017/decorative" xmlns="" val="1"/>
                   </a:ext>
                 </a:extLst>
               </p:cNvPr>
@@ -18921,7 +21596,7 @@
               <p:nvPr>
                 <p:extLst>
                   <p:ext uri="{386F3935-93C4-4BCD-93E2-E3B085C9AB24}">
-                    <p16:designElem xmlns:p16="http://schemas.microsoft.com/office/powerpoint/2015/main" val="1"/>
+                    <p16:designElem xmlns:p16="http://schemas.microsoft.com/office/powerpoint/2015/main" xmlns="" val="1"/>
                   </p:ext>
                 </p:extLst>
               </p:nvPr>
@@ -19013,10 +21688,10 @@
               <p:cNvPr id="20" name="Freeform 37">
                 <a:extLst>
                   <a:ext uri="{FF2B5EF4-FFF2-40B4-BE49-F238E27FC236}">
-                    <a16:creationId xmlns:a16="http://schemas.microsoft.com/office/drawing/2014/main" id="{DE6DF3EB-099A-427A-A999-3BAF3BCA94E1}"/>
+                    <a16:creationId xmlns:a16="http://schemas.microsoft.com/office/drawing/2014/main" xmlns="" id="{DE6DF3EB-099A-427A-A999-3BAF3BCA94E1}"/>
                   </a:ext>
                   <a:ext uri="{C183D7F6-B498-43B3-948B-1728B52AA6E4}">
-                    <adec:decorative xmlns:adec="http://schemas.microsoft.com/office/drawing/2017/decorative" val="1"/>
+                    <adec:decorative xmlns:adec="http://schemas.microsoft.com/office/drawing/2017/decorative" xmlns="" val="1"/>
                   </a:ext>
                 </a:extLst>
               </p:cNvPr>
@@ -19024,7 +21699,7 @@
               <p:nvPr>
                 <p:extLst>
                   <p:ext uri="{386F3935-93C4-4BCD-93E2-E3B085C9AB24}">
-                    <p16:designElem xmlns:p16="http://schemas.microsoft.com/office/powerpoint/2015/main" val="1"/>
+                    <p16:designElem xmlns:p16="http://schemas.microsoft.com/office/powerpoint/2015/main" xmlns="" val="1"/>
                   </p:ext>
                 </p:extLst>
               </p:nvPr>
@@ -19096,10 +21771,10 @@
               <p:cNvPr id="21" name="Freeform 38">
                 <a:extLst>
                   <a:ext uri="{FF2B5EF4-FFF2-40B4-BE49-F238E27FC236}">
-                    <a16:creationId xmlns:a16="http://schemas.microsoft.com/office/drawing/2014/main" id="{CC595EFE-4690-4B81-83B1-F863B951B0E1}"/>
+                    <a16:creationId xmlns:a16="http://schemas.microsoft.com/office/drawing/2014/main" xmlns="" id="{CC595EFE-4690-4B81-83B1-F863B951B0E1}"/>
                   </a:ext>
                   <a:ext uri="{C183D7F6-B498-43B3-948B-1728B52AA6E4}">
-                    <adec:decorative xmlns:adec="http://schemas.microsoft.com/office/drawing/2017/decorative" val="1"/>
+                    <adec:decorative xmlns:adec="http://schemas.microsoft.com/office/drawing/2017/decorative" xmlns="" val="1"/>
                   </a:ext>
                 </a:extLst>
               </p:cNvPr>
@@ -19109,7 +21784,7 @@
               <p:nvPr>
                 <p:extLst>
                   <p:ext uri="{386F3935-93C4-4BCD-93E2-E3B085C9AB24}">
-                    <p16:designElem xmlns:p16="http://schemas.microsoft.com/office/powerpoint/2015/main" val="1"/>
+                    <p16:designElem xmlns:p16="http://schemas.microsoft.com/office/powerpoint/2015/main" xmlns="" val="1"/>
                   </p:ext>
                 </p:extLst>
               </p:nvPr>
@@ -19201,10 +21876,10 @@
               <p:cNvPr id="22" name="Freeform 39">
                 <a:extLst>
                   <a:ext uri="{FF2B5EF4-FFF2-40B4-BE49-F238E27FC236}">
-                    <a16:creationId xmlns:a16="http://schemas.microsoft.com/office/drawing/2014/main" id="{400FAC39-AEAC-4B54-9694-29D537C203B1}"/>
+                    <a16:creationId xmlns:a16="http://schemas.microsoft.com/office/drawing/2014/main" xmlns="" id="{400FAC39-AEAC-4B54-9694-29D537C203B1}"/>
                   </a:ext>
                   <a:ext uri="{C183D7F6-B498-43B3-948B-1728B52AA6E4}">
-                    <adec:decorative xmlns:adec="http://schemas.microsoft.com/office/drawing/2017/decorative" val="1"/>
+                    <adec:decorative xmlns:adec="http://schemas.microsoft.com/office/drawing/2017/decorative" xmlns="" val="1"/>
                   </a:ext>
                 </a:extLst>
               </p:cNvPr>
@@ -19212,7 +21887,7 @@
               <p:nvPr>
                 <p:extLst>
                   <p:ext uri="{386F3935-93C4-4BCD-93E2-E3B085C9AB24}">
-                    <p16:designElem xmlns:p16="http://schemas.microsoft.com/office/powerpoint/2015/main" val="1"/>
+                    <p16:designElem xmlns:p16="http://schemas.microsoft.com/office/powerpoint/2015/main" xmlns="" val="1"/>
                   </p:ext>
                 </p:extLst>
               </p:nvPr>
@@ -19284,10 +21959,10 @@
               <p:cNvPr id="23" name="Freeform 40">
                 <a:extLst>
                   <a:ext uri="{FF2B5EF4-FFF2-40B4-BE49-F238E27FC236}">
-                    <a16:creationId xmlns:a16="http://schemas.microsoft.com/office/drawing/2014/main" id="{C61298B0-056E-4D83-B168-1C054A17A0CB}"/>
+                    <a16:creationId xmlns:a16="http://schemas.microsoft.com/office/drawing/2014/main" xmlns="" id="{C61298B0-056E-4D83-B168-1C054A17A0CB}"/>
                   </a:ext>
                   <a:ext uri="{C183D7F6-B498-43B3-948B-1728B52AA6E4}">
-                    <adec:decorative xmlns:adec="http://schemas.microsoft.com/office/drawing/2017/decorative" val="1"/>
+                    <adec:decorative xmlns:adec="http://schemas.microsoft.com/office/drawing/2017/decorative" xmlns="" val="1"/>
                   </a:ext>
                 </a:extLst>
               </p:cNvPr>
@@ -19297,7 +21972,7 @@
               <p:nvPr>
                 <p:extLst>
                   <p:ext uri="{386F3935-93C4-4BCD-93E2-E3B085C9AB24}">
-                    <p16:designElem xmlns:p16="http://schemas.microsoft.com/office/powerpoint/2015/main" val="1"/>
+                    <p16:designElem xmlns:p16="http://schemas.microsoft.com/office/powerpoint/2015/main" xmlns="" val="1"/>
                   </p:ext>
                 </p:extLst>
               </p:nvPr>
@@ -19389,10 +22064,10 @@
               <p:cNvPr id="24" name="Rectangle 41">
                 <a:extLst>
                   <a:ext uri="{FF2B5EF4-FFF2-40B4-BE49-F238E27FC236}">
-                    <a16:creationId xmlns:a16="http://schemas.microsoft.com/office/drawing/2014/main" id="{9F9E69A2-F9B0-40C2-BDC8-143835426BEF}"/>
+                    <a16:creationId xmlns:a16="http://schemas.microsoft.com/office/drawing/2014/main" xmlns="" id="{9F9E69A2-F9B0-40C2-BDC8-143835426BEF}"/>
                   </a:ext>
                   <a:ext uri="{C183D7F6-B498-43B3-948B-1728B52AA6E4}">
-                    <adec:decorative xmlns:adec="http://schemas.microsoft.com/office/drawing/2017/decorative" val="1"/>
+                    <adec:decorative xmlns:adec="http://schemas.microsoft.com/office/drawing/2017/decorative" xmlns="" val="1"/>
                   </a:ext>
                 </a:extLst>
               </p:cNvPr>
@@ -19402,7 +22077,7 @@
               <p:nvPr>
                 <p:extLst>
                   <p:ext uri="{386F3935-93C4-4BCD-93E2-E3B085C9AB24}">
-                    <p16:designElem xmlns:p16="http://schemas.microsoft.com/office/powerpoint/2015/main" val="1"/>
+                    <p16:designElem xmlns:p16="http://schemas.microsoft.com/office/powerpoint/2015/main" xmlns="" val="1"/>
                   </p:ext>
                 </p:extLst>
               </p:nvPr>
@@ -19440,10 +22115,10 @@
           <p:cNvPr id="53" name="Rectangle 52">
             <a:extLst>
               <a:ext uri="{FF2B5EF4-FFF2-40B4-BE49-F238E27FC236}">
-                <a16:creationId xmlns:a16="http://schemas.microsoft.com/office/drawing/2014/main" id="{2EEF4763-EB4A-4A35-89EB-AD2763B48C3B}"/>
+                <a16:creationId xmlns:a16="http://schemas.microsoft.com/office/drawing/2014/main" xmlns="" id="{2EEF4763-EB4A-4A35-89EB-AD2763B48C3B}"/>
               </a:ext>
               <a:ext uri="{C183D7F6-B498-43B3-948B-1728B52AA6E4}">
-                <adec:decorative xmlns:adec="http://schemas.microsoft.com/office/drawing/2017/decorative" val="1"/>
+                <adec:decorative xmlns:adec="http://schemas.microsoft.com/office/drawing/2017/decorative" xmlns="" val="1"/>
               </a:ext>
             </a:extLst>
           </p:cNvPr>
@@ -19453,7 +22128,7 @@
           <p:nvPr>
             <p:extLst>
               <p:ext uri="{386F3935-93C4-4BCD-93E2-E3B085C9AB24}">
-                <p16:designElem xmlns:p16="http://schemas.microsoft.com/office/powerpoint/2015/main" val="1"/>
+                <p16:designElem xmlns:p16="http://schemas.microsoft.com/office/powerpoint/2015/main" xmlns="" val="1"/>
               </p:ext>
             </p:extLst>
           </p:nvPr>
@@ -19532,7 +22207,7 @@
           <p:cNvPr id="6" name="TextBox 3">
             <a:extLst>
               <a:ext uri="{FF2B5EF4-FFF2-40B4-BE49-F238E27FC236}">
-                <a16:creationId xmlns:a16="http://schemas.microsoft.com/office/drawing/2014/main" id="{F097F0EE-4218-0A65-2C96-1A986CC51855}"/>
+                <a16:creationId xmlns:a16="http://schemas.microsoft.com/office/drawing/2014/main" xmlns="" id="{F097F0EE-4218-0A65-2C96-1A986CC51855}"/>
               </a:ext>
             </a:extLst>
           </p:cNvPr>
@@ -19569,6 +22244,81 @@
 </file>
 
 <file path=ppt/slides/slide2.xml><?xml version="1.0" encoding="utf-8"?>
+<p:sld xmlns:a="http://schemas.openxmlformats.org/drawingml/2006/main" xmlns:r="http://schemas.openxmlformats.org/officeDocument/2006/relationships" xmlns:p="http://schemas.openxmlformats.org/presentationml/2006/main">
+  <p:cSld>
+    <p:spTree>
+      <p:nvGrpSpPr>
+        <p:cNvPr id="1" name=""/>
+        <p:cNvGrpSpPr/>
+        <p:nvPr/>
+      </p:nvGrpSpPr>
+      <p:grpSpPr>
+        <a:xfrm>
+          <a:off x="0" y="0"/>
+          <a:ext cx="0" cy="0"/>
+          <a:chOff x="0" y="0"/>
+          <a:chExt cx="0" cy="0"/>
+        </a:xfrm>
+      </p:grpSpPr>
+      <p:sp>
+        <p:nvSpPr>
+          <p:cNvPr id="2" name="Заголовок 1"/>
+          <p:cNvSpPr>
+            <a:spLocks noGrp="1"/>
+          </p:cNvSpPr>
+          <p:nvPr>
+            <p:ph type="title"/>
+          </p:nvPr>
+        </p:nvSpPr>
+        <p:spPr/>
+        <p:txBody>
+          <a:bodyPr/>
+          <a:lstStyle/>
+          <a:p>
+            <a:r>
+              <a:rPr lang="ru-RU" dirty="0" smtClean="0"/>
+              <a:t>Авторы</a:t>
+            </a:r>
+            <a:endParaRPr lang="ru-RU" dirty="0"/>
+          </a:p>
+        </p:txBody>
+      </p:sp>
+      <p:graphicFrame>
+        <p:nvGraphicFramePr>
+          <p:cNvPr id="7" name="Схема 6"/>
+          <p:cNvGraphicFramePr/>
+          <p:nvPr>
+            <p:extLst>
+              <p:ext uri="{D42A27DB-BD31-4B8C-83A1-F6EECF244321}">
+                <p14:modId xmlns:p14="http://schemas.microsoft.com/office/powerpoint/2010/main" val="2944973860"/>
+              </p:ext>
+            </p:extLst>
+          </p:nvPr>
+        </p:nvGraphicFramePr>
+        <p:xfrm>
+          <a:off x="1198282" y="1748117"/>
+          <a:ext cx="10260351" cy="4087908"/>
+        </p:xfrm>
+        <a:graphic>
+          <a:graphicData uri="http://schemas.openxmlformats.org/drawingml/2006/diagram">
+            <dgm:relIds xmlns:dgm="http://schemas.openxmlformats.org/drawingml/2006/diagram" xmlns:r="http://schemas.openxmlformats.org/officeDocument/2006/relationships" r:dm="rId2" r:lo="rId3" r:qs="rId4" r:cs="rId5"/>
+          </a:graphicData>
+        </a:graphic>
+      </p:graphicFrame>
+    </p:spTree>
+    <p:extLst>
+      <p:ext uri="{BB962C8B-B14F-4D97-AF65-F5344CB8AC3E}">
+        <p14:creationId xmlns:p14="http://schemas.microsoft.com/office/powerpoint/2010/main" val="799062718"/>
+      </p:ext>
+    </p:extLst>
+  </p:cSld>
+  <p:clrMapOvr>
+    <a:masterClrMapping/>
+  </p:clrMapOvr>
+</p:sld>
+</file>
+
+<file path=ppt/slides/slide3.xml><?xml version="1.0" encoding="utf-8"?>
 <p:sld xmlns:a="http://schemas.openxmlformats.org/drawingml/2006/main" xmlns:r="http://schemas.openxmlformats.org/officeDocument/2006/relationships" xmlns:p="http://schemas.openxmlformats.org/presentationml/2006/main">
   <p:cSld>
     <p:bg>
@@ -19614,10 +22364,10 @@
           <p:cNvPr id="159" name="Group 158">
             <a:extLst>
               <a:ext uri="{FF2B5EF4-FFF2-40B4-BE49-F238E27FC236}">
-                <a16:creationId xmlns:a16="http://schemas.microsoft.com/office/drawing/2014/main" id="{A8F3053C-AA2D-43E7-9127-59111DE0E06D}"/>
+                <a16:creationId xmlns:a16="http://schemas.microsoft.com/office/drawing/2014/main" xmlns="" id="{A8F3053C-AA2D-43E7-9127-59111DE0E06D}"/>
               </a:ext>
               <a:ext uri="{C183D7F6-B498-43B3-948B-1728B52AA6E4}">
-                <adec:decorative xmlns:adec="http://schemas.microsoft.com/office/drawing/2017/decorative" val="1"/>
+                <adec:decorative xmlns:adec="http://schemas.microsoft.com/office/drawing/2017/decorative" xmlns="" val="1"/>
               </a:ext>
             </a:extLst>
           </p:cNvPr>
@@ -19627,7 +22377,7 @@
           <p:nvPr>
             <p:extLst>
               <p:ext uri="{386F3935-93C4-4BCD-93E2-E3B085C9AB24}">
-                <p16:designElem xmlns:p16="http://schemas.microsoft.com/office/powerpoint/2015/main" val="1"/>
+                <p16:designElem xmlns:p16="http://schemas.microsoft.com/office/powerpoint/2015/main" xmlns="" val="1"/>
               </p:ext>
             </p:extLst>
           </p:nvPr>
@@ -19645,10 +22395,10 @@
             <p:cNvPr id="160" name="Group 159">
               <a:extLst>
                 <a:ext uri="{FF2B5EF4-FFF2-40B4-BE49-F238E27FC236}">
-                  <a16:creationId xmlns:a16="http://schemas.microsoft.com/office/drawing/2014/main" id="{159025B1-E34F-4772-B2CC-DA9B705D403C}"/>
+                  <a16:creationId xmlns:a16="http://schemas.microsoft.com/office/drawing/2014/main" xmlns="" id="{159025B1-E34F-4772-B2CC-DA9B705D403C}"/>
                 </a:ext>
                 <a:ext uri="{C183D7F6-B498-43B3-948B-1728B52AA6E4}">
-                  <adec:decorative xmlns:adec="http://schemas.microsoft.com/office/drawing/2017/decorative" val="1"/>
+                  <adec:decorative xmlns:adec="http://schemas.microsoft.com/office/drawing/2017/decorative" xmlns="" val="1"/>
                 </a:ext>
               </a:extLst>
             </p:cNvPr>
@@ -19656,7 +22406,7 @@
             <p:nvPr>
               <p:extLst>
                 <p:ext uri="{386F3935-93C4-4BCD-93E2-E3B085C9AB24}">
-                  <p16:designElem xmlns:p16="http://schemas.microsoft.com/office/powerpoint/2015/main" val="1"/>
+                  <p16:designElem xmlns:p16="http://schemas.microsoft.com/office/powerpoint/2015/main" xmlns="" val="1"/>
                 </p:ext>
               </p:extLst>
             </p:nvPr>
@@ -19689,10 +22439,10 @@
               <p:cNvPr id="172" name="Rectangle 5">
                 <a:extLst>
                   <a:ext uri="{FF2B5EF4-FFF2-40B4-BE49-F238E27FC236}">
-                    <a16:creationId xmlns:a16="http://schemas.microsoft.com/office/drawing/2014/main" id="{85E8FDD9-55D5-48E9-BD0F-41FA02C5AD19}"/>
+                    <a16:creationId xmlns:a16="http://schemas.microsoft.com/office/drawing/2014/main" xmlns="" id="{85E8FDD9-55D5-48E9-BD0F-41FA02C5AD19}"/>
                   </a:ext>
                   <a:ext uri="{C183D7F6-B498-43B3-948B-1728B52AA6E4}">
-                    <adec:decorative xmlns:adec="http://schemas.microsoft.com/office/drawing/2017/decorative" val="1"/>
+                    <adec:decorative xmlns:adec="http://schemas.microsoft.com/office/drawing/2017/decorative" xmlns="" val="1"/>
                   </a:ext>
                 </a:extLst>
               </p:cNvPr>
@@ -19702,7 +22452,7 @@
               <p:nvPr>
                 <p:extLst>
                   <p:ext uri="{386F3935-93C4-4BCD-93E2-E3B085C9AB24}">
-                    <p16:designElem xmlns:p16="http://schemas.microsoft.com/office/powerpoint/2015/main" val="1"/>
+                    <p16:designElem xmlns:p16="http://schemas.microsoft.com/office/powerpoint/2015/main" xmlns="" val="1"/>
                   </p:ext>
                 </p:extLst>
               </p:nvPr>
@@ -19738,10 +22488,10 @@
               <p:cNvPr id="173" name="Freeform 6">
                 <a:extLst>
                   <a:ext uri="{FF2B5EF4-FFF2-40B4-BE49-F238E27FC236}">
-                    <a16:creationId xmlns:a16="http://schemas.microsoft.com/office/drawing/2014/main" id="{2C147D99-21B5-462F-B3D9-2D04FC67D8E0}"/>
+                    <a16:creationId xmlns:a16="http://schemas.microsoft.com/office/drawing/2014/main" xmlns="" id="{2C147D99-21B5-462F-B3D9-2D04FC67D8E0}"/>
                   </a:ext>
                   <a:ext uri="{C183D7F6-B498-43B3-948B-1728B52AA6E4}">
-                    <adec:decorative xmlns:adec="http://schemas.microsoft.com/office/drawing/2017/decorative" val="1"/>
+                    <adec:decorative xmlns:adec="http://schemas.microsoft.com/office/drawing/2017/decorative" xmlns="" val="1"/>
                   </a:ext>
                 </a:extLst>
               </p:cNvPr>
@@ -19751,7 +22501,7 @@
               <p:nvPr>
                 <p:extLst>
                   <p:ext uri="{386F3935-93C4-4BCD-93E2-E3B085C9AB24}">
-                    <p16:designElem xmlns:p16="http://schemas.microsoft.com/office/powerpoint/2015/main" val="1"/>
+                    <p16:designElem xmlns:p16="http://schemas.microsoft.com/office/powerpoint/2015/main" xmlns="" val="1"/>
                   </p:ext>
                 </p:extLst>
               </p:nvPr>
@@ -19843,10 +22593,10 @@
               <p:cNvPr id="174" name="Freeform 7">
                 <a:extLst>
                   <a:ext uri="{FF2B5EF4-FFF2-40B4-BE49-F238E27FC236}">
-                    <a16:creationId xmlns:a16="http://schemas.microsoft.com/office/drawing/2014/main" id="{3A84E48A-5D81-47C8-9B35-7891B51623C7}"/>
+                    <a16:creationId xmlns:a16="http://schemas.microsoft.com/office/drawing/2014/main" xmlns="" id="{3A84E48A-5D81-47C8-9B35-7891B51623C7}"/>
                   </a:ext>
                   <a:ext uri="{C183D7F6-B498-43B3-948B-1728B52AA6E4}">
-                    <adec:decorative xmlns:adec="http://schemas.microsoft.com/office/drawing/2017/decorative" val="1"/>
+                    <adec:decorative xmlns:adec="http://schemas.microsoft.com/office/drawing/2017/decorative" xmlns="" val="1"/>
                   </a:ext>
                 </a:extLst>
               </p:cNvPr>
@@ -19856,7 +22606,7 @@
               <p:nvPr>
                 <p:extLst>
                   <p:ext uri="{386F3935-93C4-4BCD-93E2-E3B085C9AB24}">
-                    <p16:designElem xmlns:p16="http://schemas.microsoft.com/office/powerpoint/2015/main" val="1"/>
+                    <p16:designElem xmlns:p16="http://schemas.microsoft.com/office/powerpoint/2015/main" xmlns="" val="1"/>
                   </p:ext>
                 </p:extLst>
               </p:nvPr>
@@ -19948,10 +22698,10 @@
               <p:cNvPr id="175" name="Freeform 8">
                 <a:extLst>
                   <a:ext uri="{FF2B5EF4-FFF2-40B4-BE49-F238E27FC236}">
-                    <a16:creationId xmlns:a16="http://schemas.microsoft.com/office/drawing/2014/main" id="{A7C08433-35BE-4A5A-9C1F-B37DEB48278A}"/>
+                    <a16:creationId xmlns:a16="http://schemas.microsoft.com/office/drawing/2014/main" xmlns="" id="{A7C08433-35BE-4A5A-9C1F-B37DEB48278A}"/>
                   </a:ext>
                   <a:ext uri="{C183D7F6-B498-43B3-948B-1728B52AA6E4}">
-                    <adec:decorative xmlns:adec="http://schemas.microsoft.com/office/drawing/2017/decorative" val="1"/>
+                    <adec:decorative xmlns:adec="http://schemas.microsoft.com/office/drawing/2017/decorative" xmlns="" val="1"/>
                   </a:ext>
                 </a:extLst>
               </p:cNvPr>
@@ -19959,7 +22709,7 @@
               <p:nvPr>
                 <p:extLst>
                   <p:ext uri="{386F3935-93C4-4BCD-93E2-E3B085C9AB24}">
-                    <p16:designElem xmlns:p16="http://schemas.microsoft.com/office/powerpoint/2015/main" val="1"/>
+                    <p16:designElem xmlns:p16="http://schemas.microsoft.com/office/powerpoint/2015/main" xmlns="" val="1"/>
                   </p:ext>
                 </p:extLst>
               </p:nvPr>
@@ -20025,10 +22775,10 @@
               <p:cNvPr id="176" name="Freeform 9">
                 <a:extLst>
                   <a:ext uri="{FF2B5EF4-FFF2-40B4-BE49-F238E27FC236}">
-                    <a16:creationId xmlns:a16="http://schemas.microsoft.com/office/drawing/2014/main" id="{D0B8201B-0CB0-4F9E-ACB0-DD75292348FC}"/>
+                    <a16:creationId xmlns:a16="http://schemas.microsoft.com/office/drawing/2014/main" xmlns="" id="{D0B8201B-0CB0-4F9E-ACB0-DD75292348FC}"/>
                   </a:ext>
                   <a:ext uri="{C183D7F6-B498-43B3-948B-1728B52AA6E4}">
-                    <adec:decorative xmlns:adec="http://schemas.microsoft.com/office/drawing/2017/decorative" val="1"/>
+                    <adec:decorative xmlns:adec="http://schemas.microsoft.com/office/drawing/2017/decorative" xmlns="" val="1"/>
                   </a:ext>
                 </a:extLst>
               </p:cNvPr>
@@ -20038,7 +22788,7 @@
               <p:nvPr>
                 <p:extLst>
                   <p:ext uri="{386F3935-93C4-4BCD-93E2-E3B085C9AB24}">
-                    <p16:designElem xmlns:p16="http://schemas.microsoft.com/office/powerpoint/2015/main" val="1"/>
+                    <p16:designElem xmlns:p16="http://schemas.microsoft.com/office/powerpoint/2015/main" xmlns="" val="1"/>
                   </p:ext>
                 </p:extLst>
               </p:nvPr>
@@ -20130,10 +22880,10 @@
               <p:cNvPr id="177" name="Freeform 10">
                 <a:extLst>
                   <a:ext uri="{FF2B5EF4-FFF2-40B4-BE49-F238E27FC236}">
-                    <a16:creationId xmlns:a16="http://schemas.microsoft.com/office/drawing/2014/main" id="{888D2777-7FAE-47C4-9E1A-3C4D015CFB2B}"/>
+                    <a16:creationId xmlns:a16="http://schemas.microsoft.com/office/drawing/2014/main" xmlns="" id="{888D2777-7FAE-47C4-9E1A-3C4D015CFB2B}"/>
                   </a:ext>
                   <a:ext uri="{C183D7F6-B498-43B3-948B-1728B52AA6E4}">
-                    <adec:decorative xmlns:adec="http://schemas.microsoft.com/office/drawing/2017/decorative" val="1"/>
+                    <adec:decorative xmlns:adec="http://schemas.microsoft.com/office/drawing/2017/decorative" xmlns="" val="1"/>
                   </a:ext>
                 </a:extLst>
               </p:cNvPr>
@@ -20141,7 +22891,7 @@
               <p:nvPr>
                 <p:extLst>
                   <p:ext uri="{386F3935-93C4-4BCD-93E2-E3B085C9AB24}">
-                    <p16:designElem xmlns:p16="http://schemas.microsoft.com/office/powerpoint/2015/main" val="1"/>
+                    <p16:designElem xmlns:p16="http://schemas.microsoft.com/office/powerpoint/2015/main" xmlns="" val="1"/>
                   </p:ext>
                 </p:extLst>
               </p:nvPr>
@@ -20207,10 +22957,10 @@
               <p:cNvPr id="178" name="Freeform 11">
                 <a:extLst>
                   <a:ext uri="{FF2B5EF4-FFF2-40B4-BE49-F238E27FC236}">
-                    <a16:creationId xmlns:a16="http://schemas.microsoft.com/office/drawing/2014/main" id="{CE168F44-CB11-4900-AC9E-3EBEC8016003}"/>
+                    <a16:creationId xmlns:a16="http://schemas.microsoft.com/office/drawing/2014/main" xmlns="" id="{CE168F44-CB11-4900-AC9E-3EBEC8016003}"/>
                   </a:ext>
                   <a:ext uri="{C183D7F6-B498-43B3-948B-1728B52AA6E4}">
-                    <adec:decorative xmlns:adec="http://schemas.microsoft.com/office/drawing/2017/decorative" val="1"/>
+                    <adec:decorative xmlns:adec="http://schemas.microsoft.com/office/drawing/2017/decorative" xmlns="" val="1"/>
                   </a:ext>
                 </a:extLst>
               </p:cNvPr>
@@ -20218,7 +22968,7 @@
               <p:nvPr>
                 <p:extLst>
                   <p:ext uri="{386F3935-93C4-4BCD-93E2-E3B085C9AB24}">
-                    <p16:designElem xmlns:p16="http://schemas.microsoft.com/office/powerpoint/2015/main" val="1"/>
+                    <p16:designElem xmlns:p16="http://schemas.microsoft.com/office/powerpoint/2015/main" xmlns="" val="1"/>
                   </p:ext>
                 </p:extLst>
               </p:nvPr>
@@ -20284,10 +23034,10 @@
               <p:cNvPr id="179" name="Freeform 12">
                 <a:extLst>
                   <a:ext uri="{FF2B5EF4-FFF2-40B4-BE49-F238E27FC236}">
-                    <a16:creationId xmlns:a16="http://schemas.microsoft.com/office/drawing/2014/main" id="{A0F39381-D3B3-4EBE-80AB-F3AA4D188956}"/>
+                    <a16:creationId xmlns:a16="http://schemas.microsoft.com/office/drawing/2014/main" xmlns="" id="{A0F39381-D3B3-4EBE-80AB-F3AA4D188956}"/>
                   </a:ext>
                   <a:ext uri="{C183D7F6-B498-43B3-948B-1728B52AA6E4}">
-                    <adec:decorative xmlns:adec="http://schemas.microsoft.com/office/drawing/2017/decorative" val="1"/>
+                    <adec:decorative xmlns:adec="http://schemas.microsoft.com/office/drawing/2017/decorative" xmlns="" val="1"/>
                   </a:ext>
                 </a:extLst>
               </p:cNvPr>
@@ -20297,7 +23047,7 @@
               <p:nvPr>
                 <p:extLst>
                   <p:ext uri="{386F3935-93C4-4BCD-93E2-E3B085C9AB24}">
-                    <p16:designElem xmlns:p16="http://schemas.microsoft.com/office/powerpoint/2015/main" val="1"/>
+                    <p16:designElem xmlns:p16="http://schemas.microsoft.com/office/powerpoint/2015/main" xmlns="" val="1"/>
                   </p:ext>
                 </p:extLst>
               </p:nvPr>
@@ -20389,10 +23139,10 @@
               <p:cNvPr id="180" name="Freeform 13">
                 <a:extLst>
                   <a:ext uri="{FF2B5EF4-FFF2-40B4-BE49-F238E27FC236}">
-                    <a16:creationId xmlns:a16="http://schemas.microsoft.com/office/drawing/2014/main" id="{F8B41A7C-3B6F-4BEF-B1FA-4869947AE74E}"/>
+                    <a16:creationId xmlns:a16="http://schemas.microsoft.com/office/drawing/2014/main" xmlns="" id="{F8B41A7C-3B6F-4BEF-B1FA-4869947AE74E}"/>
                   </a:ext>
                   <a:ext uri="{C183D7F6-B498-43B3-948B-1728B52AA6E4}">
-                    <adec:decorative xmlns:adec="http://schemas.microsoft.com/office/drawing/2017/decorative" val="1"/>
+                    <adec:decorative xmlns:adec="http://schemas.microsoft.com/office/drawing/2017/decorative" xmlns="" val="1"/>
                   </a:ext>
                 </a:extLst>
               </p:cNvPr>
@@ -20402,7 +23152,7 @@
               <p:nvPr>
                 <p:extLst>
                   <p:ext uri="{386F3935-93C4-4BCD-93E2-E3B085C9AB24}">
-                    <p16:designElem xmlns:p16="http://schemas.microsoft.com/office/powerpoint/2015/main" val="1"/>
+                    <p16:designElem xmlns:p16="http://schemas.microsoft.com/office/powerpoint/2015/main" xmlns="" val="1"/>
                   </p:ext>
                 </p:extLst>
               </p:nvPr>
@@ -20494,10 +23244,10 @@
               <p:cNvPr id="181" name="Freeform 14">
                 <a:extLst>
                   <a:ext uri="{FF2B5EF4-FFF2-40B4-BE49-F238E27FC236}">
-                    <a16:creationId xmlns:a16="http://schemas.microsoft.com/office/drawing/2014/main" id="{9A08FB39-6EFB-4948-88F2-6EB113F1051B}"/>
+                    <a16:creationId xmlns:a16="http://schemas.microsoft.com/office/drawing/2014/main" xmlns="" id="{9A08FB39-6EFB-4948-88F2-6EB113F1051B}"/>
                   </a:ext>
                   <a:ext uri="{C183D7F6-B498-43B3-948B-1728B52AA6E4}">
-                    <adec:decorative xmlns:adec="http://schemas.microsoft.com/office/drawing/2017/decorative" val="1"/>
+                    <adec:decorative xmlns:adec="http://schemas.microsoft.com/office/drawing/2017/decorative" xmlns="" val="1"/>
                   </a:ext>
                 </a:extLst>
               </p:cNvPr>
@@ -20505,7 +23255,7 @@
               <p:nvPr>
                 <p:extLst>
                   <p:ext uri="{386F3935-93C4-4BCD-93E2-E3B085C9AB24}">
-                    <p16:designElem xmlns:p16="http://schemas.microsoft.com/office/powerpoint/2015/main" val="1"/>
+                    <p16:designElem xmlns:p16="http://schemas.microsoft.com/office/powerpoint/2015/main" xmlns="" val="1"/>
                   </p:ext>
                 </p:extLst>
               </p:nvPr>
@@ -20571,10 +23321,10 @@
               <p:cNvPr id="182" name="Freeform 15">
                 <a:extLst>
                   <a:ext uri="{FF2B5EF4-FFF2-40B4-BE49-F238E27FC236}">
-                    <a16:creationId xmlns:a16="http://schemas.microsoft.com/office/drawing/2014/main" id="{32489CF5-34F9-4676-8FC8-EA47623A9F5F}"/>
+                    <a16:creationId xmlns:a16="http://schemas.microsoft.com/office/drawing/2014/main" xmlns="" id="{32489CF5-34F9-4676-8FC8-EA47623A9F5F}"/>
                   </a:ext>
                   <a:ext uri="{C183D7F6-B498-43B3-948B-1728B52AA6E4}">
-                    <adec:decorative xmlns:adec="http://schemas.microsoft.com/office/drawing/2017/decorative" val="1"/>
+                    <adec:decorative xmlns:adec="http://schemas.microsoft.com/office/drawing/2017/decorative" xmlns="" val="1"/>
                   </a:ext>
                 </a:extLst>
               </p:cNvPr>
@@ -20584,7 +23334,7 @@
               <p:nvPr>
                 <p:extLst>
                   <p:ext uri="{386F3935-93C4-4BCD-93E2-E3B085C9AB24}">
-                    <p16:designElem xmlns:p16="http://schemas.microsoft.com/office/powerpoint/2015/main" val="1"/>
+                    <p16:designElem xmlns:p16="http://schemas.microsoft.com/office/powerpoint/2015/main" xmlns="" val="1"/>
                   </p:ext>
                 </p:extLst>
               </p:nvPr>
@@ -20696,10 +23446,10 @@
               <p:cNvPr id="183" name="Line 16">
                 <a:extLst>
                   <a:ext uri="{FF2B5EF4-FFF2-40B4-BE49-F238E27FC236}">
-                    <a16:creationId xmlns:a16="http://schemas.microsoft.com/office/drawing/2014/main" id="{6E6A81FE-6687-4E45-86EE-506158CFC01C}"/>
+                    <a16:creationId xmlns:a16="http://schemas.microsoft.com/office/drawing/2014/main" xmlns="" id="{6E6A81FE-6687-4E45-86EE-506158CFC01C}"/>
                   </a:ext>
                   <a:ext uri="{C183D7F6-B498-43B3-948B-1728B52AA6E4}">
-                    <adec:decorative xmlns:adec="http://schemas.microsoft.com/office/drawing/2017/decorative" val="1"/>
+                    <adec:decorative xmlns:adec="http://schemas.microsoft.com/office/drawing/2017/decorative" xmlns="" val="1"/>
                   </a:ext>
                 </a:extLst>
               </p:cNvPr>
@@ -20709,7 +23459,7 @@
               <p:nvPr>
                 <p:extLst>
                   <p:ext uri="{386F3935-93C4-4BCD-93E2-E3B085C9AB24}">
-                    <p16:designElem xmlns:p16="http://schemas.microsoft.com/office/powerpoint/2015/main" val="1"/>
+                    <p16:designElem xmlns:p16="http://schemas.microsoft.com/office/powerpoint/2015/main" xmlns="" val="1"/>
                   </p:ext>
                 </p:extLst>
               </p:nvPr>
@@ -20739,10 +23489,10 @@
               <p:cNvPr id="184" name="Freeform 17">
                 <a:extLst>
                   <a:ext uri="{FF2B5EF4-FFF2-40B4-BE49-F238E27FC236}">
-                    <a16:creationId xmlns:a16="http://schemas.microsoft.com/office/drawing/2014/main" id="{085F56DC-138C-4970-A499-1F8C4FBADFEF}"/>
+                    <a16:creationId xmlns:a16="http://schemas.microsoft.com/office/drawing/2014/main" xmlns="" id="{085F56DC-138C-4970-A499-1F8C4FBADFEF}"/>
                   </a:ext>
                   <a:ext uri="{C183D7F6-B498-43B3-948B-1728B52AA6E4}">
-                    <adec:decorative xmlns:adec="http://schemas.microsoft.com/office/drawing/2017/decorative" val="1"/>
+                    <adec:decorative xmlns:adec="http://schemas.microsoft.com/office/drawing/2017/decorative" xmlns="" val="1"/>
                   </a:ext>
                 </a:extLst>
               </p:cNvPr>
@@ -20750,7 +23500,7 @@
               <p:nvPr>
                 <p:extLst>
                   <p:ext uri="{386F3935-93C4-4BCD-93E2-E3B085C9AB24}">
-                    <p16:designElem xmlns:p16="http://schemas.microsoft.com/office/powerpoint/2015/main" val="1"/>
+                    <p16:designElem xmlns:p16="http://schemas.microsoft.com/office/powerpoint/2015/main" xmlns="" val="1"/>
                   </p:ext>
                 </p:extLst>
               </p:nvPr>
@@ -20810,10 +23560,10 @@
               <p:cNvPr id="185" name="Freeform 18">
                 <a:extLst>
                   <a:ext uri="{FF2B5EF4-FFF2-40B4-BE49-F238E27FC236}">
-                    <a16:creationId xmlns:a16="http://schemas.microsoft.com/office/drawing/2014/main" id="{2241CFC6-2DD5-4908-95FF-C76F3F432770}"/>
+                    <a16:creationId xmlns:a16="http://schemas.microsoft.com/office/drawing/2014/main" xmlns="" id="{2241CFC6-2DD5-4908-95FF-C76F3F432770}"/>
                   </a:ext>
                   <a:ext uri="{C183D7F6-B498-43B3-948B-1728B52AA6E4}">
-                    <adec:decorative xmlns:adec="http://schemas.microsoft.com/office/drawing/2017/decorative" val="1"/>
+                    <adec:decorative xmlns:adec="http://schemas.microsoft.com/office/drawing/2017/decorative" xmlns="" val="1"/>
                   </a:ext>
                 </a:extLst>
               </p:cNvPr>
@@ -20821,7 +23571,7 @@
               <p:nvPr>
                 <p:extLst>
                   <p:ext uri="{386F3935-93C4-4BCD-93E2-E3B085C9AB24}">
-                    <p16:designElem xmlns:p16="http://schemas.microsoft.com/office/powerpoint/2015/main" val="1"/>
+                    <p16:designElem xmlns:p16="http://schemas.microsoft.com/office/powerpoint/2015/main" xmlns="" val="1"/>
                   </p:ext>
                 </p:extLst>
               </p:nvPr>
@@ -20887,10 +23637,10 @@
               <p:cNvPr id="186" name="Freeform 19">
                 <a:extLst>
                   <a:ext uri="{FF2B5EF4-FFF2-40B4-BE49-F238E27FC236}">
-                    <a16:creationId xmlns:a16="http://schemas.microsoft.com/office/drawing/2014/main" id="{EAE9ABAC-3BE1-44E6-A764-8B7884E839AF}"/>
+                    <a16:creationId xmlns:a16="http://schemas.microsoft.com/office/drawing/2014/main" xmlns="" id="{EAE9ABAC-3BE1-44E6-A764-8B7884E839AF}"/>
                   </a:ext>
                   <a:ext uri="{C183D7F6-B498-43B3-948B-1728B52AA6E4}">
-                    <adec:decorative xmlns:adec="http://schemas.microsoft.com/office/drawing/2017/decorative" val="1"/>
+                    <adec:decorative xmlns:adec="http://schemas.microsoft.com/office/drawing/2017/decorative" xmlns="" val="1"/>
                   </a:ext>
                 </a:extLst>
               </p:cNvPr>
@@ -20898,7 +23648,7 @@
               <p:nvPr>
                 <p:extLst>
                   <p:ext uri="{386F3935-93C4-4BCD-93E2-E3B085C9AB24}">
-                    <p16:designElem xmlns:p16="http://schemas.microsoft.com/office/powerpoint/2015/main" val="1"/>
+                    <p16:designElem xmlns:p16="http://schemas.microsoft.com/office/powerpoint/2015/main" xmlns="" val="1"/>
                   </p:ext>
                 </p:extLst>
               </p:nvPr>
@@ -20964,10 +23714,10 @@
               <p:cNvPr id="187" name="Freeform 20">
                 <a:extLst>
                   <a:ext uri="{FF2B5EF4-FFF2-40B4-BE49-F238E27FC236}">
-                    <a16:creationId xmlns:a16="http://schemas.microsoft.com/office/drawing/2014/main" id="{39874D11-3018-499B-BD78-11BB954BDF56}"/>
+                    <a16:creationId xmlns:a16="http://schemas.microsoft.com/office/drawing/2014/main" xmlns="" id="{39874D11-3018-499B-BD78-11BB954BDF56}"/>
                   </a:ext>
                   <a:ext uri="{C183D7F6-B498-43B3-948B-1728B52AA6E4}">
-                    <adec:decorative xmlns:adec="http://schemas.microsoft.com/office/drawing/2017/decorative" val="1"/>
+                    <adec:decorative xmlns:adec="http://schemas.microsoft.com/office/drawing/2017/decorative" xmlns="" val="1"/>
                   </a:ext>
                 </a:extLst>
               </p:cNvPr>
@@ -20977,7 +23727,7 @@
               <p:nvPr>
                 <p:extLst>
                   <p:ext uri="{386F3935-93C4-4BCD-93E2-E3B085C9AB24}">
-                    <p16:designElem xmlns:p16="http://schemas.microsoft.com/office/powerpoint/2015/main" val="1"/>
+                    <p16:designElem xmlns:p16="http://schemas.microsoft.com/office/powerpoint/2015/main" xmlns="" val="1"/>
                   </p:ext>
                 </p:extLst>
               </p:nvPr>
@@ -21069,10 +23819,10 @@
               <p:cNvPr id="188" name="Rectangle 21">
                 <a:extLst>
                   <a:ext uri="{FF2B5EF4-FFF2-40B4-BE49-F238E27FC236}">
-                    <a16:creationId xmlns:a16="http://schemas.microsoft.com/office/drawing/2014/main" id="{9D4461D3-04C7-495D-BA09-8D5311E9DA70}"/>
+                    <a16:creationId xmlns:a16="http://schemas.microsoft.com/office/drawing/2014/main" xmlns="" id="{9D4461D3-04C7-495D-BA09-8D5311E9DA70}"/>
                   </a:ext>
                   <a:ext uri="{C183D7F6-B498-43B3-948B-1728B52AA6E4}">
-                    <adec:decorative xmlns:adec="http://schemas.microsoft.com/office/drawing/2017/decorative" val="1"/>
+                    <adec:decorative xmlns:adec="http://schemas.microsoft.com/office/drawing/2017/decorative" xmlns="" val="1"/>
                   </a:ext>
                 </a:extLst>
               </p:cNvPr>
@@ -21082,7 +23832,7 @@
               <p:nvPr>
                 <p:extLst>
                   <p:ext uri="{386F3935-93C4-4BCD-93E2-E3B085C9AB24}">
-                    <p16:designElem xmlns:p16="http://schemas.microsoft.com/office/powerpoint/2015/main" val="1"/>
+                    <p16:designElem xmlns:p16="http://schemas.microsoft.com/office/powerpoint/2015/main" xmlns="" val="1"/>
                   </p:ext>
                 </p:extLst>
               </p:nvPr>
@@ -21118,10 +23868,10 @@
               <p:cNvPr id="189" name="Freeform 22">
                 <a:extLst>
                   <a:ext uri="{FF2B5EF4-FFF2-40B4-BE49-F238E27FC236}">
-                    <a16:creationId xmlns:a16="http://schemas.microsoft.com/office/drawing/2014/main" id="{BF405972-B14C-45E8-9F0C-E2F11F1CF089}"/>
+                    <a16:creationId xmlns:a16="http://schemas.microsoft.com/office/drawing/2014/main" xmlns="" id="{BF405972-B14C-45E8-9F0C-E2F11F1CF089}"/>
                   </a:ext>
                   <a:ext uri="{C183D7F6-B498-43B3-948B-1728B52AA6E4}">
-                    <adec:decorative xmlns:adec="http://schemas.microsoft.com/office/drawing/2017/decorative" val="1"/>
+                    <adec:decorative xmlns:adec="http://schemas.microsoft.com/office/drawing/2017/decorative" xmlns="" val="1"/>
                   </a:ext>
                 </a:extLst>
               </p:cNvPr>
@@ -21129,7 +23879,7 @@
               <p:nvPr>
                 <p:extLst>
                   <p:ext uri="{386F3935-93C4-4BCD-93E2-E3B085C9AB24}">
-                    <p16:designElem xmlns:p16="http://schemas.microsoft.com/office/powerpoint/2015/main" val="1"/>
+                    <p16:designElem xmlns:p16="http://schemas.microsoft.com/office/powerpoint/2015/main" xmlns="" val="1"/>
                   </p:ext>
                 </p:extLst>
               </p:nvPr>
@@ -21198,10 +23948,10 @@
               <p:cNvPr id="190" name="Freeform 23">
                 <a:extLst>
                   <a:ext uri="{FF2B5EF4-FFF2-40B4-BE49-F238E27FC236}">
-                    <a16:creationId xmlns:a16="http://schemas.microsoft.com/office/drawing/2014/main" id="{D7939026-A689-46F4-97AC-5F68665D7DF9}"/>
+                    <a16:creationId xmlns:a16="http://schemas.microsoft.com/office/drawing/2014/main" xmlns="" id="{D7939026-A689-46F4-97AC-5F68665D7DF9}"/>
                   </a:ext>
                   <a:ext uri="{C183D7F6-B498-43B3-948B-1728B52AA6E4}">
-                    <adec:decorative xmlns:adec="http://schemas.microsoft.com/office/drawing/2017/decorative" val="1"/>
+                    <adec:decorative xmlns:adec="http://schemas.microsoft.com/office/drawing/2017/decorative" xmlns="" val="1"/>
                   </a:ext>
                 </a:extLst>
               </p:cNvPr>
@@ -21211,7 +23961,7 @@
               <p:nvPr>
                 <p:extLst>
                   <p:ext uri="{386F3935-93C4-4BCD-93E2-E3B085C9AB24}">
-                    <p16:designElem xmlns:p16="http://schemas.microsoft.com/office/powerpoint/2015/main" val="1"/>
+                    <p16:designElem xmlns:p16="http://schemas.microsoft.com/office/powerpoint/2015/main" xmlns="" val="1"/>
                   </p:ext>
                 </p:extLst>
               </p:nvPr>
@@ -21303,10 +24053,10 @@
               <p:cNvPr id="191" name="Freeform 24">
                 <a:extLst>
                   <a:ext uri="{FF2B5EF4-FFF2-40B4-BE49-F238E27FC236}">
-                    <a16:creationId xmlns:a16="http://schemas.microsoft.com/office/drawing/2014/main" id="{8AD9F31C-5CF7-45EE-907A-3074488127B1}"/>
+                    <a16:creationId xmlns:a16="http://schemas.microsoft.com/office/drawing/2014/main" xmlns="" id="{8AD9F31C-5CF7-45EE-907A-3074488127B1}"/>
                   </a:ext>
                   <a:ext uri="{C183D7F6-B498-43B3-948B-1728B52AA6E4}">
-                    <adec:decorative xmlns:adec="http://schemas.microsoft.com/office/drawing/2017/decorative" val="1"/>
+                    <adec:decorative xmlns:adec="http://schemas.microsoft.com/office/drawing/2017/decorative" xmlns="" val="1"/>
                   </a:ext>
                 </a:extLst>
               </p:cNvPr>
@@ -21314,7 +24064,7 @@
               <p:nvPr>
                 <p:extLst>
                   <p:ext uri="{386F3935-93C4-4BCD-93E2-E3B085C9AB24}">
-                    <p16:designElem xmlns:p16="http://schemas.microsoft.com/office/powerpoint/2015/main" val="1"/>
+                    <p16:designElem xmlns:p16="http://schemas.microsoft.com/office/powerpoint/2015/main" xmlns="" val="1"/>
                   </p:ext>
                 </p:extLst>
               </p:nvPr>
@@ -21380,10 +24130,10 @@
               <p:cNvPr id="192" name="Freeform 25">
                 <a:extLst>
                   <a:ext uri="{FF2B5EF4-FFF2-40B4-BE49-F238E27FC236}">
-                    <a16:creationId xmlns:a16="http://schemas.microsoft.com/office/drawing/2014/main" id="{93412351-62FA-4EF3-8FE2-4CDD8397B994}"/>
+                    <a16:creationId xmlns:a16="http://schemas.microsoft.com/office/drawing/2014/main" xmlns="" id="{93412351-62FA-4EF3-8FE2-4CDD8397B994}"/>
                   </a:ext>
                   <a:ext uri="{C183D7F6-B498-43B3-948B-1728B52AA6E4}">
-                    <adec:decorative xmlns:adec="http://schemas.microsoft.com/office/drawing/2017/decorative" val="1"/>
+                    <adec:decorative xmlns:adec="http://schemas.microsoft.com/office/drawing/2017/decorative" xmlns="" val="1"/>
                   </a:ext>
                 </a:extLst>
               </p:cNvPr>
@@ -21393,7 +24143,7 @@
               <p:nvPr>
                 <p:extLst>
                   <p:ext uri="{386F3935-93C4-4BCD-93E2-E3B085C9AB24}">
-                    <p16:designElem xmlns:p16="http://schemas.microsoft.com/office/powerpoint/2015/main" val="1"/>
+                    <p16:designElem xmlns:p16="http://schemas.microsoft.com/office/powerpoint/2015/main" xmlns="" val="1"/>
                   </p:ext>
                 </p:extLst>
               </p:nvPr>
@@ -21485,10 +24235,10 @@
               <p:cNvPr id="193" name="Freeform 26">
                 <a:extLst>
                   <a:ext uri="{FF2B5EF4-FFF2-40B4-BE49-F238E27FC236}">
-                    <a16:creationId xmlns:a16="http://schemas.microsoft.com/office/drawing/2014/main" id="{84A81491-A1EB-46E3-9E73-11B93428CD1F}"/>
+                    <a16:creationId xmlns:a16="http://schemas.microsoft.com/office/drawing/2014/main" xmlns="" id="{84A81491-A1EB-46E3-9E73-11B93428CD1F}"/>
                   </a:ext>
                   <a:ext uri="{C183D7F6-B498-43B3-948B-1728B52AA6E4}">
-                    <adec:decorative xmlns:adec="http://schemas.microsoft.com/office/drawing/2017/decorative" val="1"/>
+                    <adec:decorative xmlns:adec="http://schemas.microsoft.com/office/drawing/2017/decorative" xmlns="" val="1"/>
                   </a:ext>
                 </a:extLst>
               </p:cNvPr>
@@ -21496,7 +24246,7 @@
               <p:nvPr>
                 <p:extLst>
                   <p:ext uri="{386F3935-93C4-4BCD-93E2-E3B085C9AB24}">
-                    <p16:designElem xmlns:p16="http://schemas.microsoft.com/office/powerpoint/2015/main" val="1"/>
+                    <p16:designElem xmlns:p16="http://schemas.microsoft.com/office/powerpoint/2015/main" xmlns="" val="1"/>
                   </p:ext>
                 </p:extLst>
               </p:nvPr>
@@ -21565,10 +24315,10 @@
               <p:cNvPr id="194" name="Freeform 27">
                 <a:extLst>
                   <a:ext uri="{FF2B5EF4-FFF2-40B4-BE49-F238E27FC236}">
-                    <a16:creationId xmlns:a16="http://schemas.microsoft.com/office/drawing/2014/main" id="{E7727744-4F0E-4AA2-97BC-0C44AB354A35}"/>
+                    <a16:creationId xmlns:a16="http://schemas.microsoft.com/office/drawing/2014/main" xmlns="" id="{E7727744-4F0E-4AA2-97BC-0C44AB354A35}"/>
                   </a:ext>
                   <a:ext uri="{C183D7F6-B498-43B3-948B-1728B52AA6E4}">
-                    <adec:decorative xmlns:adec="http://schemas.microsoft.com/office/drawing/2017/decorative" val="1"/>
+                    <adec:decorative xmlns:adec="http://schemas.microsoft.com/office/drawing/2017/decorative" xmlns="" val="1"/>
                   </a:ext>
                 </a:extLst>
               </p:cNvPr>
@@ -21576,7 +24326,7 @@
               <p:nvPr>
                 <p:extLst>
                   <p:ext uri="{386F3935-93C4-4BCD-93E2-E3B085C9AB24}">
-                    <p16:designElem xmlns:p16="http://schemas.microsoft.com/office/powerpoint/2015/main" val="1"/>
+                    <p16:designElem xmlns:p16="http://schemas.microsoft.com/office/powerpoint/2015/main" xmlns="" val="1"/>
                   </p:ext>
                 </p:extLst>
               </p:nvPr>
@@ -21642,10 +24392,10 @@
               <p:cNvPr id="195" name="Freeform 28">
                 <a:extLst>
                   <a:ext uri="{FF2B5EF4-FFF2-40B4-BE49-F238E27FC236}">
-                    <a16:creationId xmlns:a16="http://schemas.microsoft.com/office/drawing/2014/main" id="{4575AD90-731F-4996-AA04-86E5EC8CBE01}"/>
+                    <a16:creationId xmlns:a16="http://schemas.microsoft.com/office/drawing/2014/main" xmlns="" id="{4575AD90-731F-4996-AA04-86E5EC8CBE01}"/>
                   </a:ext>
                   <a:ext uri="{C183D7F6-B498-43B3-948B-1728B52AA6E4}">
-                    <adec:decorative xmlns:adec="http://schemas.microsoft.com/office/drawing/2017/decorative" val="1"/>
+                    <adec:decorative xmlns:adec="http://schemas.microsoft.com/office/drawing/2017/decorative" xmlns="" val="1"/>
                   </a:ext>
                 </a:extLst>
               </p:cNvPr>
@@ -21655,7 +24405,7 @@
               <p:nvPr>
                 <p:extLst>
                   <p:ext uri="{386F3935-93C4-4BCD-93E2-E3B085C9AB24}">
-                    <p16:designElem xmlns:p16="http://schemas.microsoft.com/office/powerpoint/2015/main" val="1"/>
+                    <p16:designElem xmlns:p16="http://schemas.microsoft.com/office/powerpoint/2015/main" xmlns="" val="1"/>
                   </p:ext>
                 </p:extLst>
               </p:nvPr>
@@ -21747,10 +24497,10 @@
               <p:cNvPr id="196" name="Freeform 29">
                 <a:extLst>
                   <a:ext uri="{FF2B5EF4-FFF2-40B4-BE49-F238E27FC236}">
-                    <a16:creationId xmlns:a16="http://schemas.microsoft.com/office/drawing/2014/main" id="{231A78D3-96D9-4A22-BC29-8274B016C0C2}"/>
+                    <a16:creationId xmlns:a16="http://schemas.microsoft.com/office/drawing/2014/main" xmlns="" id="{231A78D3-96D9-4A22-BC29-8274B016C0C2}"/>
                   </a:ext>
                   <a:ext uri="{C183D7F6-B498-43B3-948B-1728B52AA6E4}">
-                    <adec:decorative xmlns:adec="http://schemas.microsoft.com/office/drawing/2017/decorative" val="1"/>
+                    <adec:decorative xmlns:adec="http://schemas.microsoft.com/office/drawing/2017/decorative" xmlns="" val="1"/>
                   </a:ext>
                 </a:extLst>
               </p:cNvPr>
@@ -21760,7 +24510,7 @@
               <p:nvPr>
                 <p:extLst>
                   <p:ext uri="{386F3935-93C4-4BCD-93E2-E3B085C9AB24}">
-                    <p16:designElem xmlns:p16="http://schemas.microsoft.com/office/powerpoint/2015/main" val="1"/>
+                    <p16:designElem xmlns:p16="http://schemas.microsoft.com/office/powerpoint/2015/main" xmlns="" val="1"/>
                   </p:ext>
                 </p:extLst>
               </p:nvPr>
@@ -21852,10 +24602,10 @@
               <p:cNvPr id="197" name="Freeform 30">
                 <a:extLst>
                   <a:ext uri="{FF2B5EF4-FFF2-40B4-BE49-F238E27FC236}">
-                    <a16:creationId xmlns:a16="http://schemas.microsoft.com/office/drawing/2014/main" id="{DFF31CA2-144E-493E-A135-83B83452ABC7}"/>
+                    <a16:creationId xmlns:a16="http://schemas.microsoft.com/office/drawing/2014/main" xmlns="" id="{DFF31CA2-144E-493E-A135-83B83452ABC7}"/>
                   </a:ext>
                   <a:ext uri="{C183D7F6-B498-43B3-948B-1728B52AA6E4}">
-                    <adec:decorative xmlns:adec="http://schemas.microsoft.com/office/drawing/2017/decorative" val="1"/>
+                    <adec:decorative xmlns:adec="http://schemas.microsoft.com/office/drawing/2017/decorative" xmlns="" val="1"/>
                   </a:ext>
                 </a:extLst>
               </p:cNvPr>
@@ -21863,7 +24613,7 @@
               <p:nvPr>
                 <p:extLst>
                   <p:ext uri="{386F3935-93C4-4BCD-93E2-E3B085C9AB24}">
-                    <p16:designElem xmlns:p16="http://schemas.microsoft.com/office/powerpoint/2015/main" val="1"/>
+                    <p16:designElem xmlns:p16="http://schemas.microsoft.com/office/powerpoint/2015/main" xmlns="" val="1"/>
                   </p:ext>
                 </p:extLst>
               </p:nvPr>
@@ -21932,10 +24682,10 @@
               <p:cNvPr id="198" name="Freeform 31">
                 <a:extLst>
                   <a:ext uri="{FF2B5EF4-FFF2-40B4-BE49-F238E27FC236}">
-                    <a16:creationId xmlns:a16="http://schemas.microsoft.com/office/drawing/2014/main" id="{C1ED7F8F-8F7D-4634-8EF1-3DC871518A42}"/>
+                    <a16:creationId xmlns:a16="http://schemas.microsoft.com/office/drawing/2014/main" xmlns="" id="{C1ED7F8F-8F7D-4634-8EF1-3DC871518A42}"/>
                   </a:ext>
                   <a:ext uri="{C183D7F6-B498-43B3-948B-1728B52AA6E4}">
-                    <adec:decorative xmlns:adec="http://schemas.microsoft.com/office/drawing/2017/decorative" val="1"/>
+                    <adec:decorative xmlns:adec="http://schemas.microsoft.com/office/drawing/2017/decorative" xmlns="" val="1"/>
                   </a:ext>
                 </a:extLst>
               </p:cNvPr>
@@ -21945,7 +24695,7 @@
               <p:nvPr>
                 <p:extLst>
                   <p:ext uri="{386F3935-93C4-4BCD-93E2-E3B085C9AB24}">
-                    <p16:designElem xmlns:p16="http://schemas.microsoft.com/office/powerpoint/2015/main" val="1"/>
+                    <p16:designElem xmlns:p16="http://schemas.microsoft.com/office/powerpoint/2015/main" xmlns="" val="1"/>
                   </p:ext>
                 </p:extLst>
               </p:nvPr>
@@ -22068,10 +24818,10 @@
             <p:cNvPr id="161" name="Group 160">
               <a:extLst>
                 <a:ext uri="{FF2B5EF4-FFF2-40B4-BE49-F238E27FC236}">
-                  <a16:creationId xmlns:a16="http://schemas.microsoft.com/office/drawing/2014/main" id="{C51DBAB3-1986-470D-B778-24F7953C79C0}"/>
+                  <a16:creationId xmlns:a16="http://schemas.microsoft.com/office/drawing/2014/main" xmlns="" id="{C51DBAB3-1986-470D-B778-24F7953C79C0}"/>
                 </a:ext>
                 <a:ext uri="{C183D7F6-B498-43B3-948B-1728B52AA6E4}">
-                  <adec:decorative xmlns:adec="http://schemas.microsoft.com/office/drawing/2017/decorative" val="1"/>
+                  <adec:decorative xmlns:adec="http://schemas.microsoft.com/office/drawing/2017/decorative" xmlns="" val="1"/>
                 </a:ext>
               </a:extLst>
             </p:cNvPr>
@@ -22079,7 +24829,7 @@
             <p:nvPr>
               <p:extLst>
                 <p:ext uri="{386F3935-93C4-4BCD-93E2-E3B085C9AB24}">
-                  <p16:designElem xmlns:p16="http://schemas.microsoft.com/office/powerpoint/2015/main" val="1"/>
+                  <p16:designElem xmlns:p16="http://schemas.microsoft.com/office/powerpoint/2015/main" xmlns="" val="1"/>
                 </p:ext>
               </p:extLst>
             </p:nvPr>
@@ -22115,10 +24865,10 @@
               <p:cNvPr id="162" name="Freeform 32">
                 <a:extLst>
                   <a:ext uri="{FF2B5EF4-FFF2-40B4-BE49-F238E27FC236}">
-                    <a16:creationId xmlns:a16="http://schemas.microsoft.com/office/drawing/2014/main" id="{921E27E2-FB87-421E-898F-0AD31CBC4931}"/>
+                    <a16:creationId xmlns:a16="http://schemas.microsoft.com/office/drawing/2014/main" xmlns="" id="{921E27E2-FB87-421E-898F-0AD31CBC4931}"/>
                   </a:ext>
                   <a:ext uri="{C183D7F6-B498-43B3-948B-1728B52AA6E4}">
-                    <adec:decorative xmlns:adec="http://schemas.microsoft.com/office/drawing/2017/decorative" val="1"/>
+                    <adec:decorative xmlns:adec="http://schemas.microsoft.com/office/drawing/2017/decorative" xmlns="" val="1"/>
                   </a:ext>
                 </a:extLst>
               </p:cNvPr>
@@ -22126,7 +24876,7 @@
               <p:nvPr>
                 <p:extLst>
                   <p:ext uri="{386F3935-93C4-4BCD-93E2-E3B085C9AB24}">
-                    <p16:designElem xmlns:p16="http://schemas.microsoft.com/office/powerpoint/2015/main" val="1"/>
+                    <p16:designElem xmlns:p16="http://schemas.microsoft.com/office/powerpoint/2015/main" xmlns="" val="1"/>
                   </p:ext>
                 </p:extLst>
               </p:nvPr>
@@ -22195,10 +24945,10 @@
               <p:cNvPr id="163" name="Freeform 33">
                 <a:extLst>
                   <a:ext uri="{FF2B5EF4-FFF2-40B4-BE49-F238E27FC236}">
-                    <a16:creationId xmlns:a16="http://schemas.microsoft.com/office/drawing/2014/main" id="{C9479707-E515-4B3C-9493-72190DDB2E65}"/>
+                    <a16:creationId xmlns:a16="http://schemas.microsoft.com/office/drawing/2014/main" xmlns="" id="{C9479707-E515-4B3C-9493-72190DDB2E65}"/>
                   </a:ext>
                   <a:ext uri="{C183D7F6-B498-43B3-948B-1728B52AA6E4}">
-                    <adec:decorative xmlns:adec="http://schemas.microsoft.com/office/drawing/2017/decorative" val="1"/>
+                    <adec:decorative xmlns:adec="http://schemas.microsoft.com/office/drawing/2017/decorative" xmlns="" val="1"/>
                   </a:ext>
                 </a:extLst>
               </p:cNvPr>
@@ -22208,7 +24958,7 @@
               <p:nvPr>
                 <p:extLst>
                   <p:ext uri="{386F3935-93C4-4BCD-93E2-E3B085C9AB24}">
-                    <p16:designElem xmlns:p16="http://schemas.microsoft.com/office/powerpoint/2015/main" val="1"/>
+                    <p16:designElem xmlns:p16="http://schemas.microsoft.com/office/powerpoint/2015/main" xmlns="" val="1"/>
                   </p:ext>
                 </p:extLst>
               </p:nvPr>
@@ -22325,10 +25075,10 @@
               <p:cNvPr id="164" name="Freeform 34">
                 <a:extLst>
                   <a:ext uri="{FF2B5EF4-FFF2-40B4-BE49-F238E27FC236}">
-                    <a16:creationId xmlns:a16="http://schemas.microsoft.com/office/drawing/2014/main" id="{9FF90DFA-7702-4558-8B3D-756D81D85A01}"/>
+                    <a16:creationId xmlns:a16="http://schemas.microsoft.com/office/drawing/2014/main" xmlns="" id="{9FF90DFA-7702-4558-8B3D-756D81D85A01}"/>
                   </a:ext>
                   <a:ext uri="{C183D7F6-B498-43B3-948B-1728B52AA6E4}">
-                    <adec:decorative xmlns:adec="http://schemas.microsoft.com/office/drawing/2017/decorative" val="1"/>
+                    <adec:decorative xmlns:adec="http://schemas.microsoft.com/office/drawing/2017/decorative" xmlns="" val="1"/>
                   </a:ext>
                 </a:extLst>
               </p:cNvPr>
@@ -22338,7 +25088,7 @@
               <p:nvPr>
                 <p:extLst>
                   <p:ext uri="{386F3935-93C4-4BCD-93E2-E3B085C9AB24}">
-                    <p16:designElem xmlns:p16="http://schemas.microsoft.com/office/powerpoint/2015/main" val="1"/>
+                    <p16:designElem xmlns:p16="http://schemas.microsoft.com/office/powerpoint/2015/main" xmlns="" val="1"/>
                   </p:ext>
                 </p:extLst>
               </p:nvPr>
@@ -22430,10 +25180,10 @@
               <p:cNvPr id="165" name="Freeform 35">
                 <a:extLst>
                   <a:ext uri="{FF2B5EF4-FFF2-40B4-BE49-F238E27FC236}">
-                    <a16:creationId xmlns:a16="http://schemas.microsoft.com/office/drawing/2014/main" id="{558A4777-3BE1-4000-9CB4-73048552F58F}"/>
+                    <a16:creationId xmlns:a16="http://schemas.microsoft.com/office/drawing/2014/main" xmlns="" id="{558A4777-3BE1-4000-9CB4-73048552F58F}"/>
                   </a:ext>
                   <a:ext uri="{C183D7F6-B498-43B3-948B-1728B52AA6E4}">
-                    <adec:decorative xmlns:adec="http://schemas.microsoft.com/office/drawing/2017/decorative" val="1"/>
+                    <adec:decorative xmlns:adec="http://schemas.microsoft.com/office/drawing/2017/decorative" xmlns="" val="1"/>
                   </a:ext>
                 </a:extLst>
               </p:cNvPr>
@@ -22441,7 +25191,7 @@
               <p:nvPr>
                 <p:extLst>
                   <p:ext uri="{386F3935-93C4-4BCD-93E2-E3B085C9AB24}">
-                    <p16:designElem xmlns:p16="http://schemas.microsoft.com/office/powerpoint/2015/main" val="1"/>
+                    <p16:designElem xmlns:p16="http://schemas.microsoft.com/office/powerpoint/2015/main" xmlns="" val="1"/>
                   </p:ext>
                 </p:extLst>
               </p:nvPr>
@@ -22510,10 +25260,10 @@
               <p:cNvPr id="166" name="Freeform 36">
                 <a:extLst>
                   <a:ext uri="{FF2B5EF4-FFF2-40B4-BE49-F238E27FC236}">
-                    <a16:creationId xmlns:a16="http://schemas.microsoft.com/office/drawing/2014/main" id="{2A041A71-3C90-472C-AC37-21EFE0786D2B}"/>
+                    <a16:creationId xmlns:a16="http://schemas.microsoft.com/office/drawing/2014/main" xmlns="" id="{2A041A71-3C90-472C-AC37-21EFE0786D2B}"/>
                   </a:ext>
                   <a:ext uri="{C183D7F6-B498-43B3-948B-1728B52AA6E4}">
-                    <adec:decorative xmlns:adec="http://schemas.microsoft.com/office/drawing/2017/decorative" val="1"/>
+                    <adec:decorative xmlns:adec="http://schemas.microsoft.com/office/drawing/2017/decorative" xmlns="" val="1"/>
                   </a:ext>
                 </a:extLst>
               </p:cNvPr>
@@ -22523,7 +25273,7 @@
               <p:nvPr>
                 <p:extLst>
                   <p:ext uri="{386F3935-93C4-4BCD-93E2-E3B085C9AB24}">
-                    <p16:designElem xmlns:p16="http://schemas.microsoft.com/office/powerpoint/2015/main" val="1"/>
+                    <p16:designElem xmlns:p16="http://schemas.microsoft.com/office/powerpoint/2015/main" xmlns="" val="1"/>
                   </p:ext>
                 </p:extLst>
               </p:nvPr>
@@ -22615,10 +25365,10 @@
               <p:cNvPr id="167" name="Freeform 37">
                 <a:extLst>
                   <a:ext uri="{FF2B5EF4-FFF2-40B4-BE49-F238E27FC236}">
-                    <a16:creationId xmlns:a16="http://schemas.microsoft.com/office/drawing/2014/main" id="{8FC1DCF1-A0C3-4803-9B5B-29A6C245A4EC}"/>
+                    <a16:creationId xmlns:a16="http://schemas.microsoft.com/office/drawing/2014/main" xmlns="" id="{8FC1DCF1-A0C3-4803-9B5B-29A6C245A4EC}"/>
                   </a:ext>
                   <a:ext uri="{C183D7F6-B498-43B3-948B-1728B52AA6E4}">
-                    <adec:decorative xmlns:adec="http://schemas.microsoft.com/office/drawing/2017/decorative" val="1"/>
+                    <adec:decorative xmlns:adec="http://schemas.microsoft.com/office/drawing/2017/decorative" xmlns="" val="1"/>
                   </a:ext>
                 </a:extLst>
               </p:cNvPr>
@@ -22626,7 +25376,7 @@
               <p:nvPr>
                 <p:extLst>
                   <p:ext uri="{386F3935-93C4-4BCD-93E2-E3B085C9AB24}">
-                    <p16:designElem xmlns:p16="http://schemas.microsoft.com/office/powerpoint/2015/main" val="1"/>
+                    <p16:designElem xmlns:p16="http://schemas.microsoft.com/office/powerpoint/2015/main" xmlns="" val="1"/>
                   </p:ext>
                 </p:extLst>
               </p:nvPr>
@@ -22698,10 +25448,10 @@
               <p:cNvPr id="168" name="Freeform 38">
                 <a:extLst>
                   <a:ext uri="{FF2B5EF4-FFF2-40B4-BE49-F238E27FC236}">
-                    <a16:creationId xmlns:a16="http://schemas.microsoft.com/office/drawing/2014/main" id="{71612D3E-4DBC-49B9-86B5-FCD82B1B1E12}"/>
+                    <a16:creationId xmlns:a16="http://schemas.microsoft.com/office/drawing/2014/main" xmlns="" id="{71612D3E-4DBC-49B9-86B5-FCD82B1B1E12}"/>
                   </a:ext>
                   <a:ext uri="{C183D7F6-B498-43B3-948B-1728B52AA6E4}">
-                    <adec:decorative xmlns:adec="http://schemas.microsoft.com/office/drawing/2017/decorative" val="1"/>
+                    <adec:decorative xmlns:adec="http://schemas.microsoft.com/office/drawing/2017/decorative" xmlns="" val="1"/>
                   </a:ext>
                 </a:extLst>
               </p:cNvPr>
@@ -22711,7 +25461,7 @@
               <p:nvPr>
                 <p:extLst>
                   <p:ext uri="{386F3935-93C4-4BCD-93E2-E3B085C9AB24}">
-                    <p16:designElem xmlns:p16="http://schemas.microsoft.com/office/powerpoint/2015/main" val="1"/>
+                    <p16:designElem xmlns:p16="http://schemas.microsoft.com/office/powerpoint/2015/main" xmlns="" val="1"/>
                   </p:ext>
                 </p:extLst>
               </p:nvPr>
@@ -22803,10 +25553,10 @@
               <p:cNvPr id="169" name="Freeform 39">
                 <a:extLst>
                   <a:ext uri="{FF2B5EF4-FFF2-40B4-BE49-F238E27FC236}">
-                    <a16:creationId xmlns:a16="http://schemas.microsoft.com/office/drawing/2014/main" id="{CB1CF104-08B0-46F6-ABBF-649AC5A702DD}"/>
+                    <a16:creationId xmlns:a16="http://schemas.microsoft.com/office/drawing/2014/main" xmlns="" id="{CB1CF104-08B0-46F6-ABBF-649AC5A702DD}"/>
                   </a:ext>
                   <a:ext uri="{C183D7F6-B498-43B3-948B-1728B52AA6E4}">
-                    <adec:decorative xmlns:adec="http://schemas.microsoft.com/office/drawing/2017/decorative" val="1"/>
+                    <adec:decorative xmlns:adec="http://schemas.microsoft.com/office/drawing/2017/decorative" xmlns="" val="1"/>
                   </a:ext>
                 </a:extLst>
               </p:cNvPr>
@@ -22814,7 +25564,7 @@
               <p:nvPr>
                 <p:extLst>
                   <p:ext uri="{386F3935-93C4-4BCD-93E2-E3B085C9AB24}">
-                    <p16:designElem xmlns:p16="http://schemas.microsoft.com/office/powerpoint/2015/main" val="1"/>
+                    <p16:designElem xmlns:p16="http://schemas.microsoft.com/office/powerpoint/2015/main" xmlns="" val="1"/>
                   </p:ext>
                 </p:extLst>
               </p:nvPr>
@@ -22886,10 +25636,10 @@
               <p:cNvPr id="170" name="Freeform 40">
                 <a:extLst>
                   <a:ext uri="{FF2B5EF4-FFF2-40B4-BE49-F238E27FC236}">
-                    <a16:creationId xmlns:a16="http://schemas.microsoft.com/office/drawing/2014/main" id="{FCE7D9F8-F405-4677-A45F-EDBB7F168560}"/>
+                    <a16:creationId xmlns:a16="http://schemas.microsoft.com/office/drawing/2014/main" xmlns="" id="{FCE7D9F8-F405-4677-A45F-EDBB7F168560}"/>
                   </a:ext>
                   <a:ext uri="{C183D7F6-B498-43B3-948B-1728B52AA6E4}">
-                    <adec:decorative xmlns:adec="http://schemas.microsoft.com/office/drawing/2017/decorative" val="1"/>
+                    <adec:decorative xmlns:adec="http://schemas.microsoft.com/office/drawing/2017/decorative" xmlns="" val="1"/>
                   </a:ext>
                 </a:extLst>
               </p:cNvPr>
@@ -22899,7 +25649,7 @@
               <p:nvPr>
                 <p:extLst>
                   <p:ext uri="{386F3935-93C4-4BCD-93E2-E3B085C9AB24}">
-                    <p16:designElem xmlns:p16="http://schemas.microsoft.com/office/powerpoint/2015/main" val="1"/>
+                    <p16:designElem xmlns:p16="http://schemas.microsoft.com/office/powerpoint/2015/main" xmlns="" val="1"/>
                   </p:ext>
                 </p:extLst>
               </p:nvPr>
@@ -22991,10 +25741,10 @@
               <p:cNvPr id="171" name="Rectangle 41">
                 <a:extLst>
                   <a:ext uri="{FF2B5EF4-FFF2-40B4-BE49-F238E27FC236}">
-                    <a16:creationId xmlns:a16="http://schemas.microsoft.com/office/drawing/2014/main" id="{7347872F-3F7B-4ADF-BC95-429727E82D1E}"/>
+                    <a16:creationId xmlns:a16="http://schemas.microsoft.com/office/drawing/2014/main" xmlns="" id="{7347872F-3F7B-4ADF-BC95-429727E82D1E}"/>
                   </a:ext>
                   <a:ext uri="{C183D7F6-B498-43B3-948B-1728B52AA6E4}">
-                    <adec:decorative xmlns:adec="http://schemas.microsoft.com/office/drawing/2017/decorative" val="1"/>
+                    <adec:decorative xmlns:adec="http://schemas.microsoft.com/office/drawing/2017/decorative" xmlns="" val="1"/>
                   </a:ext>
                 </a:extLst>
               </p:cNvPr>
@@ -23004,7 +25754,7 @@
               <p:nvPr>
                 <p:extLst>
                   <p:ext uri="{386F3935-93C4-4BCD-93E2-E3B085C9AB24}">
-                    <p16:designElem xmlns:p16="http://schemas.microsoft.com/office/powerpoint/2015/main" val="1"/>
+                    <p16:designElem xmlns:p16="http://schemas.microsoft.com/office/powerpoint/2015/main" xmlns="" val="1"/>
                   </p:ext>
                 </p:extLst>
               </p:nvPr>
@@ -23042,7 +25792,7 @@
           <p:cNvPr id="13" name="Рисунок 12" descr="Изображение выглядит как мультфильм, снимок экрана, пиксель&#10;&#10;Содержимое, созданное ИИ, может быть неверным.">
             <a:extLst>
               <a:ext uri="{FF2B5EF4-FFF2-40B4-BE49-F238E27FC236}">
-                <a16:creationId xmlns:a16="http://schemas.microsoft.com/office/drawing/2014/main" id="{2FB38E68-214C-BFF5-86A8-88A58F761851}"/>
+                <a16:creationId xmlns:a16="http://schemas.microsoft.com/office/drawing/2014/main" xmlns="" id="{2FB38E68-214C-BFF5-86A8-88A58F761851}"/>
               </a:ext>
             </a:extLst>
           </p:cNvPr>
@@ -23117,7 +25867,7 @@
           <p:cNvPr id="47" name="Текст 3">
             <a:extLst>
               <a:ext uri="{FF2B5EF4-FFF2-40B4-BE49-F238E27FC236}">
-                <a16:creationId xmlns:a16="http://schemas.microsoft.com/office/drawing/2014/main" id="{E5EE694F-3AC9-88C5-4C84-87A342C254CD}"/>
+                <a16:creationId xmlns:a16="http://schemas.microsoft.com/office/drawing/2014/main" xmlns="" id="{E5EE694F-3AC9-88C5-4C84-87A342C254CD}"/>
               </a:ext>
             </a:extLst>
           </p:cNvPr>
@@ -23419,7 +26169,7 @@
           <p:cNvPr id="48" name="Рисунок 47" descr="Изображение выглядит как текст, снимок экрана, Шрифт&#10;&#10;Содержимое, созданное ИИ, может быть неверным.">
             <a:extLst>
               <a:ext uri="{FF2B5EF4-FFF2-40B4-BE49-F238E27FC236}">
-                <a16:creationId xmlns:a16="http://schemas.microsoft.com/office/drawing/2014/main" id="{B1FBAE66-FFF7-8173-B7C9-52F98A30EB6A}"/>
+                <a16:creationId xmlns:a16="http://schemas.microsoft.com/office/drawing/2014/main" xmlns="" id="{B1FBAE66-FFF7-8173-B7C9-52F98A30EB6A}"/>
               </a:ext>
             </a:extLst>
           </p:cNvPr>
@@ -23491,7 +26241,7 @@
           <p:cNvPr id="49" name="Рисунок 48">
             <a:extLst>
               <a:ext uri="{FF2B5EF4-FFF2-40B4-BE49-F238E27FC236}">
-                <a16:creationId xmlns:a16="http://schemas.microsoft.com/office/drawing/2014/main" id="{B1FBAE66-FFF7-8173-B7C9-52F98A30EB6A}"/>
+                <a16:creationId xmlns:a16="http://schemas.microsoft.com/office/drawing/2014/main" xmlns="" id="{B1FBAE66-FFF7-8173-B7C9-52F98A30EB6A}"/>
               </a:ext>
             </a:extLst>
           </p:cNvPr>
@@ -23570,7 +26320,7 @@
           <p:cNvPr id="2" name="TextBox 1">
             <a:extLst>
               <a:ext uri="{FF2B5EF4-FFF2-40B4-BE49-F238E27FC236}">
-                <a16:creationId xmlns:a16="http://schemas.microsoft.com/office/drawing/2014/main" id="{8F94590B-5434-C2CA-08B3-9B85BEB5B2FC}"/>
+                <a16:creationId xmlns:a16="http://schemas.microsoft.com/office/drawing/2014/main" xmlns="" id="{8F94590B-5434-C2CA-08B3-9B85BEB5B2FC}"/>
               </a:ext>
             </a:extLst>
           </p:cNvPr>
@@ -23623,7 +26373,7 @@
 </p:sld>
 </file>
 
-<file path=ppt/slides/slide3.xml><?xml version="1.0" encoding="utf-8"?>
+<file path=ppt/slides/slide4.xml><?xml version="1.0" encoding="utf-8"?>
 <p:sld xmlns:a="http://schemas.openxmlformats.org/drawingml/2006/main" xmlns:r="http://schemas.openxmlformats.org/officeDocument/2006/relationships" xmlns:p="http://schemas.openxmlformats.org/presentationml/2006/main">
   <p:cSld>
     <p:spTree>
@@ -23645,7 +26395,7 @@
           <p:cNvPr id="5" name="Рисунок 4" descr="Picture background">
             <a:extLst>
               <a:ext uri="{FF2B5EF4-FFF2-40B4-BE49-F238E27FC236}">
-                <a16:creationId xmlns:a16="http://schemas.microsoft.com/office/drawing/2014/main" id="{821B28F6-F9CF-C210-45FD-D2754FC69E56}"/>
+                <a16:creationId xmlns:a16="http://schemas.microsoft.com/office/drawing/2014/main" xmlns="" id="{821B28F6-F9CF-C210-45FD-D2754FC69E56}"/>
               </a:ext>
             </a:extLst>
           </p:cNvPr>
@@ -23668,7 +26418,7 @@
           <p:cNvPr id="4" name="Текст 3">
             <a:extLst>
               <a:ext uri="{FF2B5EF4-FFF2-40B4-BE49-F238E27FC236}">
-                <a16:creationId xmlns:a16="http://schemas.microsoft.com/office/drawing/2014/main" id="{E5EE694F-3AC9-88C5-4C84-87A342C254CD}"/>
+                <a16:creationId xmlns:a16="http://schemas.microsoft.com/office/drawing/2014/main" xmlns="" id="{E5EE694F-3AC9-88C5-4C84-87A342C254CD}"/>
               </a:ext>
             </a:extLst>
           </p:cNvPr>
@@ -23714,7 +26464,7 @@
           <p:cNvPr id="6" name="TextBox 5">
             <a:extLst>
               <a:ext uri="{FF2B5EF4-FFF2-40B4-BE49-F238E27FC236}">
-                <a16:creationId xmlns:a16="http://schemas.microsoft.com/office/drawing/2014/main" id="{DAB3FAF5-CA70-5EB4-8A28-167718F169FD}"/>
+                <a16:creationId xmlns:a16="http://schemas.microsoft.com/office/drawing/2014/main" xmlns="" id="{DAB3FAF5-CA70-5EB4-8A28-167718F169FD}"/>
               </a:ext>
             </a:extLst>
           </p:cNvPr>
@@ -24195,7 +26945,7 @@
           <p:cNvPr id="7" name="TextBox 6">
             <a:extLst>
               <a:ext uri="{FF2B5EF4-FFF2-40B4-BE49-F238E27FC236}">
-                <a16:creationId xmlns:a16="http://schemas.microsoft.com/office/drawing/2014/main" id="{E03DC338-5BB7-B350-1CCC-0652FDEB7874}"/>
+                <a16:creationId xmlns:a16="http://schemas.microsoft.com/office/drawing/2014/main" xmlns="" id="{E03DC338-5BB7-B350-1CCC-0652FDEB7874}"/>
               </a:ext>
             </a:extLst>
           </p:cNvPr>
@@ -24253,7 +27003,7 @@
 </p:sld>
 </file>
 
-<file path=ppt/slides/slide4.xml><?xml version="1.0" encoding="utf-8"?>
+<file path=ppt/slides/slide5.xml><?xml version="1.0" encoding="utf-8"?>
 <p:sld xmlns:a="http://schemas.openxmlformats.org/drawingml/2006/main" xmlns:r="http://schemas.openxmlformats.org/officeDocument/2006/relationships" xmlns:p="http://schemas.openxmlformats.org/presentationml/2006/main">
   <p:cSld>
     <p:spTree>
@@ -24275,7 +27025,7 @@
           <p:cNvPr id="4" name="Текст 3">
             <a:extLst>
               <a:ext uri="{FF2B5EF4-FFF2-40B4-BE49-F238E27FC236}">
-                <a16:creationId xmlns:a16="http://schemas.microsoft.com/office/drawing/2014/main" id="{D790B285-40E6-FBD1-E6E0-C60CB7C95EF7}"/>
+                <a16:creationId xmlns:a16="http://schemas.microsoft.com/office/drawing/2014/main" xmlns="" id="{D790B285-40E6-FBD1-E6E0-C60CB7C95EF7}"/>
               </a:ext>
             </a:extLst>
           </p:cNvPr>
@@ -24303,7 +27053,7 @@
               <a:buChar char="•"/>
             </a:pPr>
             <a:r>
-              <a:rPr lang="ru-RU" sz="2400">
+              <a:rPr lang="ru-RU" sz="2400" dirty="0">
                 <a:solidFill>
                   <a:srgbClr val="212529"/>
                 </a:solidFill>
@@ -24311,16 +27061,30 @@
                 <a:ea typeface="Calibri"/>
                 <a:cs typeface="Times New Roman"/>
               </a:rPr>
-              <a:t>Проект разработан на языке программирования Python 3 с использованием следующих библиотек:</a:t>
+              <a:t>Проект разработан на языке программирования </a:t>
             </a:r>
-            <a:endParaRPr lang="ru-RU" sz="2400" dirty="0">
-              <a:solidFill>
-                <a:srgbClr val="212529"/>
-              </a:solidFill>
-              <a:latin typeface="Times New Roman"/>
-              <a:ea typeface="Calibri"/>
-              <a:cs typeface="Times New Roman"/>
-            </a:endParaRPr>
+            <a:r>
+              <a:rPr lang="ru-RU" sz="2400" dirty="0" err="1">
+                <a:solidFill>
+                  <a:srgbClr val="212529"/>
+                </a:solidFill>
+                <a:latin typeface="Times New Roman"/>
+                <a:ea typeface="Calibri"/>
+                <a:cs typeface="Times New Roman"/>
+              </a:rPr>
+              <a:t>Python</a:t>
+            </a:r>
+            <a:r>
+              <a:rPr lang="ru-RU" sz="2400" dirty="0">
+                <a:solidFill>
+                  <a:srgbClr val="212529"/>
+                </a:solidFill>
+                <a:latin typeface="Times New Roman"/>
+                <a:ea typeface="Calibri"/>
+                <a:cs typeface="Times New Roman"/>
+              </a:rPr>
+              <a:t> 3 с использованием следующих библиотек:</a:t>
+            </a:r>
           </a:p>
           <a:p>
             <a:pPr algn="just">
@@ -24328,7 +27092,7 @@
               <a:buChar char="•"/>
             </a:pPr>
             <a:r>
-              <a:rPr lang="ru-RU" sz="2400" b="1" err="1">
+              <a:rPr lang="ru-RU" sz="2400" b="1" dirty="0" err="1">
                 <a:solidFill>
                   <a:srgbClr val="212529"/>
                 </a:solidFill>
@@ -24350,7 +27114,7 @@
               <a:t>-</a:t>
             </a:r>
             <a:r>
-              <a:rPr lang="en-US" sz="2400" b="1" err="1">
+              <a:rPr lang="en-US" sz="2400" b="1" dirty="0" err="1">
                 <a:solidFill>
                   <a:srgbClr val="212529"/>
                 </a:solidFill>
@@ -24433,7 +27197,7 @@
               <a:buChar char="•"/>
             </a:pPr>
             <a:r>
-              <a:rPr lang="ru-RU" sz="2400" b="1" err="1">
+              <a:rPr lang="ru-RU" sz="2400" b="1" dirty="0" err="1">
                 <a:solidFill>
                   <a:srgbClr val="212529"/>
                 </a:solidFill>
@@ -24745,7 +27509,7 @@
   <a:extraClrSchemeLst/>
   <a:extLst>
     <a:ext uri="{05A4C25C-085E-4340-85A3-A5531E510DB2}">
-      <thm15:themeFamily xmlns:thm15="http://schemas.microsoft.com/office/thememl/2012/main" name="Circuit" id="{0AC2F7E7-15F5-431C-B2A2-456FE929F56C}" vid="{0911B802-464C-4241-8DD9-B60FF88E379F}"/>
+      <thm15:themeFamily xmlns:thm15="http://schemas.microsoft.com/office/thememl/2012/main" xmlns="" name="Circuit" id="{0AC2F7E7-15F5-431C-B2A2-456FE929F56C}" vid="{0911B802-464C-4241-8DD9-B60FF88E379F}"/>
     </a:ext>
   </a:extLst>
 </a:theme>
@@ -25040,7 +27804,7 @@
   <a:extraClrSchemeLst/>
   <a:extLst>
     <a:ext uri="{05A4C25C-085E-4340-85A3-A5531E510DB2}">
-      <thm15:themeFamily xmlns:thm15="http://schemas.microsoft.com/office/thememl/2012/main" name="Office Theme" id="{62F939B6-93AF-4DB8-9C6B-D6C7DFDC589F}" vid="{4A3C46E8-61CC-4603-A589-7422A47A8E4A}"/>
+      <thm15:themeFamily xmlns:thm15="http://schemas.microsoft.com/office/thememl/2012/main" xmlns="" name="Office Theme" id="{62F939B6-93AF-4DB8-9C6B-D6C7DFDC589F}" vid="{4A3C46E8-61CC-4603-A589-7422A47A8E4A}"/>
     </a:ext>
   </a:extLst>
 </a:theme>
@@ -25335,7 +28099,7 @@
   <a:extraClrSchemeLst/>
   <a:extLst>
     <a:ext uri="{05A4C25C-085E-4340-85A3-A5531E510DB2}">
-      <thm15:themeFamily xmlns:thm15="http://schemas.microsoft.com/office/thememl/2012/main" name="Office Theme" id="{62F939B6-93AF-4DB8-9C6B-D6C7DFDC589F}" vid="{4A3C46E8-61CC-4603-A589-7422A47A8E4A}"/>
+      <thm15:themeFamily xmlns:thm15="http://schemas.microsoft.com/office/thememl/2012/main" xmlns="" name="Office Theme" id="{62F939B6-93AF-4DB8-9C6B-D6C7DFDC589F}" vid="{4A3C46E8-61CC-4603-A589-7422A47A8E4A}"/>
     </a:ext>
   </a:extLst>
 </a:theme>
